--- a/Prezentacja_JPWP.pptx
+++ b/Prezentacja_JPWP.pptx
@@ -5,7 +5,7 @@
     <p:sldMasterId id="2147483648" r:id="rId4"/>
   </p:sldMasterIdLst>
   <p:notesMasterIdLst>
-    <p:notesMasterId r:id="rId27"/>
+    <p:notesMasterId r:id="rId30"/>
   </p:notesMasterIdLst>
   <p:sldIdLst>
     <p:sldId id="256" r:id="rId5"/>
@@ -14,22 +14,25 @@
     <p:sldId id="259" r:id="rId8"/>
     <p:sldId id="260" r:id="rId9"/>
     <p:sldId id="262" r:id="rId10"/>
-    <p:sldId id="263" r:id="rId11"/>
-    <p:sldId id="264" r:id="rId12"/>
-    <p:sldId id="269" r:id="rId13"/>
-    <p:sldId id="270" r:id="rId14"/>
-    <p:sldId id="265" r:id="rId15"/>
-    <p:sldId id="266" r:id="rId16"/>
-    <p:sldId id="267" r:id="rId17"/>
-    <p:sldId id="268" r:id="rId18"/>
-    <p:sldId id="271" r:id="rId19"/>
-    <p:sldId id="272" r:id="rId20"/>
-    <p:sldId id="273" r:id="rId21"/>
-    <p:sldId id="274" r:id="rId22"/>
-    <p:sldId id="275" r:id="rId23"/>
-    <p:sldId id="276" r:id="rId24"/>
-    <p:sldId id="278" r:id="rId25"/>
-    <p:sldId id="277" r:id="rId26"/>
+    <p:sldId id="280" r:id="rId11"/>
+    <p:sldId id="263" r:id="rId12"/>
+    <p:sldId id="264" r:id="rId13"/>
+    <p:sldId id="269" r:id="rId14"/>
+    <p:sldId id="270" r:id="rId15"/>
+    <p:sldId id="265" r:id="rId16"/>
+    <p:sldId id="266" r:id="rId17"/>
+    <p:sldId id="267" r:id="rId18"/>
+    <p:sldId id="268" r:id="rId19"/>
+    <p:sldId id="271" r:id="rId20"/>
+    <p:sldId id="281" r:id="rId21"/>
+    <p:sldId id="282" r:id="rId22"/>
+    <p:sldId id="272" r:id="rId23"/>
+    <p:sldId id="273" r:id="rId24"/>
+    <p:sldId id="274" r:id="rId25"/>
+    <p:sldId id="275" r:id="rId26"/>
+    <p:sldId id="276" r:id="rId27"/>
+    <p:sldId id="278" r:id="rId28"/>
+    <p:sldId id="277" r:id="rId29"/>
   </p:sldIdLst>
   <p:sldSz cx="12192000" cy="6858000"/>
   <p:notesSz cx="6858000" cy="9144000"/>
@@ -139,6 +142,7 @@
             <p14:sldId id="259"/>
             <p14:sldId id="260"/>
             <p14:sldId id="262"/>
+            <p14:sldId id="280"/>
             <p14:sldId id="263"/>
             <p14:sldId id="264"/>
             <p14:sldId id="269"/>
@@ -148,6 +152,8 @@
             <p14:sldId id="267"/>
             <p14:sldId id="268"/>
             <p14:sldId id="271"/>
+            <p14:sldId id="281"/>
+            <p14:sldId id="282"/>
             <p14:sldId id="272"/>
             <p14:sldId id="273"/>
             <p14:sldId id="274"/>
@@ -169,7 +175,7 @@
 <file path=ppt/revisionInfo.xml><?xml version="1.0" encoding="utf-8"?>
 <p1510:revInfo xmlns:a="http://schemas.openxmlformats.org/drawingml/2006/main" xmlns:r="http://schemas.openxmlformats.org/officeDocument/2006/relationships" xmlns:p1510="http://schemas.microsoft.com/office/powerpoint/2015/10/main">
   <p1510:revLst>
-    <p1510:client id="{AB519BA0-B720-46C9-8C65-28E4CDD9BCAE}" v="11" dt="2025-04-13T15:35:57.425"/>
+    <p1510:client id="{04B254FE-155A-CCD5-1799-FFF69E391EA7}" v="194" dt="2025-04-27T08:16:36.572"/>
   </p1510:revLst>
 </p1510:revInfo>
 </file>
@@ -256,7 +262,7 @@
           <a:p>
             <a:fld id="{FAA59528-FC7A-468D-B6A5-F70EC3C6FD9C}" type="datetimeFigureOut">
               <a:rPr lang="en-GB" smtClean="0"/>
-              <a:t>16/04/2025</a:t>
+              <a:t>27/04/2025</a:t>
             </a:fld>
             <a:endParaRPr lang="en-GB"/>
           </a:p>
@@ -696,7 +702,13 @@
   <p:cSld>
     <p:spTree>
       <p:nvGrpSpPr>
-        <p:cNvPr id="1" name=""/>
+        <p:cNvPr id="1" name="">
+          <a:extLst>
+            <a:ext uri="{FF2B5EF4-FFF2-40B4-BE49-F238E27FC236}">
+              <a16:creationId xmlns:a16="http://schemas.microsoft.com/office/drawing/2014/main" id="{6199E314-C3BC-85A1-A6E1-C9BCC3502230}"/>
+            </a:ext>
+          </a:extLst>
+        </p:cNvPr>
         <p:cNvGrpSpPr/>
         <p:nvPr/>
       </p:nvGrpSpPr>
@@ -710,7 +722,13 @@
       </p:grpSpPr>
       <p:sp>
         <p:nvSpPr>
-          <p:cNvPr id="2" name="Slide Image Placeholder 1"/>
+          <p:cNvPr id="2" name="Slide Image Placeholder 1">
+            <a:extLst>
+              <a:ext uri="{FF2B5EF4-FFF2-40B4-BE49-F238E27FC236}">
+                <a16:creationId xmlns:a16="http://schemas.microsoft.com/office/drawing/2014/main" id="{E39ACE71-0BF9-5278-A518-36C41D6F836E}"/>
+              </a:ext>
+            </a:extLst>
+          </p:cNvPr>
           <p:cNvSpPr>
             <a:spLocks noGrp="1" noRot="1" noChangeAspect="1"/>
           </p:cNvSpPr>
@@ -722,7 +740,13 @@
       </p:sp>
       <p:sp>
         <p:nvSpPr>
-          <p:cNvPr id="3" name="Notes Placeholder 2"/>
+          <p:cNvPr id="3" name="Notes Placeholder 2">
+            <a:extLst>
+              <a:ext uri="{FF2B5EF4-FFF2-40B4-BE49-F238E27FC236}">
+                <a16:creationId xmlns:a16="http://schemas.microsoft.com/office/drawing/2014/main" id="{A4BFD010-40F3-37E4-6C8C-C887792EEAE6}"/>
+              </a:ext>
+            </a:extLst>
+          </p:cNvPr>
           <p:cNvSpPr>
             <a:spLocks noGrp="1"/>
           </p:cNvSpPr>
@@ -741,7 +765,13 @@
       </p:sp>
       <p:sp>
         <p:nvSpPr>
-          <p:cNvPr id="4" name="Slide Number Placeholder 3"/>
+          <p:cNvPr id="4" name="Slide Number Placeholder 3">
+            <a:extLst>
+              <a:ext uri="{FF2B5EF4-FFF2-40B4-BE49-F238E27FC236}">
+                <a16:creationId xmlns:a16="http://schemas.microsoft.com/office/drawing/2014/main" id="{B33ED25D-E17A-DB42-C50D-1DC186C00728}"/>
+              </a:ext>
+            </a:extLst>
+          </p:cNvPr>
           <p:cNvSpPr>
             <a:spLocks noGrp="1"/>
           </p:cNvSpPr>
@@ -765,7 +795,7 @@
     </p:spTree>
     <p:extLst>
       <p:ext uri="{BB962C8B-B14F-4D97-AF65-F5344CB8AC3E}">
-        <p14:creationId xmlns:p14="http://schemas.microsoft.com/office/powerpoint/2010/main" val="211215878"/>
+        <p14:creationId xmlns:p14="http://schemas.microsoft.com/office/powerpoint/2010/main" val="1326872035"/>
       </p:ext>
     </p:extLst>
   </p:cSld>
@@ -840,7 +870,91 @@
           <a:p>
             <a:fld id="{D975F7E8-4B02-4D16-AD3A-03C37235BCB5}" type="slidenum">
               <a:rPr lang="en-GB" smtClean="0"/>
-              <a:t>21</a:t>
+              <a:t>8</a:t>
+            </a:fld>
+            <a:endParaRPr lang="en-GB"/>
+          </a:p>
+        </p:txBody>
+      </p:sp>
+    </p:spTree>
+    <p:extLst>
+      <p:ext uri="{BB962C8B-B14F-4D97-AF65-F5344CB8AC3E}">
+        <p14:creationId xmlns:p14="http://schemas.microsoft.com/office/powerpoint/2010/main" val="211215878"/>
+      </p:ext>
+    </p:extLst>
+  </p:cSld>
+  <p:clrMapOvr>
+    <a:masterClrMapping/>
+  </p:clrMapOvr>
+</p:notes>
+</file>
+
+<file path=ppt/notesSlides/notesSlide5.xml><?xml version="1.0" encoding="utf-8"?>
+<p:notes xmlns:a="http://schemas.openxmlformats.org/drawingml/2006/main" xmlns:r="http://schemas.openxmlformats.org/officeDocument/2006/relationships" xmlns:p="http://schemas.openxmlformats.org/presentationml/2006/main">
+  <p:cSld>
+    <p:spTree>
+      <p:nvGrpSpPr>
+        <p:cNvPr id="1" name=""/>
+        <p:cNvGrpSpPr/>
+        <p:nvPr/>
+      </p:nvGrpSpPr>
+      <p:grpSpPr>
+        <a:xfrm>
+          <a:off x="0" y="0"/>
+          <a:ext cx="0" cy="0"/>
+          <a:chOff x="0" y="0"/>
+          <a:chExt cx="0" cy="0"/>
+        </a:xfrm>
+      </p:grpSpPr>
+      <p:sp>
+        <p:nvSpPr>
+          <p:cNvPr id="2" name="Slide Image Placeholder 1"/>
+          <p:cNvSpPr>
+            <a:spLocks noGrp="1" noRot="1" noChangeAspect="1"/>
+          </p:cNvSpPr>
+          <p:nvPr>
+            <p:ph type="sldImg"/>
+          </p:nvPr>
+        </p:nvSpPr>
+        <p:spPr/>
+      </p:sp>
+      <p:sp>
+        <p:nvSpPr>
+          <p:cNvPr id="3" name="Notes Placeholder 2"/>
+          <p:cNvSpPr>
+            <a:spLocks noGrp="1"/>
+          </p:cNvSpPr>
+          <p:nvPr>
+            <p:ph type="body" idx="1"/>
+          </p:nvPr>
+        </p:nvSpPr>
+        <p:spPr/>
+        <p:txBody>
+          <a:bodyPr/>
+          <a:lstStyle/>
+          <a:p>
+            <a:endParaRPr lang="en-GB" dirty="0"/>
+          </a:p>
+        </p:txBody>
+      </p:sp>
+      <p:sp>
+        <p:nvSpPr>
+          <p:cNvPr id="4" name="Slide Number Placeholder 3"/>
+          <p:cNvSpPr>
+            <a:spLocks noGrp="1"/>
+          </p:cNvSpPr>
+          <p:nvPr>
+            <p:ph type="sldNum" sz="quarter" idx="5"/>
+          </p:nvPr>
+        </p:nvSpPr>
+        <p:spPr/>
+        <p:txBody>
+          <a:bodyPr/>
+          <a:lstStyle/>
+          <a:p>
+            <a:fld id="{D975F7E8-4B02-4D16-AD3A-03C37235BCB5}" type="slidenum">
+              <a:rPr lang="en-GB" smtClean="0"/>
+              <a:t>24</a:t>
             </a:fld>
             <a:endParaRPr lang="en-GB"/>
           </a:p>
@@ -1006,7 +1120,7 @@
           <a:p>
             <a:fld id="{5D8289CD-72E1-4045-8BC5-4055EC2130E9}" type="datetimeFigureOut">
               <a:rPr lang="en-GB" smtClean="0"/>
-              <a:t>16/04/2025</a:t>
+              <a:t>27/04/2025</a:t>
             </a:fld>
             <a:endParaRPr lang="en-GB"/>
           </a:p>
@@ -1204,7 +1318,7 @@
           <a:p>
             <a:fld id="{5D8289CD-72E1-4045-8BC5-4055EC2130E9}" type="datetimeFigureOut">
               <a:rPr lang="en-GB" smtClean="0"/>
-              <a:t>16/04/2025</a:t>
+              <a:t>27/04/2025</a:t>
             </a:fld>
             <a:endParaRPr lang="en-GB"/>
           </a:p>
@@ -1412,7 +1526,7 @@
           <a:p>
             <a:fld id="{5D8289CD-72E1-4045-8BC5-4055EC2130E9}" type="datetimeFigureOut">
               <a:rPr lang="en-GB" smtClean="0"/>
-              <a:t>16/04/2025</a:t>
+              <a:t>27/04/2025</a:t>
             </a:fld>
             <a:endParaRPr lang="en-GB"/>
           </a:p>
@@ -1610,7 +1724,7 @@
           <a:p>
             <a:fld id="{5D8289CD-72E1-4045-8BC5-4055EC2130E9}" type="datetimeFigureOut">
               <a:rPr lang="en-GB" smtClean="0"/>
-              <a:t>16/04/2025</a:t>
+              <a:t>27/04/2025</a:t>
             </a:fld>
             <a:endParaRPr lang="en-GB"/>
           </a:p>
@@ -1885,7 +1999,7 @@
           <a:p>
             <a:fld id="{5D8289CD-72E1-4045-8BC5-4055EC2130E9}" type="datetimeFigureOut">
               <a:rPr lang="en-GB" smtClean="0"/>
-              <a:t>16/04/2025</a:t>
+              <a:t>27/04/2025</a:t>
             </a:fld>
             <a:endParaRPr lang="en-GB"/>
           </a:p>
@@ -2150,7 +2264,7 @@
           <a:p>
             <a:fld id="{5D8289CD-72E1-4045-8BC5-4055EC2130E9}" type="datetimeFigureOut">
               <a:rPr lang="en-GB" smtClean="0"/>
-              <a:t>16/04/2025</a:t>
+              <a:t>27/04/2025</a:t>
             </a:fld>
             <a:endParaRPr lang="en-GB"/>
           </a:p>
@@ -2562,7 +2676,7 @@
           <a:p>
             <a:fld id="{5D8289CD-72E1-4045-8BC5-4055EC2130E9}" type="datetimeFigureOut">
               <a:rPr lang="en-GB" smtClean="0"/>
-              <a:t>16/04/2025</a:t>
+              <a:t>27/04/2025</a:t>
             </a:fld>
             <a:endParaRPr lang="en-GB"/>
           </a:p>
@@ -2703,7 +2817,7 @@
           <a:p>
             <a:fld id="{5D8289CD-72E1-4045-8BC5-4055EC2130E9}" type="datetimeFigureOut">
               <a:rPr lang="en-GB" smtClean="0"/>
-              <a:t>16/04/2025</a:t>
+              <a:t>27/04/2025</a:t>
             </a:fld>
             <a:endParaRPr lang="en-GB"/>
           </a:p>
@@ -2816,7 +2930,7 @@
           <a:p>
             <a:fld id="{5D8289CD-72E1-4045-8BC5-4055EC2130E9}" type="datetimeFigureOut">
               <a:rPr lang="en-GB" smtClean="0"/>
-              <a:t>16/04/2025</a:t>
+              <a:t>27/04/2025</a:t>
             </a:fld>
             <a:endParaRPr lang="en-GB"/>
           </a:p>
@@ -3127,7 +3241,7 @@
           <a:p>
             <a:fld id="{5D8289CD-72E1-4045-8BC5-4055EC2130E9}" type="datetimeFigureOut">
               <a:rPr lang="en-GB" smtClean="0"/>
-              <a:t>16/04/2025</a:t>
+              <a:t>27/04/2025</a:t>
             </a:fld>
             <a:endParaRPr lang="en-GB"/>
           </a:p>
@@ -3415,7 +3529,7 @@
           <a:p>
             <a:fld id="{5D8289CD-72E1-4045-8BC5-4055EC2130E9}" type="datetimeFigureOut">
               <a:rPr lang="en-GB" smtClean="0"/>
-              <a:t>16/04/2025</a:t>
+              <a:t>27/04/2025</a:t>
             </a:fld>
             <a:endParaRPr lang="en-GB"/>
           </a:p>
@@ -3656,7 +3770,7 @@
           <a:p>
             <a:fld id="{5D8289CD-72E1-4045-8BC5-4055EC2130E9}" type="datetimeFigureOut">
               <a:rPr lang="en-GB" smtClean="0"/>
-              <a:t>16/04/2025</a:t>
+              <a:t>27/04/2025</a:t>
             </a:fld>
             <a:endParaRPr lang="en-GB"/>
           </a:p>
@@ -4830,6 +4944,664 @@
 </file>
 
 <file path=ppt/slides/slide10.xml><?xml version="1.0" encoding="utf-8"?>
+<p:sld xmlns:a="http://schemas.openxmlformats.org/drawingml/2006/main" xmlns:r="http://schemas.openxmlformats.org/officeDocument/2006/relationships" xmlns:p="http://schemas.openxmlformats.org/presentationml/2006/main">
+  <p:cSld>
+    <p:bg>
+      <p:bgPr>
+        <a:solidFill>
+          <a:schemeClr val="bg1"/>
+        </a:solidFill>
+        <a:effectLst/>
+      </p:bgPr>
+    </p:bg>
+    <p:spTree>
+      <p:nvGrpSpPr>
+        <p:cNvPr id="1" name=""/>
+        <p:cNvGrpSpPr/>
+        <p:nvPr/>
+      </p:nvGrpSpPr>
+      <p:grpSpPr>
+        <a:xfrm>
+          <a:off x="0" y="0"/>
+          <a:ext cx="0" cy="0"/>
+          <a:chOff x="0" y="0"/>
+          <a:chExt cx="0" cy="0"/>
+        </a:xfrm>
+      </p:grpSpPr>
+      <p:sp useBgFill="1">
+        <p:nvSpPr>
+          <p:cNvPr id="8" name="Rectangle 7">
+            <a:extLst>
+              <a:ext uri="{FF2B5EF4-FFF2-40B4-BE49-F238E27FC236}">
+                <a16:creationId xmlns:a16="http://schemas.microsoft.com/office/drawing/2014/main" id="{1B15ED52-F352-441B-82BF-E0EA34836D08}"/>
+              </a:ext>
+              <a:ext uri="{C183D7F6-B498-43B3-948B-1728B52AA6E4}">
+                <adec:decorative xmlns:adec="http://schemas.microsoft.com/office/drawing/2017/decorative" val="1"/>
+              </a:ext>
+            </a:extLst>
+          </p:cNvPr>
+          <p:cNvSpPr>
+            <a:spLocks noGrp="1" noRot="1" noChangeAspect="1" noMove="1" noResize="1" noEditPoints="1" noAdjustHandles="1" noChangeArrowheads="1" noChangeShapeType="1" noTextEdit="1"/>
+          </p:cNvSpPr>
+          <p:nvPr>
+            <p:extLst>
+              <p:ext uri="{386F3935-93C4-4BCD-93E2-E3B085C9AB24}">
+                <p16:designElem xmlns:p16="http://schemas.microsoft.com/office/powerpoint/2015/main" val="1"/>
+              </p:ext>
+            </p:extLst>
+          </p:nvPr>
+        </p:nvSpPr>
+        <p:spPr>
+          <a:xfrm>
+            <a:off x="0" y="0"/>
+            <a:ext cx="12192000" cy="6858000"/>
+          </a:xfrm>
+          <a:prstGeom prst="rect">
+            <a:avLst/>
+          </a:prstGeom>
+          <a:ln w="12700" cap="flat" cmpd="sng" algn="ctr">
+            <a:noFill/>
+            <a:prstDash val="solid"/>
+            <a:miter lim="800000"/>
+          </a:ln>
+          <a:effectLst/>
+          <a:extLst>
+            <a:ext uri="{91240B29-F687-4F45-9708-019B960494DF}">
+              <a14:hiddenLine xmlns:a14="http://schemas.microsoft.com/office/drawing/2010/main" w="12700" cap="flat" cmpd="sng" algn="ctr">
+                <a:solidFill>
+                  <a:schemeClr val="accent1">
+                    <a:shade val="50000"/>
+                  </a:schemeClr>
+                </a:solidFill>
+                <a:prstDash val="solid"/>
+                <a:miter lim="800000"/>
+              </a14:hiddenLine>
+            </a:ext>
+          </a:extLst>
+        </p:spPr>
+        <p:style>
+          <a:lnRef idx="2">
+            <a:schemeClr val="accent1">
+              <a:shade val="50000"/>
+            </a:schemeClr>
+          </a:lnRef>
+          <a:fillRef idx="1">
+            <a:schemeClr val="accent1"/>
+          </a:fillRef>
+          <a:effectRef idx="0">
+            <a:schemeClr val="accent1"/>
+          </a:effectRef>
+          <a:fontRef idx="minor">
+            <a:schemeClr val="lt1"/>
+          </a:fontRef>
+        </p:style>
+        <p:txBody>
+          <a:bodyPr rtlCol="0" anchor="ctr"/>
+          <a:lstStyle/>
+          <a:p>
+            <a:pPr algn="ctr"/>
+            <a:endParaRPr lang="pl-PL" noProof="0" dirty="0"/>
+          </a:p>
+        </p:txBody>
+      </p:sp>
+      <p:sp>
+        <p:nvSpPr>
+          <p:cNvPr id="10" name="Rectangle 9">
+            <a:extLst>
+              <a:ext uri="{FF2B5EF4-FFF2-40B4-BE49-F238E27FC236}">
+                <a16:creationId xmlns:a16="http://schemas.microsoft.com/office/drawing/2014/main" id="{3B2E3793-BFE6-45A2-9B7B-E18844431C99}"/>
+              </a:ext>
+              <a:ext uri="{C183D7F6-B498-43B3-948B-1728B52AA6E4}">
+                <adec:decorative xmlns:adec="http://schemas.microsoft.com/office/drawing/2017/decorative" val="1"/>
+              </a:ext>
+            </a:extLst>
+          </p:cNvPr>
+          <p:cNvSpPr>
+            <a:spLocks noGrp="1" noRot="1" noChangeAspect="1" noMove="1" noResize="1" noEditPoints="1" noAdjustHandles="1" noChangeArrowheads="1" noChangeShapeType="1" noTextEdit="1"/>
+          </p:cNvSpPr>
+          <p:nvPr>
+            <p:extLst>
+              <p:ext uri="{386F3935-93C4-4BCD-93E2-E3B085C9AB24}">
+                <p16:designElem xmlns:p16="http://schemas.microsoft.com/office/powerpoint/2015/main" val="1"/>
+              </p:ext>
+            </p:extLst>
+          </p:nvPr>
+        </p:nvSpPr>
+        <p:spPr>
+          <a:xfrm flipH="1">
+            <a:off x="-1" y="-1"/>
+            <a:ext cx="12191998" cy="1590742"/>
+          </a:xfrm>
+          <a:prstGeom prst="rect">
+            <a:avLst/>
+          </a:prstGeom>
+          <a:gradFill>
+            <a:gsLst>
+              <a:gs pos="0">
+                <a:srgbClr val="000000"/>
+              </a:gs>
+              <a:gs pos="100000">
+                <a:schemeClr val="accent1">
+                  <a:lumMod val="75000"/>
+                </a:schemeClr>
+              </a:gs>
+            </a:gsLst>
+            <a:lin ang="8400000" scaled="0"/>
+          </a:gradFill>
+          <a:ln>
+            <a:noFill/>
+          </a:ln>
+        </p:spPr>
+        <p:style>
+          <a:lnRef idx="2">
+            <a:schemeClr val="accent1">
+              <a:shade val="50000"/>
+            </a:schemeClr>
+          </a:lnRef>
+          <a:fillRef idx="1">
+            <a:schemeClr val="accent1"/>
+          </a:fillRef>
+          <a:effectRef idx="0">
+            <a:schemeClr val="accent1"/>
+          </a:effectRef>
+          <a:fontRef idx="minor">
+            <a:schemeClr val="lt1"/>
+          </a:fontRef>
+        </p:style>
+        <p:txBody>
+          <a:bodyPr rtlCol="0" anchor="ctr"/>
+          <a:lstStyle/>
+          <a:p>
+            <a:pPr algn="ctr"/>
+            <a:endParaRPr lang="pl-PL" noProof="0" dirty="0"/>
+          </a:p>
+        </p:txBody>
+      </p:sp>
+      <p:sp>
+        <p:nvSpPr>
+          <p:cNvPr id="12" name="Rectangle 11">
+            <a:extLst>
+              <a:ext uri="{FF2B5EF4-FFF2-40B4-BE49-F238E27FC236}">
+                <a16:creationId xmlns:a16="http://schemas.microsoft.com/office/drawing/2014/main" id="{BC4C4868-CB8F-4AF9-9CDB-8108F2C19B67}"/>
+              </a:ext>
+              <a:ext uri="{C183D7F6-B498-43B3-948B-1728B52AA6E4}">
+                <adec:decorative xmlns:adec="http://schemas.microsoft.com/office/drawing/2017/decorative" val="1"/>
+              </a:ext>
+            </a:extLst>
+          </p:cNvPr>
+          <p:cNvSpPr>
+            <a:spLocks noGrp="1" noRot="1" noChangeAspect="1" noMove="1" noResize="1" noEditPoints="1" noAdjustHandles="1" noChangeArrowheads="1" noChangeShapeType="1" noTextEdit="1"/>
+          </p:cNvSpPr>
+          <p:nvPr>
+            <p:extLst>
+              <p:ext uri="{386F3935-93C4-4BCD-93E2-E3B085C9AB24}">
+                <p16:designElem xmlns:p16="http://schemas.microsoft.com/office/powerpoint/2015/main" val="1"/>
+              </p:ext>
+            </p:extLst>
+          </p:nvPr>
+        </p:nvSpPr>
+        <p:spPr>
+          <a:xfrm rot="10800000" flipH="1">
+            <a:off x="-3" y="0"/>
+            <a:ext cx="8115306" cy="1590742"/>
+          </a:xfrm>
+          <a:prstGeom prst="rect">
+            <a:avLst/>
+          </a:prstGeom>
+          <a:gradFill>
+            <a:gsLst>
+              <a:gs pos="20000">
+                <a:schemeClr val="accent1">
+                  <a:alpha val="0"/>
+                </a:schemeClr>
+              </a:gs>
+              <a:gs pos="100000">
+                <a:schemeClr val="accent1">
+                  <a:lumMod val="50000"/>
+                  <a:alpha val="55000"/>
+                </a:schemeClr>
+              </a:gs>
+            </a:gsLst>
+            <a:lin ang="13800000" scaled="0"/>
+          </a:gradFill>
+          <a:ln>
+            <a:noFill/>
+          </a:ln>
+        </p:spPr>
+        <p:style>
+          <a:lnRef idx="2">
+            <a:schemeClr val="accent1">
+              <a:shade val="50000"/>
+            </a:schemeClr>
+          </a:lnRef>
+          <a:fillRef idx="1">
+            <a:schemeClr val="accent1"/>
+          </a:fillRef>
+          <a:effectRef idx="0">
+            <a:schemeClr val="accent1"/>
+          </a:effectRef>
+          <a:fontRef idx="minor">
+            <a:schemeClr val="lt1"/>
+          </a:fontRef>
+        </p:style>
+        <p:txBody>
+          <a:bodyPr rtlCol="0" anchor="ctr"/>
+          <a:lstStyle/>
+          <a:p>
+            <a:pPr algn="ctr"/>
+            <a:endParaRPr lang="pl-PL" noProof="0" dirty="0"/>
+          </a:p>
+        </p:txBody>
+      </p:sp>
+      <p:sp>
+        <p:nvSpPr>
+          <p:cNvPr id="14" name="Rectangle 13">
+            <a:extLst>
+              <a:ext uri="{FF2B5EF4-FFF2-40B4-BE49-F238E27FC236}">
+                <a16:creationId xmlns:a16="http://schemas.microsoft.com/office/drawing/2014/main" id="{375E0459-6403-40CD-989D-56A4407CA12E}"/>
+              </a:ext>
+              <a:ext uri="{C183D7F6-B498-43B3-948B-1728B52AA6E4}">
+                <adec:decorative xmlns:adec="http://schemas.microsoft.com/office/drawing/2017/decorative" val="1"/>
+              </a:ext>
+            </a:extLst>
+          </p:cNvPr>
+          <p:cNvSpPr>
+            <a:spLocks noGrp="1" noRot="1" noChangeAspect="1" noMove="1" noResize="1" noEditPoints="1" noAdjustHandles="1" noChangeArrowheads="1" noChangeShapeType="1" noTextEdit="1"/>
+          </p:cNvSpPr>
+          <p:nvPr>
+            <p:extLst>
+              <p:ext uri="{386F3935-93C4-4BCD-93E2-E3B085C9AB24}">
+                <p16:designElem xmlns:p16="http://schemas.microsoft.com/office/powerpoint/2015/main" val="1"/>
+              </p:ext>
+            </p:extLst>
+          </p:nvPr>
+        </p:nvSpPr>
+        <p:spPr>
+          <a:xfrm flipH="1">
+            <a:off x="8115299" y="-1"/>
+            <a:ext cx="4076698" cy="1590742"/>
+          </a:xfrm>
+          <a:prstGeom prst="rect">
+            <a:avLst/>
+          </a:prstGeom>
+          <a:gradFill>
+            <a:gsLst>
+              <a:gs pos="0">
+                <a:schemeClr val="accent1">
+                  <a:alpha val="66000"/>
+                </a:schemeClr>
+              </a:gs>
+              <a:gs pos="100000">
+                <a:srgbClr val="000000">
+                  <a:alpha val="30000"/>
+                </a:srgbClr>
+              </a:gs>
+            </a:gsLst>
+            <a:lin ang="13200000" scaled="0"/>
+          </a:gradFill>
+          <a:ln>
+            <a:noFill/>
+          </a:ln>
+        </p:spPr>
+        <p:style>
+          <a:lnRef idx="2">
+            <a:schemeClr val="accent1">
+              <a:shade val="50000"/>
+            </a:schemeClr>
+          </a:lnRef>
+          <a:fillRef idx="1">
+            <a:schemeClr val="accent1"/>
+          </a:fillRef>
+          <a:effectRef idx="0">
+            <a:schemeClr val="accent1"/>
+          </a:effectRef>
+          <a:fontRef idx="minor">
+            <a:schemeClr val="lt1"/>
+          </a:fontRef>
+        </p:style>
+        <p:txBody>
+          <a:bodyPr rtlCol="0" anchor="ctr"/>
+          <a:lstStyle/>
+          <a:p>
+            <a:pPr algn="ctr"/>
+            <a:endParaRPr lang="pl-PL" noProof="0" dirty="0"/>
+          </a:p>
+        </p:txBody>
+      </p:sp>
+      <p:sp>
+        <p:nvSpPr>
+          <p:cNvPr id="16" name="Rectangle 15">
+            <a:extLst>
+              <a:ext uri="{FF2B5EF4-FFF2-40B4-BE49-F238E27FC236}">
+                <a16:creationId xmlns:a16="http://schemas.microsoft.com/office/drawing/2014/main" id="{53E5B1A8-3AC9-4BD1-9BBC-78CA94F2D1BA}"/>
+              </a:ext>
+              <a:ext uri="{C183D7F6-B498-43B3-948B-1728B52AA6E4}">
+                <adec:decorative xmlns:adec="http://schemas.microsoft.com/office/drawing/2017/decorative" val="1"/>
+              </a:ext>
+            </a:extLst>
+          </p:cNvPr>
+          <p:cNvSpPr>
+            <a:spLocks noGrp="1" noRot="1" noChangeAspect="1" noMove="1" noResize="1" noEditPoints="1" noAdjustHandles="1" noChangeArrowheads="1" noChangeShapeType="1" noTextEdit="1"/>
+          </p:cNvSpPr>
+          <p:nvPr>
+            <p:extLst>
+              <p:ext uri="{386F3935-93C4-4BCD-93E2-E3B085C9AB24}">
+                <p16:designElem xmlns:p16="http://schemas.microsoft.com/office/powerpoint/2015/main" val="1"/>
+              </p:ext>
+            </p:extLst>
+          </p:nvPr>
+        </p:nvSpPr>
+        <p:spPr>
+          <a:xfrm>
+            <a:off x="459350" y="-1"/>
+            <a:ext cx="11732646" cy="1597433"/>
+          </a:xfrm>
+          <a:prstGeom prst="rect">
+            <a:avLst/>
+          </a:prstGeom>
+          <a:gradFill>
+            <a:gsLst>
+              <a:gs pos="50000">
+                <a:srgbClr val="000000">
+                  <a:alpha val="0"/>
+                </a:srgbClr>
+              </a:gs>
+              <a:gs pos="99000">
+                <a:schemeClr val="accent1">
+                  <a:lumMod val="50000"/>
+                  <a:alpha val="52000"/>
+                </a:schemeClr>
+              </a:gs>
+            </a:gsLst>
+            <a:lin ang="16800000" scaled="0"/>
+          </a:gradFill>
+          <a:ln>
+            <a:noFill/>
+          </a:ln>
+        </p:spPr>
+        <p:style>
+          <a:lnRef idx="2">
+            <a:schemeClr val="accent1">
+              <a:shade val="50000"/>
+            </a:schemeClr>
+          </a:lnRef>
+          <a:fillRef idx="1">
+            <a:schemeClr val="accent1"/>
+          </a:fillRef>
+          <a:effectRef idx="0">
+            <a:schemeClr val="accent1"/>
+          </a:effectRef>
+          <a:fontRef idx="minor">
+            <a:schemeClr val="lt1"/>
+          </a:fontRef>
+        </p:style>
+        <p:txBody>
+          <a:bodyPr rtlCol="0" anchor="ctr"/>
+          <a:lstStyle/>
+          <a:p>
+            <a:pPr algn="ctr"/>
+            <a:endParaRPr lang="pl-PL" noProof="0" dirty="0"/>
+          </a:p>
+        </p:txBody>
+      </p:sp>
+      <p:sp>
+        <p:nvSpPr>
+          <p:cNvPr id="2" name="Title 1">
+            <a:extLst>
+              <a:ext uri="{FF2B5EF4-FFF2-40B4-BE49-F238E27FC236}">
+                <a16:creationId xmlns:a16="http://schemas.microsoft.com/office/drawing/2014/main" id="{681317EF-DB20-F052-2774-06E4E5B6D358}"/>
+              </a:ext>
+            </a:extLst>
+          </p:cNvPr>
+          <p:cNvSpPr>
+            <a:spLocks noGrp="1"/>
+          </p:cNvSpPr>
+          <p:nvPr>
+            <p:ph type="title"/>
+          </p:nvPr>
+        </p:nvSpPr>
+        <p:spPr>
+          <a:xfrm>
+            <a:off x="1371599" y="294538"/>
+            <a:ext cx="9895951" cy="1033669"/>
+          </a:xfrm>
+        </p:spPr>
+        <p:txBody>
+          <a:bodyPr>
+            <a:normAutofit/>
+          </a:bodyPr>
+          <a:lstStyle/>
+          <a:p>
+            <a:r>
+              <a:rPr lang="pl-PL" sz="4000" noProof="0" dirty="0">
+                <a:solidFill>
+                  <a:srgbClr val="FFFFFF"/>
+                </a:solidFill>
+              </a:rPr>
+              <a:t>⚙️ </a:t>
+            </a:r>
+            <a:r>
+              <a:rPr lang="pl-PL" sz="4000" b="1" noProof="0" dirty="0">
+                <a:solidFill>
+                  <a:srgbClr val="FFFFFF"/>
+                </a:solidFill>
+              </a:rPr>
+              <a:t>Wielowątkowość (</a:t>
+            </a:r>
+            <a:r>
+              <a:rPr lang="pl-PL" sz="4000" b="1" noProof="0" dirty="0" err="1">
+                <a:solidFill>
+                  <a:srgbClr val="FFFFFF"/>
+                </a:solidFill>
+              </a:rPr>
+              <a:t>multithreading</a:t>
+            </a:r>
+            <a:r>
+              <a:rPr lang="pl-PL" sz="4000" b="1" noProof="0" dirty="0">
+                <a:solidFill>
+                  <a:srgbClr val="FFFFFF"/>
+                </a:solidFill>
+              </a:rPr>
+              <a:t>)</a:t>
+            </a:r>
+            <a:endParaRPr lang="pl-PL" sz="4000" noProof="0" dirty="0">
+              <a:solidFill>
+                <a:srgbClr val="FFFFFF"/>
+              </a:solidFill>
+            </a:endParaRPr>
+          </a:p>
+        </p:txBody>
+      </p:sp>
+      <p:sp>
+        <p:nvSpPr>
+          <p:cNvPr id="3" name="Content Placeholder 2">
+            <a:extLst>
+              <a:ext uri="{FF2B5EF4-FFF2-40B4-BE49-F238E27FC236}">
+                <a16:creationId xmlns:a16="http://schemas.microsoft.com/office/drawing/2014/main" id="{BC7F5565-3460-0152-3C5F-5E5465FED8C4}"/>
+              </a:ext>
+            </a:extLst>
+          </p:cNvPr>
+          <p:cNvSpPr>
+            <a:spLocks noGrp="1"/>
+          </p:cNvSpPr>
+          <p:nvPr>
+            <p:ph idx="1"/>
+          </p:nvPr>
+        </p:nvSpPr>
+        <p:spPr>
+          <a:xfrm>
+            <a:off x="1371599" y="2318197"/>
+            <a:ext cx="9724031" cy="3683358"/>
+          </a:xfrm>
+        </p:spPr>
+        <p:txBody>
+          <a:bodyPr anchor="ctr">
+            <a:normAutofit/>
+          </a:bodyPr>
+          <a:lstStyle/>
+          <a:p>
+            <a:pPr marL="0" indent="0">
+              <a:buNone/>
+            </a:pPr>
+            <a:r>
+              <a:rPr lang="pl-PL" sz="2000" b="0" i="0" noProof="0" dirty="0">
+                <a:effectLst/>
+              </a:rPr>
+              <a:t>🔧</a:t>
+            </a:r>
+            <a:r>
+              <a:rPr lang="pl-PL" sz="2000" b="1" noProof="0" dirty="0"/>
+              <a:t>Technologie wykorzystujące wielowątkowość:</a:t>
+            </a:r>
+          </a:p>
+          <a:p>
+            <a:pPr marL="0" indent="0">
+              <a:buNone/>
+            </a:pPr>
+            <a:endParaRPr lang="pl-PL" sz="2000" noProof="0" dirty="0"/>
+          </a:p>
+          <a:p>
+            <a:pPr marL="0" indent="0">
+              <a:buNone/>
+            </a:pPr>
+            <a:r>
+              <a:rPr lang="pl-PL" sz="2000" b="1" noProof="0" dirty="0"/>
+              <a:t>🐍</a:t>
+            </a:r>
+            <a:r>
+              <a:rPr lang="pl-PL" sz="2000" b="1" noProof="0" dirty="0" err="1"/>
+              <a:t>Python</a:t>
+            </a:r>
+            <a:r>
+              <a:rPr lang="pl-PL" sz="2000" b="1" noProof="0" dirty="0"/>
+              <a:t>: </a:t>
+            </a:r>
+            <a:r>
+              <a:rPr lang="pl-PL" sz="2000" noProof="0" dirty="0" err="1"/>
+              <a:t>threading</a:t>
+            </a:r>
+            <a:r>
+              <a:rPr lang="pl-PL" sz="2000" noProof="0" dirty="0"/>
+              <a:t> (z GIL), </a:t>
+            </a:r>
+            <a:r>
+              <a:rPr lang="pl-PL" sz="2000" noProof="0" dirty="0" err="1"/>
+              <a:t>concurrent.futures.ThreadPoolExecutor</a:t>
+            </a:r>
+            <a:r>
+              <a:rPr lang="pl-PL" sz="2000" noProof="0" dirty="0"/>
+              <a:t>  (pule wątków)</a:t>
+            </a:r>
+          </a:p>
+          <a:p>
+            <a:pPr marL="0" indent="0">
+              <a:buNone/>
+            </a:pPr>
+            <a:endParaRPr lang="pl-PL" sz="2000" noProof="0" dirty="0"/>
+          </a:p>
+          <a:p>
+            <a:pPr marL="0" indent="0">
+              <a:buNone/>
+            </a:pPr>
+            <a:r>
+              <a:rPr lang="pl-PL" sz="2000" b="1" noProof="0" dirty="0"/>
+              <a:t>☕Java: </a:t>
+            </a:r>
+            <a:r>
+              <a:rPr lang="pl-PL" sz="2000" noProof="0" dirty="0" err="1"/>
+              <a:t>Thread</a:t>
+            </a:r>
+            <a:r>
+              <a:rPr lang="pl-PL" sz="2000" noProof="0" dirty="0"/>
+              <a:t>, </a:t>
+            </a:r>
+            <a:r>
+              <a:rPr lang="pl-PL" sz="2000" noProof="0" dirty="0" err="1"/>
+              <a:t>Runnable</a:t>
+            </a:r>
+            <a:endParaRPr lang="pl-PL" sz="2000" noProof="0" dirty="0"/>
+          </a:p>
+          <a:p>
+            <a:endParaRPr lang="pl-PL" sz="2000" noProof="0" dirty="0"/>
+          </a:p>
+          <a:p>
+            <a:pPr marL="0" indent="0">
+              <a:buNone/>
+            </a:pPr>
+            <a:r>
+              <a:rPr lang="pl-PL" sz="2000" b="1" noProof="0" dirty="0"/>
+              <a:t>➕C++: </a:t>
+            </a:r>
+            <a:r>
+              <a:rPr lang="pl-PL" sz="2000" noProof="0" dirty="0" err="1"/>
+              <a:t>std</a:t>
+            </a:r>
+            <a:r>
+              <a:rPr lang="pl-PL" sz="2000" noProof="0" dirty="0"/>
+              <a:t>::</a:t>
+            </a:r>
+            <a:r>
+              <a:rPr lang="pl-PL" sz="2000" noProof="0" dirty="0" err="1"/>
+              <a:t>thread</a:t>
+            </a:r>
+            <a:endParaRPr lang="pl-PL" sz="2000" noProof="0" dirty="0"/>
+          </a:p>
+          <a:p>
+            <a:endParaRPr lang="pl-PL" sz="2000" noProof="0" dirty="0"/>
+          </a:p>
+          <a:p>
+            <a:pPr marL="0" indent="0">
+              <a:buNone/>
+            </a:pPr>
+            <a:r>
+              <a:rPr lang="pl-PL" sz="2000" b="1" noProof="0" dirty="0"/>
+              <a:t> #️ C#</a:t>
+            </a:r>
+            <a:r>
+              <a:rPr lang="pl-PL" sz="2000" noProof="0" dirty="0"/>
+              <a:t>: </a:t>
+            </a:r>
+            <a:r>
+              <a:rPr lang="pl-PL" sz="2000" noProof="0" dirty="0" err="1"/>
+              <a:t>System.Threading</a:t>
+            </a:r>
+            <a:r>
+              <a:rPr lang="pl-PL" sz="2000" noProof="0" dirty="0"/>
+              <a:t> (</a:t>
+            </a:r>
+            <a:r>
+              <a:rPr lang="pl-PL" sz="2000" noProof="0" dirty="0" err="1"/>
+              <a:t>Thread</a:t>
+            </a:r>
+            <a:r>
+              <a:rPr lang="pl-PL" sz="2000" noProof="0" dirty="0"/>
+              <a:t>, </a:t>
+            </a:r>
+            <a:r>
+              <a:rPr lang="pl-PL" sz="2000" noProof="0" dirty="0" err="1"/>
+              <a:t>ThreadPool</a:t>
+            </a:r>
+            <a:r>
+              <a:rPr lang="pl-PL" sz="2000" noProof="0" dirty="0"/>
+              <a:t>)</a:t>
+            </a:r>
+          </a:p>
+        </p:txBody>
+      </p:sp>
+    </p:spTree>
+    <p:extLst>
+      <p:ext uri="{BB962C8B-B14F-4D97-AF65-F5344CB8AC3E}">
+        <p14:creationId xmlns:p14="http://schemas.microsoft.com/office/powerpoint/2010/main" val="234811535"/>
+      </p:ext>
+    </p:extLst>
+  </p:cSld>
+  <p:clrMapOvr>
+    <a:masterClrMapping/>
+  </p:clrMapOvr>
+</p:sld>
+</file>
+
+<file path=ppt/slides/slide11.xml><?xml version="1.0" encoding="utf-8"?>
 <p:sld xmlns:a="http://schemas.openxmlformats.org/drawingml/2006/main" xmlns:r="http://schemas.openxmlformats.org/officeDocument/2006/relationships" xmlns:p="http://schemas.openxmlformats.org/presentationml/2006/main">
   <p:cSld>
     <p:bg>
@@ -6070,7 +6842,7 @@
 </p:sld>
 </file>
 
-<file path=ppt/slides/slide11.xml><?xml version="1.0" encoding="utf-8"?>
+<file path=ppt/slides/slide12.xml><?xml version="1.0" encoding="utf-8"?>
 <p:sld xmlns:a="http://schemas.openxmlformats.org/drawingml/2006/main" xmlns:r="http://schemas.openxmlformats.org/officeDocument/2006/relationships" xmlns:p="http://schemas.openxmlformats.org/presentationml/2006/main">
   <p:cSld>
     <p:bg>
@@ -6805,7 +7577,7 @@
 </p:sld>
 </file>
 
-<file path=ppt/slides/slide12.xml><?xml version="1.0" encoding="utf-8"?>
+<file path=ppt/slides/slide13.xml><?xml version="1.0" encoding="utf-8"?>
 <p:sld xmlns:a="http://schemas.openxmlformats.org/drawingml/2006/main" xmlns:r="http://schemas.openxmlformats.org/officeDocument/2006/relationships" xmlns:p="http://schemas.openxmlformats.org/presentationml/2006/main">
   <p:cSld>
     <p:bg>
@@ -7406,7 +8178,7 @@
 </p:sld>
 </file>
 
-<file path=ppt/slides/slide13.xml><?xml version="1.0" encoding="utf-8"?>
+<file path=ppt/slides/slide14.xml><?xml version="1.0" encoding="utf-8"?>
 <p:sld xmlns:a="http://schemas.openxmlformats.org/drawingml/2006/main" xmlns:r="http://schemas.openxmlformats.org/officeDocument/2006/relationships" xmlns:p="http://schemas.openxmlformats.org/presentationml/2006/main">
   <p:cSld>
     <p:bg>
@@ -7986,7 +8758,7 @@
 </p:sld>
 </file>
 
-<file path=ppt/slides/slide14.xml><?xml version="1.0" encoding="utf-8"?>
+<file path=ppt/slides/slide15.xml><?xml version="1.0" encoding="utf-8"?>
 <p:sld xmlns:a="http://schemas.openxmlformats.org/drawingml/2006/main" xmlns:r="http://schemas.openxmlformats.org/officeDocument/2006/relationships" xmlns:p="http://schemas.openxmlformats.org/presentationml/2006/main">
   <p:cSld>
     <p:bg>
@@ -8633,7 +9405,7 @@
 </p:sld>
 </file>
 
-<file path=ppt/slides/slide15.xml><?xml version="1.0" encoding="utf-8"?>
+<file path=ppt/slides/slide16.xml><?xml version="1.0" encoding="utf-8"?>
 <p:sld xmlns:a="http://schemas.openxmlformats.org/drawingml/2006/main" xmlns:r="http://schemas.openxmlformats.org/officeDocument/2006/relationships" xmlns:p="http://schemas.openxmlformats.org/presentationml/2006/main">
   <p:cSld>
     <p:bg>
@@ -8752,7 +9524,7 @@
         </p:nvSpPr>
         <p:spPr>
           <a:xfrm>
-            <a:off x="4498520" y="200736"/>
+            <a:off x="4039366" y="-4418"/>
             <a:ext cx="6852878" cy="1667569"/>
           </a:xfrm>
         </p:spPr>
@@ -8778,52 +9550,6 @@
           </a:p>
         </p:txBody>
       </p:sp>
-      <p:pic>
-        <p:nvPicPr>
-          <p:cNvPr id="6146" name="Picture 2" descr="A diagram of a diagram&#10;&#10;AI-generated content may be incorrect.">
-            <a:extLst>
-              <a:ext uri="{FF2B5EF4-FFF2-40B4-BE49-F238E27FC236}">
-                <a16:creationId xmlns:a16="http://schemas.microsoft.com/office/drawing/2014/main" id="{1C001C18-F1EC-F466-3155-EC25D2AC3F38}"/>
-              </a:ext>
-            </a:extLst>
-          </p:cNvPr>
-          <p:cNvPicPr>
-            <a:picLocks noChangeAspect="1" noChangeArrowheads="1"/>
-          </p:cNvPicPr>
-          <p:nvPr/>
-        </p:nvPicPr>
-        <p:blipFill>
-          <a:blip r:embed="rId2">
-            <a:extLst>
-              <a:ext uri="{28A0092B-C50C-407E-A947-70E740481C1C}">
-                <a14:useLocalDpi xmlns:a14="http://schemas.microsoft.com/office/drawing/2010/main" val="0"/>
-              </a:ext>
-            </a:extLst>
-          </a:blip>
-          <a:stretch>
-            <a:fillRect/>
-          </a:stretch>
-        </p:blipFill>
-        <p:spPr bwMode="auto">
-          <a:xfrm>
-            <a:off x="840602" y="766296"/>
-            <a:ext cx="3158592" cy="3962598"/>
-          </a:xfrm>
-          <a:prstGeom prst="rect">
-            <a:avLst/>
-          </a:prstGeom>
-          <a:noFill/>
-          <a:extLst>
-            <a:ext uri="{909E8E84-426E-40DD-AFC4-6F175D3DCCD1}">
-              <a14:hiddenFill xmlns:a14="http://schemas.microsoft.com/office/drawing/2010/main">
-                <a:solidFill>
-                  <a:srgbClr val="FFFFFF"/>
-                </a:solidFill>
-              </a14:hiddenFill>
-            </a:ext>
-          </a:extLst>
-        </p:spPr>
-      </p:pic>
       <p:sp>
         <p:nvSpPr>
           <p:cNvPr id="3" name="Content Placeholder 2">
@@ -8848,229 +9574,95 @@
         </p:spPr>
         <p:txBody>
           <a:bodyPr anchor="t">
-            <a:normAutofit fontScale="25000" lnSpcReduction="20000"/>
+            <a:normAutofit/>
           </a:bodyPr>
           <a:lstStyle/>
           <a:p>
-            <a:r>
-              <a:rPr lang="pl-PL" sz="6400" b="1" noProof="0" dirty="0" err="1"/>
+            <a:pPr marL="0" indent="0">
+              <a:buNone/>
+            </a:pPr>
+            <a:r>
+              <a:rPr lang="pl-PL" sz="2000" b="1" noProof="0" err="1"/>
               <a:t>Hyper-Threading</a:t>
             </a:r>
             <a:r>
-              <a:rPr lang="pl-PL" sz="6400" b="1" noProof="0" dirty="0"/>
+              <a:rPr lang="pl-PL" sz="2000" b="1" noProof="0" dirty="0"/>
               <a:t> Technology (HTT)</a:t>
             </a:r>
             <a:r>
-              <a:rPr lang="pl-PL" sz="6400" noProof="0" dirty="0"/>
+              <a:rPr lang="pl-PL" sz="2000" noProof="0" dirty="0"/>
               <a:t> to technologia opracowana przez firmę </a:t>
             </a:r>
             <a:r>
-              <a:rPr lang="pl-PL" sz="6400" b="1" noProof="0" dirty="0"/>
+              <a:rPr lang="pl-PL" sz="2000" b="1" noProof="0" dirty="0"/>
               <a:t>Intel</a:t>
             </a:r>
             <a:r>
-              <a:rPr lang="pl-PL" sz="6400" noProof="0" dirty="0"/>
+              <a:rPr lang="pl-PL" sz="2000" noProof="0" dirty="0"/>
               <a:t>, po raz pierwszy zaimplementowana w </a:t>
             </a:r>
             <a:r>
-              <a:rPr lang="pl-PL" sz="6400" b="1" noProof="0" dirty="0"/>
+              <a:rPr lang="pl-PL" sz="2000" b="1" noProof="0" dirty="0"/>
               <a:t>marcu 2002 roku</a:t>
             </a:r>
             <a:r>
-              <a:rPr lang="pl-PL" sz="6400" noProof="0" dirty="0"/>
+              <a:rPr lang="pl-PL" sz="2000" noProof="0" dirty="0"/>
               <a:t> w procesorach </a:t>
             </a:r>
             <a:r>
-              <a:rPr lang="pl-PL" sz="6400" b="1" noProof="0" dirty="0"/>
+              <a:rPr lang="pl-PL" sz="2000" b="1" noProof="0" dirty="0"/>
               <a:t>Xeon Foster MP</a:t>
             </a:r>
             <a:r>
-              <a:rPr lang="pl-PL" sz="6400" noProof="0" dirty="0"/>
+              <a:rPr lang="pl-PL" sz="2000" noProof="0" dirty="0"/>
               <a:t>.</a:t>
             </a:r>
-          </a:p>
-          <a:p>
-            <a:r>
-              <a:rPr lang="pl-PL" sz="6400" noProof="0" dirty="0"/>
+            <a:endParaRPr lang="pl-PL" sz="2000" dirty="0"/>
+          </a:p>
+          <a:p>
+            <a:pPr marL="0" indent="0">
+              <a:buNone/>
+            </a:pPr>
+            <a:endParaRPr lang="pl-PL" sz="2000" dirty="0"/>
+          </a:p>
+          <a:p>
+            <a:pPr marL="0" indent="0">
+              <a:buNone/>
+            </a:pPr>
+            <a:r>
+              <a:rPr lang="pl-PL" sz="2000" noProof="0" dirty="0"/>
               <a:t>Pozwala ona jednemu </a:t>
             </a:r>
             <a:r>
-              <a:rPr lang="pl-PL" sz="6400" b="1" noProof="0" dirty="0"/>
+              <a:rPr lang="pl-PL" sz="2000" b="1" noProof="0" dirty="0"/>
               <a:t>fizycznemu rdzeniowi procesora</a:t>
             </a:r>
             <a:r>
-              <a:rPr lang="pl-PL" sz="6400" noProof="0" dirty="0"/>
+              <a:rPr lang="pl-PL" sz="2000" noProof="0" dirty="0"/>
               <a:t> obsługiwać </a:t>
             </a:r>
             <a:r>
-              <a:rPr lang="pl-PL" sz="6400" b="1" noProof="0" dirty="0"/>
+              <a:rPr lang="pl-PL" sz="2000" b="1" noProof="0" dirty="0"/>
               <a:t>dwa (lub więcej) wątki jednocześnie</a:t>
             </a:r>
             <a:r>
-              <a:rPr lang="pl-PL" sz="6400" noProof="0" dirty="0"/>
+              <a:rPr lang="pl-PL" sz="2000" noProof="0" dirty="0"/>
               <a:t>. Mówiąc prościej — jest to sprzętowa implementacja </a:t>
             </a:r>
             <a:r>
-              <a:rPr lang="pl-PL" sz="6400" b="1" noProof="0" dirty="0"/>
+              <a:rPr lang="pl-PL" sz="2000" b="1" noProof="0" dirty="0"/>
               <a:t>wielowątkowości współbieżnej</a:t>
             </a:r>
             <a:r>
-              <a:rPr lang="pl-PL" sz="6400" noProof="0" dirty="0"/>
+              <a:rPr lang="pl-PL" sz="2000" noProof="0" dirty="0"/>
               <a:t>.</a:t>
             </a:r>
           </a:p>
           <a:p>
-            <a:r>
-              <a:rPr lang="pl-PL" sz="6400" noProof="0" dirty="0"/>
-              <a:t>Głównym celem </a:t>
-            </a:r>
-            <a:r>
-              <a:rPr lang="pl-PL" sz="6400" noProof="0" dirty="0" err="1"/>
-              <a:t>Hyper-Threadingu</a:t>
-            </a:r>
-            <a:r>
-              <a:rPr lang="pl-PL" sz="6400" noProof="0" dirty="0"/>
-              <a:t> jest </a:t>
-            </a:r>
-            <a:r>
-              <a:rPr lang="pl-PL" sz="6400" b="1" noProof="0" dirty="0"/>
-              <a:t>zwiększenie wydajności</a:t>
-            </a:r>
-            <a:r>
-              <a:rPr lang="pl-PL" sz="6400" noProof="0" dirty="0"/>
-              <a:t> procesora podczas </a:t>
-            </a:r>
-            <a:r>
-              <a:rPr lang="pl-PL" sz="6400" b="1" noProof="0" dirty="0"/>
-              <a:t>równoległego przetwarzania danych</a:t>
-            </a:r>
-            <a:r>
-              <a:rPr lang="pl-PL" sz="6400" noProof="0" dirty="0"/>
-              <a:t> – czyli w trakcie jednoczesnego wykonywania wielu zadań (ang. </a:t>
-            </a:r>
-            <a:r>
-              <a:rPr lang="pl-PL" sz="6400" i="1" noProof="0" dirty="0"/>
-              <a:t>multitasking</a:t>
-            </a:r>
-            <a:r>
-              <a:rPr lang="pl-PL" sz="6400" noProof="0" dirty="0"/>
-              <a:t>).</a:t>
-            </a:r>
-          </a:p>
-          <a:p>
-            <a:r>
-              <a:rPr lang="pl-PL" sz="6400" noProof="0" dirty="0"/>
-              <a:t>Dla każdego fizycznego rdzenia system operacyjny widzi </a:t>
-            </a:r>
-            <a:r>
-              <a:rPr lang="pl-PL" sz="6400" b="1" noProof="0" dirty="0"/>
-              <a:t>dwa wirtualne procesory</a:t>
-            </a:r>
-            <a:r>
-              <a:rPr lang="pl-PL" sz="6400" noProof="0" dirty="0"/>
-              <a:t> (ang. </a:t>
-            </a:r>
-            <a:r>
-              <a:rPr lang="pl-PL" sz="6400" i="1" noProof="0" dirty="0" err="1"/>
-              <a:t>virtual</a:t>
-            </a:r>
-            <a:r>
-              <a:rPr lang="pl-PL" sz="6400" i="1" noProof="0" dirty="0"/>
-              <a:t> </a:t>
-            </a:r>
-            <a:r>
-              <a:rPr lang="pl-PL" sz="6400" i="1" noProof="0" dirty="0" err="1"/>
-              <a:t>processors</a:t>
-            </a:r>
-            <a:r>
-              <a:rPr lang="pl-PL" sz="6400" noProof="0" dirty="0"/>
-              <a:t>) i rozdziela między nie obciążenia obliczeniowe — </a:t>
-            </a:r>
-            <a:r>
-              <a:rPr lang="pl-PL" sz="6400" b="1" noProof="0" dirty="0"/>
-              <a:t>o ile jest to możliwe</a:t>
-            </a:r>
-            <a:r>
-              <a:rPr lang="pl-PL" sz="6400" noProof="0" dirty="0"/>
-              <a:t> i korzystne.</a:t>
-            </a:r>
-          </a:p>
-          <a:p>
-            <a:r>
-              <a:rPr lang="pl-PL" sz="6400" b="1" noProof="0" dirty="0">
-                <a:solidFill>
-                  <a:srgbClr val="C00000"/>
-                </a:solidFill>
-              </a:rPr>
-              <a:t>UWAGA! </a:t>
-            </a:r>
-            <a:r>
-              <a:rPr lang="pl-PL" sz="6400" noProof="0" dirty="0"/>
-              <a:t>4 rdzenie fizyczne czyli 8 logicznych </a:t>
-            </a:r>
-            <a:r>
-              <a:rPr lang="pl-PL" sz="6600" noProof="0" dirty="0"/>
-              <a:t>≠</a:t>
-            </a:r>
-            <a:r>
-              <a:rPr lang="pl-PL" sz="6400" noProof="0" dirty="0"/>
-              <a:t> 8 fizycznych rdzeni – wydajność nie będzie taka sama. Zysk to zwykle 15–30%, czasem mniej.</a:t>
-            </a:r>
-          </a:p>
-          <a:p>
-            <a:r>
-              <a:rPr lang="pl-PL" sz="6400" noProof="0" dirty="0"/>
-              <a:t>Technologia ta wymaga:</a:t>
-            </a:r>
-          </a:p>
-          <a:p>
-            <a:pPr lvl="1"/>
-            <a:r>
-              <a:rPr lang="pl-PL" sz="5600" noProof="0" dirty="0"/>
-              <a:t>wsparcia ze strony systemu operacyjnego,</a:t>
-            </a:r>
-          </a:p>
-          <a:p>
-            <a:pPr lvl="1"/>
-            <a:r>
-              <a:rPr lang="pl-PL" sz="5600" noProof="0" dirty="0"/>
-              <a:t>oprogramowania </a:t>
-            </a:r>
-            <a:r>
-              <a:rPr lang="pl-PL" sz="5600" b="1" noProof="0" dirty="0"/>
-              <a:t>zoptymalizowanego pod kątem wielowątkowości</a:t>
-            </a:r>
-            <a:r>
-              <a:rPr lang="pl-PL" sz="5600" noProof="0" dirty="0"/>
-              <a:t>.</a:t>
-            </a:r>
-          </a:p>
-          <a:p>
-            <a:pPr lvl="1"/>
-            <a:r>
-              <a:rPr lang="pl-PL" sz="5600" noProof="0" dirty="0"/>
-              <a:t>W przypadku braku takiej optymalizacji </a:t>
-            </a:r>
-            <a:r>
-              <a:rPr lang="pl-PL" sz="5600" b="1" noProof="0" dirty="0"/>
-              <a:t>Intel zaleca wyłączenie </a:t>
-            </a:r>
-            <a:r>
-              <a:rPr lang="pl-PL" sz="5600" b="1" noProof="0" dirty="0" err="1"/>
-              <a:t>Hyper-Threadingu</a:t>
-            </a:r>
-            <a:r>
-              <a:rPr lang="pl-PL" sz="5600" noProof="0" dirty="0"/>
-              <a:t>, ponieważ w niektórych przypadkach może on wręcz </a:t>
-            </a:r>
-            <a:r>
-              <a:rPr lang="pl-PL" sz="5600" b="1" noProof="0" dirty="0"/>
-              <a:t>obniżyć ogólną wydajność</a:t>
-            </a:r>
-            <a:r>
-              <a:rPr lang="pl-PL" sz="5600" noProof="0" dirty="0"/>
-              <a:t> procesora zamiast ją zwiększyć.</a:t>
-            </a:r>
+            <a:pPr marL="0" indent="0">
+              <a:buNone/>
+            </a:pPr>
+            <a:endParaRPr lang="pl-PL" sz="6400" noProof="0" dirty="0"/>
           </a:p>
         </p:txBody>
       </p:sp>
@@ -9234,8 +9826,8 @@
         </p:nvSpPr>
         <p:spPr>
           <a:xfrm>
-            <a:off x="668101" y="4922572"/>
-            <a:ext cx="3503594" cy="230832"/>
+            <a:off x="492255" y="4039351"/>
+            <a:ext cx="3503594" cy="369332"/>
           </a:xfrm>
           <a:prstGeom prst="rect">
             <a:avLst/>
@@ -9243,45 +9835,145 @@
           <a:noFill/>
         </p:spPr>
         <p:txBody>
-          <a:bodyPr wrap="square" rtlCol="0">
+          <a:bodyPr wrap="square" lIns="91440" tIns="45720" rIns="91440" bIns="45720" rtlCol="0" anchor="t">
             <a:spAutoFit/>
           </a:bodyPr>
           <a:lstStyle/>
           <a:p>
-            <a:r>
-              <a:rPr lang="pl-PL" sz="900" b="1" i="0" noProof="0" dirty="0">
+            <a:pPr algn="ctr"/>
+            <a:r>
+              <a:rPr lang="pl-PL" sz="900" b="1" dirty="0">
                 <a:solidFill>
                   <a:srgbClr val="202122"/>
                 </a:solidFill>
-                <a:effectLst/>
-                <a:latin typeface="Arial" panose="020B0604020202020204" pitchFamily="34" charset="0"/>
+                <a:latin typeface="Arial"/>
+                <a:ea typeface="+mn-lt"/>
+                <a:cs typeface="Arial"/>
               </a:rPr>
-              <a:t>Schemat funkcjonowania Intel </a:t>
-            </a:r>
-            <a:r>
-              <a:rPr lang="pl-PL" sz="900" b="1" i="0" noProof="0" dirty="0" err="1">
+              <a:t>A 3 GHz model of the Intel Pentium 4 </a:t>
+            </a:r>
+            <a:r>
+              <a:rPr lang="pl-PL" sz="900" b="1" dirty="0" err="1">
                 <a:solidFill>
                   <a:srgbClr val="202122"/>
                 </a:solidFill>
-                <a:effectLst/>
-                <a:latin typeface="Arial" panose="020B0604020202020204" pitchFamily="34" charset="0"/>
+                <a:latin typeface="Arial"/>
+                <a:ea typeface="+mn-lt"/>
+                <a:cs typeface="Arial"/>
               </a:rPr>
-              <a:t>Hyper-Threading</a:t>
-            </a:r>
-            <a:r>
-              <a:rPr lang="pl-PL" sz="900" b="1" i="0" noProof="0" dirty="0">
+              <a:t>processor</a:t>
+            </a:r>
+            <a:r>
+              <a:rPr lang="pl-PL" sz="900" b="1" dirty="0">
                 <a:solidFill>
                   <a:srgbClr val="202122"/>
                 </a:solidFill>
-                <a:effectLst/>
-                <a:latin typeface="Arial" panose="020B0604020202020204" pitchFamily="34" charset="0"/>
+                <a:latin typeface="Arial"/>
+                <a:ea typeface="+mn-lt"/>
+                <a:cs typeface="Arial"/>
+              </a:rPr>
+              <a:t> </a:t>
+            </a:r>
+            <a:r>
+              <a:rPr lang="pl-PL" sz="900" b="1" dirty="0" err="1">
+                <a:solidFill>
+                  <a:srgbClr val="202122"/>
+                </a:solidFill>
+                <a:latin typeface="Arial"/>
+                <a:ea typeface="+mn-lt"/>
+                <a:cs typeface="Arial"/>
+              </a:rPr>
+              <a:t>that</a:t>
+            </a:r>
+            <a:r>
+              <a:rPr lang="pl-PL" sz="900" b="1" dirty="0">
+                <a:solidFill>
+                  <a:srgbClr val="202122"/>
+                </a:solidFill>
+                <a:latin typeface="Arial"/>
+                <a:ea typeface="+mn-lt"/>
+                <a:cs typeface="Arial"/>
+              </a:rPr>
+              <a:t> </a:t>
+            </a:r>
+            <a:r>
+              <a:rPr lang="pl-PL" sz="900" b="1" dirty="0" err="1">
+                <a:solidFill>
+                  <a:srgbClr val="202122"/>
+                </a:solidFill>
+                <a:latin typeface="Arial"/>
+                <a:ea typeface="+mn-lt"/>
+                <a:cs typeface="Arial"/>
+              </a:rPr>
+              <a:t>incorporates</a:t>
+            </a:r>
+            <a:r>
+              <a:rPr lang="pl-PL" sz="900" b="1" dirty="0">
+                <a:solidFill>
+                  <a:srgbClr val="202122"/>
+                </a:solidFill>
+                <a:latin typeface="Arial"/>
+                <a:ea typeface="+mn-lt"/>
+                <a:cs typeface="Arial"/>
+              </a:rPr>
+              <a:t> </a:t>
+            </a:r>
+            <a:r>
+              <a:rPr lang="pl-PL" sz="900" b="1" dirty="0" err="1">
+                <a:solidFill>
+                  <a:srgbClr val="202122"/>
+                </a:solidFill>
+                <a:latin typeface="Arial"/>
+                <a:ea typeface="+mn-lt"/>
+                <a:cs typeface="Arial"/>
+              </a:rPr>
+              <a:t>Hyper-Threading</a:t>
+            </a:r>
+            <a:r>
+              <a:rPr lang="pl-PL" sz="900" b="1" dirty="0">
+                <a:solidFill>
+                  <a:srgbClr val="202122"/>
+                </a:solidFill>
+                <a:latin typeface="Arial"/>
+                <a:ea typeface="+mn-lt"/>
+                <a:cs typeface="Arial"/>
               </a:rPr>
               <a:t> Technology</a:t>
             </a:r>
-            <a:endParaRPr lang="pl-PL" sz="900" b="1" noProof="0" dirty="0"/>
-          </a:p>
-        </p:txBody>
-      </p:sp>
+            <a:endParaRPr lang="pl-PL" dirty="0"/>
+          </a:p>
+        </p:txBody>
+      </p:sp>
+      <p:pic>
+        <p:nvPicPr>
+          <p:cNvPr id="5" name="Obraz 4">
+            <a:extLst>
+              <a:ext uri="{FF2B5EF4-FFF2-40B4-BE49-F238E27FC236}">
+                <a16:creationId xmlns:a16="http://schemas.microsoft.com/office/drawing/2014/main" id="{A85AE9BA-BB48-68A6-FC81-2258ACFAB999}"/>
+              </a:ext>
+            </a:extLst>
+          </p:cNvPr>
+          <p:cNvPicPr>
+            <a:picLocks noChangeAspect="1"/>
+          </p:cNvPicPr>
+          <p:nvPr/>
+        </p:nvPicPr>
+        <p:blipFill>
+          <a:blip r:embed="rId2"/>
+          <a:stretch>
+            <a:fillRect/>
+          </a:stretch>
+        </p:blipFill>
+        <p:spPr>
+          <a:xfrm>
+            <a:off x="656547" y="1056656"/>
+            <a:ext cx="2958123" cy="2976457"/>
+          </a:xfrm>
+          <a:prstGeom prst="rect">
+            <a:avLst/>
+          </a:prstGeom>
+        </p:spPr>
+      </p:pic>
     </p:spTree>
     <p:extLst>
       <p:ext uri="{BB962C8B-B14F-4D97-AF65-F5344CB8AC3E}">
@@ -9295,7 +9987,977 @@
 </p:sld>
 </file>
 
-<file path=ppt/slides/slide16.xml><?xml version="1.0" encoding="utf-8"?>
+<file path=ppt/slides/slide17.xml><?xml version="1.0" encoding="utf-8"?>
+<p:sld xmlns:a="http://schemas.openxmlformats.org/drawingml/2006/main" xmlns:r="http://schemas.openxmlformats.org/officeDocument/2006/relationships" xmlns:p="http://schemas.openxmlformats.org/presentationml/2006/main">
+  <p:cSld>
+    <p:bg>
+      <p:bgPr>
+        <a:solidFill>
+          <a:schemeClr val="bg1"/>
+        </a:solidFill>
+        <a:effectLst/>
+      </p:bgPr>
+    </p:bg>
+    <p:spTree>
+      <p:nvGrpSpPr>
+        <p:cNvPr id="1" name="">
+          <a:extLst>
+            <a:ext uri="{FF2B5EF4-FFF2-40B4-BE49-F238E27FC236}">
+              <a16:creationId xmlns:a16="http://schemas.microsoft.com/office/drawing/2014/main" id="{CDE35F6A-3124-20DD-E8CA-6D1D0C4C344F}"/>
+            </a:ext>
+          </a:extLst>
+        </p:cNvPr>
+        <p:cNvGrpSpPr/>
+        <p:nvPr/>
+      </p:nvGrpSpPr>
+      <p:grpSpPr>
+        <a:xfrm>
+          <a:off x="0" y="0"/>
+          <a:ext cx="0" cy="0"/>
+          <a:chOff x="0" y="0"/>
+          <a:chExt cx="0" cy="0"/>
+        </a:xfrm>
+      </p:grpSpPr>
+      <p:sp useBgFill="1">
+        <p:nvSpPr>
+          <p:cNvPr id="6164" name="Rectangle 6163">
+            <a:extLst>
+              <a:ext uri="{FF2B5EF4-FFF2-40B4-BE49-F238E27FC236}">
+                <a16:creationId xmlns:a16="http://schemas.microsoft.com/office/drawing/2014/main" id="{F942F836-BE52-61D3-540D-FD1A468A9635}"/>
+              </a:ext>
+              <a:ext uri="{C183D7F6-B498-43B3-948B-1728B52AA6E4}">
+                <adec:decorative xmlns:adec="http://schemas.microsoft.com/office/drawing/2017/decorative" val="1"/>
+              </a:ext>
+            </a:extLst>
+          </p:cNvPr>
+          <p:cNvSpPr>
+            <a:spLocks noGrp="1" noRot="1" noChangeAspect="1" noMove="1" noResize="1" noEditPoints="1" noAdjustHandles="1" noChangeArrowheads="1" noChangeShapeType="1" noTextEdit="1"/>
+          </p:cNvSpPr>
+          <p:nvPr>
+            <p:extLst>
+              <p:ext uri="{386F3935-93C4-4BCD-93E2-E3B085C9AB24}">
+                <p16:designElem xmlns:p16="http://schemas.microsoft.com/office/powerpoint/2015/main" val="1"/>
+              </p:ext>
+            </p:extLst>
+          </p:nvPr>
+        </p:nvSpPr>
+        <p:spPr>
+          <a:xfrm>
+            <a:off x="0" y="0"/>
+            <a:ext cx="12192000" cy="6858000"/>
+          </a:xfrm>
+          <a:prstGeom prst="rect">
+            <a:avLst/>
+          </a:prstGeom>
+          <a:ln w="12700" cap="flat" cmpd="sng" algn="ctr">
+            <a:noFill/>
+            <a:prstDash val="solid"/>
+            <a:miter lim="800000"/>
+          </a:ln>
+          <a:effectLst/>
+          <a:extLst>
+            <a:ext uri="{91240B29-F687-4F45-9708-019B960494DF}">
+              <a14:hiddenLine xmlns:a14="http://schemas.microsoft.com/office/drawing/2010/main" w="12700" cap="flat" cmpd="sng" algn="ctr">
+                <a:solidFill>
+                  <a:schemeClr val="accent1">
+                    <a:shade val="50000"/>
+                  </a:schemeClr>
+                </a:solidFill>
+                <a:prstDash val="solid"/>
+                <a:miter lim="800000"/>
+              </a14:hiddenLine>
+            </a:ext>
+          </a:extLst>
+        </p:spPr>
+        <p:style>
+          <a:lnRef idx="2">
+            <a:schemeClr val="accent1">
+              <a:shade val="50000"/>
+            </a:schemeClr>
+          </a:lnRef>
+          <a:fillRef idx="1">
+            <a:schemeClr val="accent1"/>
+          </a:fillRef>
+          <a:effectRef idx="0">
+            <a:schemeClr val="accent1"/>
+          </a:effectRef>
+          <a:fontRef idx="minor">
+            <a:schemeClr val="lt1"/>
+          </a:fontRef>
+        </p:style>
+        <p:txBody>
+          <a:bodyPr rtlCol="0" anchor="ctr"/>
+          <a:lstStyle/>
+          <a:p>
+            <a:pPr algn="ctr"/>
+            <a:endParaRPr lang="pl-PL" noProof="0" dirty="0"/>
+          </a:p>
+        </p:txBody>
+      </p:sp>
+      <p:sp>
+        <p:nvSpPr>
+          <p:cNvPr id="2" name="Title 1">
+            <a:extLst>
+              <a:ext uri="{FF2B5EF4-FFF2-40B4-BE49-F238E27FC236}">
+                <a16:creationId xmlns:a16="http://schemas.microsoft.com/office/drawing/2014/main" id="{FCE46850-AF64-B544-B119-2561F8BCDABD}"/>
+              </a:ext>
+            </a:extLst>
+          </p:cNvPr>
+          <p:cNvSpPr>
+            <a:spLocks noGrp="1"/>
+          </p:cNvSpPr>
+          <p:nvPr>
+            <p:ph type="title"/>
+          </p:nvPr>
+        </p:nvSpPr>
+        <p:spPr>
+          <a:xfrm>
+            <a:off x="4039366" y="-4418"/>
+            <a:ext cx="6852878" cy="1667569"/>
+          </a:xfrm>
+        </p:spPr>
+        <p:txBody>
+          <a:bodyPr anchor="b">
+            <a:normAutofit/>
+          </a:bodyPr>
+          <a:lstStyle/>
+          <a:p>
+            <a:pPr algn="ctr"/>
+            <a:r>
+              <a:rPr lang="pl-PL" sz="4000" noProof="0" dirty="0"/>
+              <a:t>💻</a:t>
+            </a:r>
+            <a:r>
+              <a:rPr lang="pl-PL" sz="4000" b="1" noProof="0" dirty="0" err="1"/>
+              <a:t>Hyper-Threading</a:t>
+            </a:r>
+            <a:r>
+              <a:rPr lang="pl-PL" sz="4000" b="1" noProof="0" dirty="0"/>
+              <a:t> Technology (HTT)</a:t>
+            </a:r>
+          </a:p>
+        </p:txBody>
+      </p:sp>
+      <p:pic>
+        <p:nvPicPr>
+          <p:cNvPr id="6146" name="Picture 2" descr="A diagram of a diagram&#10;&#10;AI-generated content may be incorrect.">
+            <a:extLst>
+              <a:ext uri="{FF2B5EF4-FFF2-40B4-BE49-F238E27FC236}">
+                <a16:creationId xmlns:a16="http://schemas.microsoft.com/office/drawing/2014/main" id="{96B72886-DA4B-5ADA-6229-32429A307A20}"/>
+              </a:ext>
+            </a:extLst>
+          </p:cNvPr>
+          <p:cNvPicPr>
+            <a:picLocks noChangeAspect="1" noChangeArrowheads="1"/>
+          </p:cNvPicPr>
+          <p:nvPr/>
+        </p:nvPicPr>
+        <p:blipFill>
+          <a:blip r:embed="rId2">
+            <a:extLst>
+              <a:ext uri="{28A0092B-C50C-407E-A947-70E740481C1C}">
+                <a14:useLocalDpi xmlns:a14="http://schemas.microsoft.com/office/drawing/2010/main" val="0"/>
+              </a:ext>
+            </a:extLst>
+          </a:blip>
+          <a:stretch>
+            <a:fillRect/>
+          </a:stretch>
+        </p:blipFill>
+        <p:spPr bwMode="auto">
+          <a:xfrm>
+            <a:off x="667420" y="766296"/>
+            <a:ext cx="3158592" cy="3962598"/>
+          </a:xfrm>
+          <a:prstGeom prst="rect">
+            <a:avLst/>
+          </a:prstGeom>
+          <a:noFill/>
+          <a:extLst>
+            <a:ext uri="{909E8E84-426E-40DD-AFC4-6F175D3DCCD1}">
+              <a14:hiddenFill xmlns:a14="http://schemas.microsoft.com/office/drawing/2010/main">
+                <a:solidFill>
+                  <a:srgbClr val="FFFFFF"/>
+                </a:solidFill>
+              </a14:hiddenFill>
+            </a:ext>
+          </a:extLst>
+        </p:spPr>
+      </p:pic>
+      <p:sp>
+        <p:nvSpPr>
+          <p:cNvPr id="3" name="Content Placeholder 2">
+            <a:extLst>
+              <a:ext uri="{FF2B5EF4-FFF2-40B4-BE49-F238E27FC236}">
+                <a16:creationId xmlns:a16="http://schemas.microsoft.com/office/drawing/2014/main" id="{CCD65D45-3A58-5950-B1FA-8253E1014A40}"/>
+              </a:ext>
+            </a:extLst>
+          </p:cNvPr>
+          <p:cNvSpPr>
+            <a:spLocks noGrp="1"/>
+          </p:cNvSpPr>
+          <p:nvPr>
+            <p:ph idx="1"/>
+          </p:nvPr>
+        </p:nvSpPr>
+        <p:spPr>
+          <a:xfrm>
+            <a:off x="4038599" y="2069040"/>
+            <a:ext cx="7485299" cy="4331332"/>
+          </a:xfrm>
+        </p:spPr>
+        <p:txBody>
+          <a:bodyPr anchor="t">
+            <a:normAutofit/>
+          </a:bodyPr>
+          <a:lstStyle/>
+          <a:p>
+            <a:pPr marL="0" indent="0">
+              <a:buNone/>
+            </a:pPr>
+            <a:r>
+              <a:rPr lang="pl-PL" sz="2000" dirty="0"/>
+              <a:t>Głównym celem </a:t>
+            </a:r>
+            <a:r>
+              <a:rPr lang="pl-PL" sz="2000" err="1"/>
+              <a:t>Hyper-Threadingu</a:t>
+            </a:r>
+            <a:r>
+              <a:rPr lang="pl-PL" sz="2000" dirty="0"/>
+              <a:t> jest </a:t>
+            </a:r>
+            <a:r>
+              <a:rPr lang="pl-PL" sz="2000" b="1" dirty="0"/>
+              <a:t>zwiększenie wydajności</a:t>
+            </a:r>
+            <a:r>
+              <a:rPr lang="pl-PL" sz="2000" dirty="0"/>
+              <a:t> procesora podczas </a:t>
+            </a:r>
+            <a:r>
+              <a:rPr lang="pl-PL" sz="2000" b="1" dirty="0"/>
+              <a:t>równoległego przetwarzania danych</a:t>
+            </a:r>
+            <a:r>
+              <a:rPr lang="pl-PL" sz="2000" dirty="0"/>
+              <a:t> – czyli w trakcie jednoczesnego wykonywania wielu zadań (ang. </a:t>
+            </a:r>
+            <a:r>
+              <a:rPr lang="pl-PL" sz="2000" i="1" dirty="0"/>
+              <a:t>multitasking</a:t>
+            </a:r>
+            <a:r>
+              <a:rPr lang="pl-PL" sz="2000" dirty="0"/>
+              <a:t>).</a:t>
+            </a:r>
+          </a:p>
+          <a:p>
+            <a:pPr marL="0" indent="0">
+              <a:buNone/>
+            </a:pPr>
+            <a:endParaRPr lang="pl-PL" sz="2000" dirty="0"/>
+          </a:p>
+          <a:p>
+            <a:pPr marL="0" indent="0">
+              <a:buNone/>
+            </a:pPr>
+            <a:r>
+              <a:rPr lang="pl-PL" sz="2000" dirty="0"/>
+              <a:t>Dla każdego fizycznego rdzenia system operacyjny widzi </a:t>
+            </a:r>
+            <a:r>
+              <a:rPr lang="pl-PL" sz="2000" b="1" dirty="0"/>
+              <a:t>dwa wirtualne procesory</a:t>
+            </a:r>
+            <a:r>
+              <a:rPr lang="pl-PL" sz="2000" dirty="0"/>
+              <a:t> (ang. </a:t>
+            </a:r>
+            <a:r>
+              <a:rPr lang="pl-PL" sz="2000" i="1" err="1"/>
+              <a:t>virtual</a:t>
+            </a:r>
+            <a:r>
+              <a:rPr lang="pl-PL" sz="2000" i="1" dirty="0"/>
+              <a:t> </a:t>
+            </a:r>
+            <a:r>
+              <a:rPr lang="pl-PL" sz="2000" i="1" err="1"/>
+              <a:t>processors</a:t>
+            </a:r>
+            <a:r>
+              <a:rPr lang="pl-PL" sz="2000" dirty="0"/>
+              <a:t>) i rozdziela między nie obciążenia obliczeniowe — </a:t>
+            </a:r>
+            <a:r>
+              <a:rPr lang="pl-PL" sz="2000" b="1" dirty="0"/>
+              <a:t>o ile jest to możliwe</a:t>
+            </a:r>
+            <a:r>
+              <a:rPr lang="pl-PL" sz="2000" dirty="0"/>
+              <a:t> i korzystne.</a:t>
+            </a:r>
+            <a:endParaRPr lang="pl-PL" sz="2000"/>
+          </a:p>
+          <a:p>
+            <a:pPr marL="0" indent="0">
+              <a:buNone/>
+            </a:pPr>
+            <a:endParaRPr lang="pl-PL" sz="6400" dirty="0"/>
+          </a:p>
+        </p:txBody>
+      </p:sp>
+      <p:sp>
+        <p:nvSpPr>
+          <p:cNvPr id="6166" name="Rectangle 6165">
+            <a:extLst>
+              <a:ext uri="{FF2B5EF4-FFF2-40B4-BE49-F238E27FC236}">
+                <a16:creationId xmlns:a16="http://schemas.microsoft.com/office/drawing/2014/main" id="{33CAB2B9-546C-1D2B-8C04-D2122938A4DF}"/>
+              </a:ext>
+              <a:ext uri="{C183D7F6-B498-43B3-948B-1728B52AA6E4}">
+                <adec:decorative xmlns:adec="http://schemas.microsoft.com/office/drawing/2017/decorative" val="1"/>
+              </a:ext>
+            </a:extLst>
+          </p:cNvPr>
+          <p:cNvSpPr>
+            <a:spLocks noGrp="1" noRot="1" noChangeAspect="1" noMove="1" noResize="1" noEditPoints="1" noAdjustHandles="1" noChangeArrowheads="1" noChangeShapeType="1" noTextEdit="1"/>
+          </p:cNvSpPr>
+          <p:nvPr>
+            <p:extLst>
+              <p:ext uri="{386F3935-93C4-4BCD-93E2-E3B085C9AB24}">
+                <p16:designElem xmlns:p16="http://schemas.microsoft.com/office/powerpoint/2015/main" val="1"/>
+              </p:ext>
+            </p:extLst>
+          </p:nvPr>
+        </p:nvSpPr>
+        <p:spPr>
+          <a:xfrm rot="10800000" flipH="1">
+            <a:off x="0" y="6400799"/>
+            <a:ext cx="12192000" cy="456773"/>
+          </a:xfrm>
+          <a:prstGeom prst="rect">
+            <a:avLst/>
+          </a:prstGeom>
+          <a:gradFill>
+            <a:gsLst>
+              <a:gs pos="0">
+                <a:schemeClr val="accent1"/>
+              </a:gs>
+              <a:gs pos="90000">
+                <a:srgbClr val="000000"/>
+              </a:gs>
+            </a:gsLst>
+            <a:lin ang="2400000" scaled="0"/>
+          </a:gradFill>
+          <a:ln>
+            <a:noFill/>
+          </a:ln>
+        </p:spPr>
+        <p:style>
+          <a:lnRef idx="2">
+            <a:schemeClr val="accent1">
+              <a:shade val="50000"/>
+            </a:schemeClr>
+          </a:lnRef>
+          <a:fillRef idx="1">
+            <a:schemeClr val="accent1"/>
+          </a:fillRef>
+          <a:effectRef idx="0">
+            <a:schemeClr val="accent1"/>
+          </a:effectRef>
+          <a:fontRef idx="minor">
+            <a:schemeClr val="lt1"/>
+          </a:fontRef>
+        </p:style>
+        <p:txBody>
+          <a:bodyPr rtlCol="0" anchor="ctr"/>
+          <a:lstStyle/>
+          <a:p>
+            <a:pPr algn="ctr"/>
+            <a:endParaRPr lang="pl-PL" noProof="0" dirty="0"/>
+          </a:p>
+        </p:txBody>
+      </p:sp>
+      <p:sp>
+        <p:nvSpPr>
+          <p:cNvPr id="6168" name="Rectangle 6167">
+            <a:extLst>
+              <a:ext uri="{FF2B5EF4-FFF2-40B4-BE49-F238E27FC236}">
+                <a16:creationId xmlns:a16="http://schemas.microsoft.com/office/drawing/2014/main" id="{ACC5AA94-5EA8-703F-0594-2A2C34631E42}"/>
+              </a:ext>
+              <a:ext uri="{C183D7F6-B498-43B3-948B-1728B52AA6E4}">
+                <adec:decorative xmlns:adec="http://schemas.microsoft.com/office/drawing/2017/decorative" val="1"/>
+              </a:ext>
+            </a:extLst>
+          </p:cNvPr>
+          <p:cNvSpPr>
+            <a:spLocks noGrp="1" noRot="1" noChangeAspect="1" noMove="1" noResize="1" noEditPoints="1" noAdjustHandles="1" noChangeArrowheads="1" noChangeShapeType="1" noTextEdit="1"/>
+          </p:cNvSpPr>
+          <p:nvPr>
+            <p:extLst>
+              <p:ext uri="{386F3935-93C4-4BCD-93E2-E3B085C9AB24}">
+                <p16:designElem xmlns:p16="http://schemas.microsoft.com/office/powerpoint/2015/main" val="1"/>
+              </p:ext>
+            </p:extLst>
+          </p:nvPr>
+        </p:nvSpPr>
+        <p:spPr>
+          <a:xfrm flipH="1">
+            <a:off x="4038600" y="6400799"/>
+            <a:ext cx="8153398" cy="456772"/>
+          </a:xfrm>
+          <a:prstGeom prst="rect">
+            <a:avLst/>
+          </a:prstGeom>
+          <a:gradFill>
+            <a:gsLst>
+              <a:gs pos="0">
+                <a:srgbClr val="000000">
+                  <a:alpha val="50000"/>
+                </a:srgbClr>
+              </a:gs>
+              <a:gs pos="100000">
+                <a:schemeClr val="accent1">
+                  <a:lumMod val="75000"/>
+                </a:schemeClr>
+              </a:gs>
+            </a:gsLst>
+            <a:lin ang="13800000" scaled="0"/>
+          </a:gradFill>
+          <a:ln>
+            <a:noFill/>
+          </a:ln>
+        </p:spPr>
+        <p:style>
+          <a:lnRef idx="2">
+            <a:schemeClr val="accent1">
+              <a:shade val="50000"/>
+            </a:schemeClr>
+          </a:lnRef>
+          <a:fillRef idx="1">
+            <a:schemeClr val="accent1"/>
+          </a:fillRef>
+          <a:effectRef idx="0">
+            <a:schemeClr val="accent1"/>
+          </a:effectRef>
+          <a:fontRef idx="minor">
+            <a:schemeClr val="lt1"/>
+          </a:fontRef>
+        </p:style>
+        <p:txBody>
+          <a:bodyPr rtlCol="0" anchor="ctr"/>
+          <a:lstStyle/>
+          <a:p>
+            <a:pPr algn="ctr"/>
+            <a:endParaRPr lang="pl-PL" noProof="0" dirty="0"/>
+          </a:p>
+        </p:txBody>
+      </p:sp>
+      <p:sp>
+        <p:nvSpPr>
+          <p:cNvPr id="4" name="TextBox 3">
+            <a:extLst>
+              <a:ext uri="{FF2B5EF4-FFF2-40B4-BE49-F238E27FC236}">
+                <a16:creationId xmlns:a16="http://schemas.microsoft.com/office/drawing/2014/main" id="{26A2D2ED-850C-DA9E-3E35-8EBFF031E0EE}"/>
+              </a:ext>
+            </a:extLst>
+          </p:cNvPr>
+          <p:cNvSpPr txBox="1"/>
+          <p:nvPr/>
+        </p:nvSpPr>
+        <p:spPr>
+          <a:xfrm>
+            <a:off x="492255" y="4736957"/>
+            <a:ext cx="3503594" cy="230832"/>
+          </a:xfrm>
+          <a:prstGeom prst="rect">
+            <a:avLst/>
+          </a:prstGeom>
+          <a:noFill/>
+        </p:spPr>
+        <p:txBody>
+          <a:bodyPr wrap="square" lIns="91440" tIns="45720" rIns="91440" bIns="45720" rtlCol="0" anchor="t">
+            <a:spAutoFit/>
+          </a:bodyPr>
+          <a:lstStyle/>
+          <a:p>
+            <a:pPr algn="ctr"/>
+            <a:r>
+              <a:rPr lang="pl-PL" sz="900" b="1" i="0" noProof="0" dirty="0">
+                <a:solidFill>
+                  <a:srgbClr val="202122"/>
+                </a:solidFill>
+                <a:effectLst/>
+                <a:latin typeface="Arial"/>
+                <a:cs typeface="Arial"/>
+              </a:rPr>
+              <a:t>Schemat funkcjonowania Intel </a:t>
+            </a:r>
+            <a:r>
+              <a:rPr lang="pl-PL" sz="900" b="1" dirty="0">
+                <a:solidFill>
+                  <a:srgbClr val="202122"/>
+                </a:solidFill>
+                <a:latin typeface="Arial"/>
+                <a:cs typeface="Arial"/>
+              </a:rPr>
+              <a:t> HTT</a:t>
+            </a:r>
+            <a:endParaRPr lang="pl-PL"/>
+          </a:p>
+        </p:txBody>
+      </p:sp>
+    </p:spTree>
+    <p:extLst>
+      <p:ext uri="{BB962C8B-B14F-4D97-AF65-F5344CB8AC3E}">
+        <p14:creationId xmlns:p14="http://schemas.microsoft.com/office/powerpoint/2010/main" val="3295417440"/>
+      </p:ext>
+    </p:extLst>
+  </p:cSld>
+  <p:clrMapOvr>
+    <a:masterClrMapping/>
+  </p:clrMapOvr>
+</p:sld>
+</file>
+
+<file path=ppt/slides/slide18.xml><?xml version="1.0" encoding="utf-8"?>
+<p:sld xmlns:a="http://schemas.openxmlformats.org/drawingml/2006/main" xmlns:r="http://schemas.openxmlformats.org/officeDocument/2006/relationships" xmlns:p="http://schemas.openxmlformats.org/presentationml/2006/main">
+  <p:cSld>
+    <p:bg>
+      <p:bgPr>
+        <a:solidFill>
+          <a:schemeClr val="bg1"/>
+        </a:solidFill>
+        <a:effectLst/>
+      </p:bgPr>
+    </p:bg>
+    <p:spTree>
+      <p:nvGrpSpPr>
+        <p:cNvPr id="1" name="">
+          <a:extLst>
+            <a:ext uri="{FF2B5EF4-FFF2-40B4-BE49-F238E27FC236}">
+              <a16:creationId xmlns:a16="http://schemas.microsoft.com/office/drawing/2014/main" id="{A1D36683-EA26-741C-F2D5-70079F4BBBE2}"/>
+            </a:ext>
+          </a:extLst>
+        </p:cNvPr>
+        <p:cNvGrpSpPr/>
+        <p:nvPr/>
+      </p:nvGrpSpPr>
+      <p:grpSpPr>
+        <a:xfrm>
+          <a:off x="0" y="0"/>
+          <a:ext cx="0" cy="0"/>
+          <a:chOff x="0" y="0"/>
+          <a:chExt cx="0" cy="0"/>
+        </a:xfrm>
+      </p:grpSpPr>
+      <p:sp useBgFill="1">
+        <p:nvSpPr>
+          <p:cNvPr id="6164" name="Rectangle 6163">
+            <a:extLst>
+              <a:ext uri="{FF2B5EF4-FFF2-40B4-BE49-F238E27FC236}">
+                <a16:creationId xmlns:a16="http://schemas.microsoft.com/office/drawing/2014/main" id="{B8B0B419-B514-A23C-4674-CC0475599B9B}"/>
+              </a:ext>
+              <a:ext uri="{C183D7F6-B498-43B3-948B-1728B52AA6E4}">
+                <adec:decorative xmlns:adec="http://schemas.microsoft.com/office/drawing/2017/decorative" val="1"/>
+              </a:ext>
+            </a:extLst>
+          </p:cNvPr>
+          <p:cNvSpPr>
+            <a:spLocks noGrp="1" noRot="1" noChangeAspect="1" noMove="1" noResize="1" noEditPoints="1" noAdjustHandles="1" noChangeArrowheads="1" noChangeShapeType="1" noTextEdit="1"/>
+          </p:cNvSpPr>
+          <p:nvPr>
+            <p:extLst>
+              <p:ext uri="{386F3935-93C4-4BCD-93E2-E3B085C9AB24}">
+                <p16:designElem xmlns:p16="http://schemas.microsoft.com/office/powerpoint/2015/main" val="1"/>
+              </p:ext>
+            </p:extLst>
+          </p:nvPr>
+        </p:nvSpPr>
+        <p:spPr>
+          <a:xfrm>
+            <a:off x="0" y="0"/>
+            <a:ext cx="12192000" cy="6858000"/>
+          </a:xfrm>
+          <a:prstGeom prst="rect">
+            <a:avLst/>
+          </a:prstGeom>
+          <a:ln w="12700" cap="flat" cmpd="sng" algn="ctr">
+            <a:noFill/>
+            <a:prstDash val="solid"/>
+            <a:miter lim="800000"/>
+          </a:ln>
+          <a:effectLst/>
+          <a:extLst>
+            <a:ext uri="{91240B29-F687-4F45-9708-019B960494DF}">
+              <a14:hiddenLine xmlns:a14="http://schemas.microsoft.com/office/drawing/2010/main" w="12700" cap="flat" cmpd="sng" algn="ctr">
+                <a:solidFill>
+                  <a:schemeClr val="accent1">
+                    <a:shade val="50000"/>
+                  </a:schemeClr>
+                </a:solidFill>
+                <a:prstDash val="solid"/>
+                <a:miter lim="800000"/>
+              </a14:hiddenLine>
+            </a:ext>
+          </a:extLst>
+        </p:spPr>
+        <p:style>
+          <a:lnRef idx="2">
+            <a:schemeClr val="accent1">
+              <a:shade val="50000"/>
+            </a:schemeClr>
+          </a:lnRef>
+          <a:fillRef idx="1">
+            <a:schemeClr val="accent1"/>
+          </a:fillRef>
+          <a:effectRef idx="0">
+            <a:schemeClr val="accent1"/>
+          </a:effectRef>
+          <a:fontRef idx="minor">
+            <a:schemeClr val="lt1"/>
+          </a:fontRef>
+        </p:style>
+        <p:txBody>
+          <a:bodyPr rtlCol="0" anchor="ctr"/>
+          <a:lstStyle/>
+          <a:p>
+            <a:pPr algn="ctr"/>
+            <a:endParaRPr lang="pl-PL" noProof="0" dirty="0"/>
+          </a:p>
+        </p:txBody>
+      </p:sp>
+      <p:sp>
+        <p:nvSpPr>
+          <p:cNvPr id="2" name="Title 1">
+            <a:extLst>
+              <a:ext uri="{FF2B5EF4-FFF2-40B4-BE49-F238E27FC236}">
+                <a16:creationId xmlns:a16="http://schemas.microsoft.com/office/drawing/2014/main" id="{F5CAAFBD-B474-A309-D608-BE9E3AEB43A1}"/>
+              </a:ext>
+            </a:extLst>
+          </p:cNvPr>
+          <p:cNvSpPr>
+            <a:spLocks noGrp="1"/>
+          </p:cNvSpPr>
+          <p:nvPr>
+            <p:ph type="title"/>
+          </p:nvPr>
+        </p:nvSpPr>
+        <p:spPr>
+          <a:xfrm>
+            <a:off x="1313752" y="63967"/>
+            <a:ext cx="9558954" cy="1657799"/>
+          </a:xfrm>
+        </p:spPr>
+        <p:txBody>
+          <a:bodyPr vert="horz" lIns="91440" tIns="45720" rIns="91440" bIns="45720" rtlCol="0" anchor="ctr">
+            <a:normAutofit/>
+          </a:bodyPr>
+          <a:lstStyle/>
+          <a:p>
+            <a:pPr algn="ctr"/>
+            <a:r>
+              <a:rPr lang="pl-PL" sz="4000" noProof="0" dirty="0"/>
+              <a:t>💻</a:t>
+            </a:r>
+            <a:r>
+              <a:rPr lang="pl-PL" sz="4000" b="1" noProof="0" dirty="0" err="1"/>
+              <a:t>Hyper-Threading</a:t>
+            </a:r>
+            <a:r>
+              <a:rPr lang="pl-PL" sz="4000" b="1" noProof="0" dirty="0"/>
+              <a:t> Technology (HTT)</a:t>
+            </a:r>
+          </a:p>
+        </p:txBody>
+      </p:sp>
+      <p:sp>
+        <p:nvSpPr>
+          <p:cNvPr id="3" name="Content Placeholder 2">
+            <a:extLst>
+              <a:ext uri="{FF2B5EF4-FFF2-40B4-BE49-F238E27FC236}">
+                <a16:creationId xmlns:a16="http://schemas.microsoft.com/office/drawing/2014/main" id="{85E94DC9-038A-BBEF-F281-FDC4D5B15CF1}"/>
+              </a:ext>
+            </a:extLst>
+          </p:cNvPr>
+          <p:cNvSpPr>
+            <a:spLocks noGrp="1"/>
+          </p:cNvSpPr>
+          <p:nvPr>
+            <p:ph idx="1"/>
+          </p:nvPr>
+        </p:nvSpPr>
+        <p:spPr>
+          <a:xfrm>
+            <a:off x="814754" y="1717346"/>
+            <a:ext cx="10562606" cy="4292256"/>
+          </a:xfrm>
+        </p:spPr>
+        <p:txBody>
+          <a:bodyPr vert="horz" lIns="91440" tIns="45720" rIns="91440" bIns="45720" rtlCol="0" anchor="t">
+            <a:noAutofit/>
+          </a:bodyPr>
+          <a:lstStyle/>
+          <a:p>
+            <a:pPr marL="0" indent="0">
+              <a:buNone/>
+            </a:pPr>
+            <a:r>
+              <a:rPr lang="pl-PL" sz="2000" b="1" noProof="0" dirty="0"/>
+              <a:t>Technologia ta wymaga:</a:t>
+            </a:r>
+          </a:p>
+          <a:p>
+            <a:pPr marL="0" indent="0">
+              <a:buNone/>
+            </a:pPr>
+            <a:endParaRPr lang="pl-PL" sz="2000" dirty="0"/>
+          </a:p>
+          <a:p>
+            <a:pPr lvl="1"/>
+            <a:r>
+              <a:rPr lang="pl-PL" sz="2000" noProof="0" dirty="0"/>
+              <a:t>wsparcia ze strony systemu operacyjnego,</a:t>
+            </a:r>
+          </a:p>
+          <a:p>
+            <a:pPr marL="457200" lvl="1" indent="0">
+              <a:buNone/>
+            </a:pPr>
+            <a:endParaRPr lang="pl-PL" sz="2000" dirty="0"/>
+          </a:p>
+          <a:p>
+            <a:pPr lvl="1"/>
+            <a:r>
+              <a:rPr lang="pl-PL" sz="2000" noProof="0" dirty="0"/>
+              <a:t>oprogramowania </a:t>
+            </a:r>
+            <a:r>
+              <a:rPr lang="pl-PL" sz="2000" b="1" noProof="0" dirty="0"/>
+              <a:t>zoptymalizowanego pod kątem wielowątkowości</a:t>
+            </a:r>
+            <a:r>
+              <a:rPr lang="pl-PL" sz="2000" noProof="0" dirty="0"/>
+              <a:t>.</a:t>
+            </a:r>
+          </a:p>
+          <a:p>
+            <a:pPr lvl="1"/>
+            <a:endParaRPr lang="pl-PL" sz="2000" dirty="0"/>
+          </a:p>
+          <a:p>
+            <a:pPr lvl="1"/>
+            <a:r>
+              <a:rPr lang="pl-PL" sz="2000" noProof="0" dirty="0"/>
+              <a:t>W przypadku braku takiej optymalizacji </a:t>
+            </a:r>
+            <a:r>
+              <a:rPr lang="pl-PL" sz="2000" b="1" noProof="0" dirty="0"/>
+              <a:t>Intel zaleca wyłączenie </a:t>
+            </a:r>
+            <a:r>
+              <a:rPr lang="pl-PL" sz="2000" b="1" noProof="0" err="1"/>
+              <a:t>Hyper-Threadingu</a:t>
+            </a:r>
+            <a:r>
+              <a:rPr lang="pl-PL" sz="2000" noProof="0" dirty="0"/>
+              <a:t>, ponieważ w niektórych przypadkach może on wręcz </a:t>
+            </a:r>
+            <a:r>
+              <a:rPr lang="pl-PL" sz="2000" b="1" noProof="0" dirty="0"/>
+              <a:t>obniżyć ogólną wydajność</a:t>
+            </a:r>
+            <a:r>
+              <a:rPr lang="pl-PL" sz="2000" noProof="0" dirty="0"/>
+              <a:t> procesora zamiast ją zwiększyć.</a:t>
+            </a:r>
+          </a:p>
+          <a:p>
+            <a:pPr lvl="1"/>
+            <a:endParaRPr lang="pl-PL" sz="2000" dirty="0">
+              <a:solidFill>
+                <a:srgbClr val="000000"/>
+              </a:solidFill>
+            </a:endParaRPr>
+          </a:p>
+          <a:p>
+            <a:pPr lvl="1"/>
+            <a:r>
+              <a:rPr lang="pl-PL" sz="2000" b="1" dirty="0">
+                <a:solidFill>
+                  <a:srgbClr val="C00000"/>
+                </a:solidFill>
+              </a:rPr>
+              <a:t>UWAGA! </a:t>
+            </a:r>
+            <a:r>
+              <a:rPr lang="pl-PL" sz="2000" dirty="0"/>
+              <a:t>4 rdzenie fizyczne czyli 8 logicznych ≠ 8 fizycznych rdzeni – wydajność nie będzie taka sama. Zysk to zwykle 15–30%, czasem mniej.</a:t>
+            </a:r>
+          </a:p>
+        </p:txBody>
+      </p:sp>
+      <p:sp>
+        <p:nvSpPr>
+          <p:cNvPr id="6166" name="Rectangle 6165">
+            <a:extLst>
+              <a:ext uri="{FF2B5EF4-FFF2-40B4-BE49-F238E27FC236}">
+                <a16:creationId xmlns:a16="http://schemas.microsoft.com/office/drawing/2014/main" id="{733AA5F9-B7EF-59E8-D145-083DC94836F7}"/>
+              </a:ext>
+              <a:ext uri="{C183D7F6-B498-43B3-948B-1728B52AA6E4}">
+                <adec:decorative xmlns:adec="http://schemas.microsoft.com/office/drawing/2017/decorative" val="1"/>
+              </a:ext>
+            </a:extLst>
+          </p:cNvPr>
+          <p:cNvSpPr>
+            <a:spLocks noGrp="1" noRot="1" noChangeAspect="1" noMove="1" noResize="1" noEditPoints="1" noAdjustHandles="1" noChangeArrowheads="1" noChangeShapeType="1" noTextEdit="1"/>
+          </p:cNvSpPr>
+          <p:nvPr>
+            <p:extLst>
+              <p:ext uri="{386F3935-93C4-4BCD-93E2-E3B085C9AB24}">
+                <p16:designElem xmlns:p16="http://schemas.microsoft.com/office/powerpoint/2015/main" val="1"/>
+              </p:ext>
+            </p:extLst>
+          </p:nvPr>
+        </p:nvSpPr>
+        <p:spPr>
+          <a:xfrm rot="10800000" flipH="1">
+            <a:off x="0" y="6400799"/>
+            <a:ext cx="12192000" cy="456773"/>
+          </a:xfrm>
+          <a:prstGeom prst="rect">
+            <a:avLst/>
+          </a:prstGeom>
+          <a:gradFill>
+            <a:gsLst>
+              <a:gs pos="0">
+                <a:schemeClr val="accent1"/>
+              </a:gs>
+              <a:gs pos="90000">
+                <a:srgbClr val="000000"/>
+              </a:gs>
+            </a:gsLst>
+            <a:lin ang="2400000" scaled="0"/>
+          </a:gradFill>
+          <a:ln>
+            <a:noFill/>
+          </a:ln>
+        </p:spPr>
+        <p:style>
+          <a:lnRef idx="2">
+            <a:schemeClr val="accent1">
+              <a:shade val="50000"/>
+            </a:schemeClr>
+          </a:lnRef>
+          <a:fillRef idx="1">
+            <a:schemeClr val="accent1"/>
+          </a:fillRef>
+          <a:effectRef idx="0">
+            <a:schemeClr val="accent1"/>
+          </a:effectRef>
+          <a:fontRef idx="minor">
+            <a:schemeClr val="lt1"/>
+          </a:fontRef>
+        </p:style>
+        <p:txBody>
+          <a:bodyPr rtlCol="0" anchor="ctr"/>
+          <a:lstStyle/>
+          <a:p>
+            <a:pPr algn="ctr"/>
+            <a:endParaRPr lang="pl-PL" noProof="0" dirty="0"/>
+          </a:p>
+        </p:txBody>
+      </p:sp>
+      <p:sp>
+        <p:nvSpPr>
+          <p:cNvPr id="6168" name="Rectangle 6167">
+            <a:extLst>
+              <a:ext uri="{FF2B5EF4-FFF2-40B4-BE49-F238E27FC236}">
+                <a16:creationId xmlns:a16="http://schemas.microsoft.com/office/drawing/2014/main" id="{6D859E1A-458E-7D34-3D97-80E0A90CC4E2}"/>
+              </a:ext>
+              <a:ext uri="{C183D7F6-B498-43B3-948B-1728B52AA6E4}">
+                <adec:decorative xmlns:adec="http://schemas.microsoft.com/office/drawing/2017/decorative" val="1"/>
+              </a:ext>
+            </a:extLst>
+          </p:cNvPr>
+          <p:cNvSpPr>
+            <a:spLocks noGrp="1" noRot="1" noChangeAspect="1" noMove="1" noResize="1" noEditPoints="1" noAdjustHandles="1" noChangeArrowheads="1" noChangeShapeType="1" noTextEdit="1"/>
+          </p:cNvSpPr>
+          <p:nvPr>
+            <p:extLst>
+              <p:ext uri="{386F3935-93C4-4BCD-93E2-E3B085C9AB24}">
+                <p16:designElem xmlns:p16="http://schemas.microsoft.com/office/powerpoint/2015/main" val="1"/>
+              </p:ext>
+            </p:extLst>
+          </p:nvPr>
+        </p:nvSpPr>
+        <p:spPr>
+          <a:xfrm flipH="1">
+            <a:off x="4038600" y="6400799"/>
+            <a:ext cx="8153398" cy="456772"/>
+          </a:xfrm>
+          <a:prstGeom prst="rect">
+            <a:avLst/>
+          </a:prstGeom>
+          <a:gradFill>
+            <a:gsLst>
+              <a:gs pos="0">
+                <a:srgbClr val="000000">
+                  <a:alpha val="50000"/>
+                </a:srgbClr>
+              </a:gs>
+              <a:gs pos="100000">
+                <a:schemeClr val="accent1">
+                  <a:lumMod val="75000"/>
+                </a:schemeClr>
+              </a:gs>
+            </a:gsLst>
+            <a:lin ang="13800000" scaled="0"/>
+          </a:gradFill>
+          <a:ln>
+            <a:noFill/>
+          </a:ln>
+        </p:spPr>
+        <p:style>
+          <a:lnRef idx="2">
+            <a:schemeClr val="accent1">
+              <a:shade val="50000"/>
+            </a:schemeClr>
+          </a:lnRef>
+          <a:fillRef idx="1">
+            <a:schemeClr val="accent1"/>
+          </a:fillRef>
+          <a:effectRef idx="0">
+            <a:schemeClr val="accent1"/>
+          </a:effectRef>
+          <a:fontRef idx="minor">
+            <a:schemeClr val="lt1"/>
+          </a:fontRef>
+        </p:style>
+        <p:txBody>
+          <a:bodyPr rtlCol="0" anchor="ctr"/>
+          <a:lstStyle/>
+          <a:p>
+            <a:pPr algn="ctr"/>
+            <a:endParaRPr lang="pl-PL" noProof="0" dirty="0"/>
+          </a:p>
+        </p:txBody>
+      </p:sp>
+    </p:spTree>
+    <p:extLst>
+      <p:ext uri="{BB962C8B-B14F-4D97-AF65-F5344CB8AC3E}">
+        <p14:creationId xmlns:p14="http://schemas.microsoft.com/office/powerpoint/2010/main" val="1326085228"/>
+      </p:ext>
+    </p:extLst>
+  </p:cSld>
+  <p:clrMapOvr>
+    <a:masterClrMapping/>
+  </p:clrMapOvr>
+</p:sld>
+</file>
+
+<file path=ppt/slides/slide19.xml><?xml version="1.0" encoding="utf-8"?>
 <p:sld xmlns:a="http://schemas.openxmlformats.org/drawingml/2006/main" xmlns:r="http://schemas.openxmlformats.org/officeDocument/2006/relationships" xmlns:p="http://schemas.openxmlformats.org/presentationml/2006/main">
   <p:cSld>
     <p:bg>
@@ -10138,1607 +11800,6 @@
     <p:extLst>
       <p:ext uri="{BB962C8B-B14F-4D97-AF65-F5344CB8AC3E}">
         <p14:creationId xmlns:p14="http://schemas.microsoft.com/office/powerpoint/2010/main" val="2310133980"/>
-      </p:ext>
-    </p:extLst>
-  </p:cSld>
-  <p:clrMapOvr>
-    <a:masterClrMapping/>
-  </p:clrMapOvr>
-</p:sld>
-</file>
-
-<file path=ppt/slides/slide17.xml><?xml version="1.0" encoding="utf-8"?>
-<p:sld xmlns:a="http://schemas.openxmlformats.org/drawingml/2006/main" xmlns:r="http://schemas.openxmlformats.org/officeDocument/2006/relationships" xmlns:p="http://schemas.openxmlformats.org/presentationml/2006/main">
-  <p:cSld>
-    <p:bg>
-      <p:bgPr>
-        <a:solidFill>
-          <a:schemeClr val="bg1"/>
-        </a:solidFill>
-        <a:effectLst/>
-      </p:bgPr>
-    </p:bg>
-    <p:spTree>
-      <p:nvGrpSpPr>
-        <p:cNvPr id="1" name=""/>
-        <p:cNvGrpSpPr/>
-        <p:nvPr/>
-      </p:nvGrpSpPr>
-      <p:grpSpPr>
-        <a:xfrm>
-          <a:off x="0" y="0"/>
-          <a:ext cx="0" cy="0"/>
-          <a:chOff x="0" y="0"/>
-          <a:chExt cx="0" cy="0"/>
-        </a:xfrm>
-      </p:grpSpPr>
-      <p:sp useBgFill="1">
-        <p:nvSpPr>
-          <p:cNvPr id="12" name="Rectangle 11">
-            <a:extLst>
-              <a:ext uri="{FF2B5EF4-FFF2-40B4-BE49-F238E27FC236}">
-                <a16:creationId xmlns:a16="http://schemas.microsoft.com/office/drawing/2014/main" id="{2151139A-886F-4B97-8815-729AD3831BBD}"/>
-              </a:ext>
-              <a:ext uri="{C183D7F6-B498-43B3-948B-1728B52AA6E4}">
-                <adec:decorative xmlns:adec="http://schemas.microsoft.com/office/drawing/2017/decorative" val="1"/>
-              </a:ext>
-            </a:extLst>
-          </p:cNvPr>
-          <p:cNvSpPr>
-            <a:spLocks noGrp="1" noRot="1" noChangeAspect="1" noMove="1" noResize="1" noEditPoints="1" noAdjustHandles="1" noChangeArrowheads="1" noChangeShapeType="1" noTextEdit="1"/>
-          </p:cNvSpPr>
-          <p:nvPr>
-            <p:extLst>
-              <p:ext uri="{386F3935-93C4-4BCD-93E2-E3B085C9AB24}">
-                <p16:designElem xmlns:p16="http://schemas.microsoft.com/office/powerpoint/2015/main" val="1"/>
-              </p:ext>
-            </p:extLst>
-          </p:nvPr>
-        </p:nvSpPr>
-        <p:spPr>
-          <a:xfrm>
-            <a:off x="0" y="0"/>
-            <a:ext cx="12192000" cy="6858000"/>
-          </a:xfrm>
-          <a:prstGeom prst="rect">
-            <a:avLst/>
-          </a:prstGeom>
-          <a:ln w="12700" cap="flat" cmpd="sng" algn="ctr">
-            <a:noFill/>
-            <a:prstDash val="solid"/>
-            <a:miter lim="800000"/>
-          </a:ln>
-          <a:effectLst/>
-          <a:extLst>
-            <a:ext uri="{91240B29-F687-4F45-9708-019B960494DF}">
-              <a14:hiddenLine xmlns:a14="http://schemas.microsoft.com/office/drawing/2010/main" w="12700" cap="flat" cmpd="sng" algn="ctr">
-                <a:solidFill>
-                  <a:schemeClr val="accent1">
-                    <a:shade val="50000"/>
-                  </a:schemeClr>
-                </a:solidFill>
-                <a:prstDash val="solid"/>
-                <a:miter lim="800000"/>
-              </a14:hiddenLine>
-            </a:ext>
-          </a:extLst>
-        </p:spPr>
-        <p:style>
-          <a:lnRef idx="2">
-            <a:schemeClr val="accent1">
-              <a:shade val="50000"/>
-            </a:schemeClr>
-          </a:lnRef>
-          <a:fillRef idx="1">
-            <a:schemeClr val="accent1"/>
-          </a:fillRef>
-          <a:effectRef idx="0">
-            <a:schemeClr val="accent1"/>
-          </a:effectRef>
-          <a:fontRef idx="minor">
-            <a:schemeClr val="lt1"/>
-          </a:fontRef>
-        </p:style>
-        <p:txBody>
-          <a:bodyPr rtlCol="0" anchor="ctr"/>
-          <a:lstStyle/>
-          <a:p>
-            <a:pPr algn="ctr"/>
-            <a:endParaRPr lang="pl-PL" sz="2000" noProof="0" dirty="0"/>
-          </a:p>
-        </p:txBody>
-      </p:sp>
-      <p:sp>
-        <p:nvSpPr>
-          <p:cNvPr id="14" name="Rectangle 13">
-            <a:extLst>
-              <a:ext uri="{FF2B5EF4-FFF2-40B4-BE49-F238E27FC236}">
-                <a16:creationId xmlns:a16="http://schemas.microsoft.com/office/drawing/2014/main" id="{AB5E08C4-8CDD-4623-A5B8-E998C6DEE3B7}"/>
-              </a:ext>
-              <a:ext uri="{C183D7F6-B498-43B3-948B-1728B52AA6E4}">
-                <adec:decorative xmlns:adec="http://schemas.microsoft.com/office/drawing/2017/decorative" val="1"/>
-              </a:ext>
-            </a:extLst>
-          </p:cNvPr>
-          <p:cNvSpPr>
-            <a:spLocks noGrp="1" noRot="1" noChangeAspect="1" noMove="1" noResize="1" noEditPoints="1" noAdjustHandles="1" noChangeArrowheads="1" noChangeShapeType="1" noTextEdit="1"/>
-          </p:cNvSpPr>
-          <p:nvPr>
-            <p:extLst>
-              <p:ext uri="{386F3935-93C4-4BCD-93E2-E3B085C9AB24}">
-                <p16:designElem xmlns:p16="http://schemas.microsoft.com/office/powerpoint/2015/main" val="1"/>
-              </p:ext>
-            </p:extLst>
-          </p:nvPr>
-        </p:nvSpPr>
-        <p:spPr>
-          <a:xfrm flipH="1">
-            <a:off x="2" y="492"/>
-            <a:ext cx="12191998" cy="1575955"/>
-          </a:xfrm>
-          <a:prstGeom prst="rect">
-            <a:avLst/>
-          </a:prstGeom>
-          <a:gradFill>
-            <a:gsLst>
-              <a:gs pos="0">
-                <a:schemeClr val="accent1">
-                  <a:lumMod val="50000"/>
-                </a:schemeClr>
-              </a:gs>
-              <a:gs pos="100000">
-                <a:schemeClr val="accent1">
-                  <a:lumMod val="75000"/>
-                </a:schemeClr>
-              </a:gs>
-            </a:gsLst>
-            <a:lin ang="8400000" scaled="0"/>
-          </a:gradFill>
-          <a:ln>
-            <a:noFill/>
-          </a:ln>
-        </p:spPr>
-        <p:style>
-          <a:lnRef idx="2">
-            <a:schemeClr val="accent1">
-              <a:shade val="50000"/>
-            </a:schemeClr>
-          </a:lnRef>
-          <a:fillRef idx="1">
-            <a:schemeClr val="accent1"/>
-          </a:fillRef>
-          <a:effectRef idx="0">
-            <a:schemeClr val="accent1"/>
-          </a:effectRef>
-          <a:fontRef idx="minor">
-            <a:schemeClr val="lt1"/>
-          </a:fontRef>
-        </p:style>
-        <p:txBody>
-          <a:bodyPr rtlCol="0" anchor="ctr"/>
-          <a:lstStyle/>
-          <a:p>
-            <a:pPr algn="ctr"/>
-            <a:endParaRPr lang="pl-PL" noProof="0" dirty="0"/>
-          </a:p>
-        </p:txBody>
-      </p:sp>
-      <p:sp>
-        <p:nvSpPr>
-          <p:cNvPr id="16" name="Rectangle 15">
-            <a:extLst>
-              <a:ext uri="{FF2B5EF4-FFF2-40B4-BE49-F238E27FC236}">
-                <a16:creationId xmlns:a16="http://schemas.microsoft.com/office/drawing/2014/main" id="{15F33878-D502-4FFA-8ACE-F2AECDB2A23F}"/>
-              </a:ext>
-              <a:ext uri="{C183D7F6-B498-43B3-948B-1728B52AA6E4}">
-                <adec:decorative xmlns:adec="http://schemas.microsoft.com/office/drawing/2017/decorative" val="1"/>
-              </a:ext>
-            </a:extLst>
-          </p:cNvPr>
-          <p:cNvSpPr>
-            <a:spLocks noGrp="1" noRot="1" noChangeAspect="1" noMove="1" noResize="1" noEditPoints="1" noAdjustHandles="1" noChangeArrowheads="1" noChangeShapeType="1" noTextEdit="1"/>
-          </p:cNvSpPr>
-          <p:nvPr>
-            <p:extLst>
-              <p:ext uri="{386F3935-93C4-4BCD-93E2-E3B085C9AB24}">
-                <p16:designElem xmlns:p16="http://schemas.microsoft.com/office/powerpoint/2015/main" val="1"/>
-              </p:ext>
-            </p:extLst>
-          </p:nvPr>
-        </p:nvSpPr>
-        <p:spPr>
-          <a:xfrm rot="10800000" flipH="1">
-            <a:off x="8128857" y="35"/>
-            <a:ext cx="4063143" cy="1576412"/>
-          </a:xfrm>
-          <a:prstGeom prst="rect">
-            <a:avLst/>
-          </a:prstGeom>
-          <a:gradFill>
-            <a:gsLst>
-              <a:gs pos="19000">
-                <a:schemeClr val="accent1">
-                  <a:lumMod val="50000"/>
-                  <a:alpha val="68000"/>
-                </a:schemeClr>
-              </a:gs>
-              <a:gs pos="100000">
-                <a:schemeClr val="accent1">
-                  <a:alpha val="79000"/>
-                </a:schemeClr>
-              </a:gs>
-            </a:gsLst>
-            <a:lin ang="19200000" scaled="0"/>
-          </a:gradFill>
-          <a:ln>
-            <a:noFill/>
-          </a:ln>
-        </p:spPr>
-        <p:style>
-          <a:lnRef idx="2">
-            <a:schemeClr val="accent1">
-              <a:shade val="50000"/>
-            </a:schemeClr>
-          </a:lnRef>
-          <a:fillRef idx="1">
-            <a:schemeClr val="accent1"/>
-          </a:fillRef>
-          <a:effectRef idx="0">
-            <a:schemeClr val="accent1"/>
-          </a:effectRef>
-          <a:fontRef idx="minor">
-            <a:schemeClr val="lt1"/>
-          </a:fontRef>
-        </p:style>
-        <p:txBody>
-          <a:bodyPr rtlCol="0" anchor="ctr"/>
-          <a:lstStyle/>
-          <a:p>
-            <a:pPr algn="ctr"/>
-            <a:endParaRPr lang="pl-PL" noProof="0" dirty="0"/>
-          </a:p>
-        </p:txBody>
-      </p:sp>
-      <p:sp>
-        <p:nvSpPr>
-          <p:cNvPr id="18" name="Rectangle 17">
-            <a:extLst>
-              <a:ext uri="{FF2B5EF4-FFF2-40B4-BE49-F238E27FC236}">
-                <a16:creationId xmlns:a16="http://schemas.microsoft.com/office/drawing/2014/main" id="{D3539FEE-81D3-4406-802E-60B20B16F4F6}"/>
-              </a:ext>
-              <a:ext uri="{C183D7F6-B498-43B3-948B-1728B52AA6E4}">
-                <adec:decorative xmlns:adec="http://schemas.microsoft.com/office/drawing/2017/decorative" val="1"/>
-              </a:ext>
-            </a:extLst>
-          </p:cNvPr>
-          <p:cNvSpPr>
-            <a:spLocks noGrp="1" noRot="1" noChangeAspect="1" noMove="1" noResize="1" noEditPoints="1" noAdjustHandles="1" noChangeArrowheads="1" noChangeShapeType="1" noTextEdit="1"/>
-          </p:cNvSpPr>
-          <p:nvPr>
-            <p:extLst>
-              <p:ext uri="{386F3935-93C4-4BCD-93E2-E3B085C9AB24}">
-                <p16:designElem xmlns:p16="http://schemas.microsoft.com/office/powerpoint/2015/main" val="1"/>
-              </p:ext>
-            </p:extLst>
-          </p:nvPr>
-        </p:nvSpPr>
-        <p:spPr>
-          <a:xfrm rot="5400000">
-            <a:off x="5307778" y="-5307777"/>
-            <a:ext cx="1576446" cy="12192001"/>
-          </a:xfrm>
-          <a:prstGeom prst="rect">
-            <a:avLst/>
-          </a:prstGeom>
-          <a:gradFill>
-            <a:gsLst>
-              <a:gs pos="16000">
-                <a:srgbClr val="000000">
-                  <a:alpha val="0"/>
-                </a:srgbClr>
-              </a:gs>
-              <a:gs pos="99000">
-                <a:srgbClr val="000000">
-                  <a:alpha val="87000"/>
-                </a:srgbClr>
-              </a:gs>
-            </a:gsLst>
-            <a:lin ang="11400000" scaled="0"/>
-          </a:gradFill>
-          <a:ln>
-            <a:noFill/>
-          </a:ln>
-        </p:spPr>
-        <p:style>
-          <a:lnRef idx="2">
-            <a:schemeClr val="accent1">
-              <a:shade val="50000"/>
-            </a:schemeClr>
-          </a:lnRef>
-          <a:fillRef idx="1">
-            <a:schemeClr val="accent1"/>
-          </a:fillRef>
-          <a:effectRef idx="0">
-            <a:schemeClr val="accent1"/>
-          </a:effectRef>
-          <a:fontRef idx="minor">
-            <a:schemeClr val="lt1"/>
-          </a:fontRef>
-        </p:style>
-        <p:txBody>
-          <a:bodyPr rtlCol="0" anchor="ctr"/>
-          <a:lstStyle/>
-          <a:p>
-            <a:pPr algn="ctr"/>
-            <a:endParaRPr lang="pl-PL" noProof="0" dirty="0"/>
-          </a:p>
-        </p:txBody>
-      </p:sp>
-      <p:sp>
-        <p:nvSpPr>
-          <p:cNvPr id="20" name="Rectangle 19">
-            <a:extLst>
-              <a:ext uri="{FF2B5EF4-FFF2-40B4-BE49-F238E27FC236}">
-                <a16:creationId xmlns:a16="http://schemas.microsoft.com/office/drawing/2014/main" id="{DC701763-729E-462F-A5A8-E0DEFEB1E2E4}"/>
-              </a:ext>
-              <a:ext uri="{C183D7F6-B498-43B3-948B-1728B52AA6E4}">
-                <adec:decorative xmlns:adec="http://schemas.microsoft.com/office/drawing/2017/decorative" val="1"/>
-              </a:ext>
-            </a:extLst>
-          </p:cNvPr>
-          <p:cNvSpPr>
-            <a:spLocks noGrp="1" noRot="1" noChangeAspect="1" noMove="1" noResize="1" noEditPoints="1" noAdjustHandles="1" noChangeArrowheads="1" noChangeShapeType="1" noTextEdit="1"/>
-          </p:cNvSpPr>
-          <p:nvPr>
-            <p:extLst>
-              <p:ext uri="{386F3935-93C4-4BCD-93E2-E3B085C9AB24}">
-                <p16:designElem xmlns:p16="http://schemas.microsoft.com/office/powerpoint/2015/main" val="1"/>
-              </p:ext>
-            </p:extLst>
-          </p:nvPr>
-        </p:nvSpPr>
-        <p:spPr>
-          <a:xfrm>
-            <a:off x="3825434" y="986"/>
-            <a:ext cx="4303422" cy="1575461"/>
-          </a:xfrm>
-          <a:prstGeom prst="rect">
-            <a:avLst/>
-          </a:prstGeom>
-          <a:gradFill>
-            <a:gsLst>
-              <a:gs pos="0">
-                <a:schemeClr val="accent1">
-                  <a:alpha val="17000"/>
-                </a:schemeClr>
-              </a:gs>
-              <a:gs pos="74000">
-                <a:schemeClr val="accent1">
-                  <a:lumMod val="50000"/>
-                  <a:alpha val="0"/>
-                </a:schemeClr>
-              </a:gs>
-            </a:gsLst>
-            <a:lin ang="14400000" scaled="0"/>
-          </a:gradFill>
-          <a:ln>
-            <a:noFill/>
-          </a:ln>
-        </p:spPr>
-        <p:style>
-          <a:lnRef idx="2">
-            <a:schemeClr val="accent1">
-              <a:shade val="50000"/>
-            </a:schemeClr>
-          </a:lnRef>
-          <a:fillRef idx="1">
-            <a:schemeClr val="accent1"/>
-          </a:fillRef>
-          <a:effectRef idx="0">
-            <a:schemeClr val="accent1"/>
-          </a:effectRef>
-          <a:fontRef idx="minor">
-            <a:schemeClr val="lt1"/>
-          </a:fontRef>
-        </p:style>
-        <p:txBody>
-          <a:bodyPr rtlCol="0" anchor="ctr"/>
-          <a:lstStyle/>
-          <a:p>
-            <a:pPr algn="ctr"/>
-            <a:endParaRPr lang="pl-PL" noProof="0" dirty="0"/>
-          </a:p>
-        </p:txBody>
-      </p:sp>
-      <p:sp>
-        <p:nvSpPr>
-          <p:cNvPr id="2" name="Title 1">
-            <a:extLst>
-              <a:ext uri="{FF2B5EF4-FFF2-40B4-BE49-F238E27FC236}">
-                <a16:creationId xmlns:a16="http://schemas.microsoft.com/office/drawing/2014/main" id="{BA0EF68B-ECFF-6455-FC7E-2E9FC36612C7}"/>
-              </a:ext>
-            </a:extLst>
-          </p:cNvPr>
-          <p:cNvSpPr>
-            <a:spLocks noGrp="1"/>
-          </p:cNvSpPr>
-          <p:nvPr>
-            <p:ph type="title"/>
-          </p:nvPr>
-        </p:nvSpPr>
-        <p:spPr>
-          <a:xfrm>
-            <a:off x="699714" y="353160"/>
-            <a:ext cx="7091300" cy="898581"/>
-          </a:xfrm>
-        </p:spPr>
-        <p:txBody>
-          <a:bodyPr vert="horz" lIns="91440" tIns="45720" rIns="91440" bIns="45720" rtlCol="0" anchor="ctr">
-            <a:normAutofit/>
-          </a:bodyPr>
-          <a:lstStyle/>
-          <a:p>
-            <a:r>
-              <a:rPr lang="pl-PL" sz="4000" b="0" i="0" noProof="0" dirty="0">
-                <a:solidFill>
-                  <a:srgbClr val="FFFFFF"/>
-                </a:solidFill>
-                <a:effectLst/>
-              </a:rPr>
-              <a:t>👨‍💻 </a:t>
-            </a:r>
-            <a:r>
-              <a:rPr lang="pl-PL" sz="4000" b="1" i="0" noProof="0" dirty="0">
-                <a:solidFill>
-                  <a:srgbClr val="FFFFFF"/>
-                </a:solidFill>
-                <a:effectLst/>
-              </a:rPr>
-              <a:t>Implementacja </a:t>
-            </a:r>
-            <a:r>
-              <a:rPr lang="pl-PL" sz="4000" b="1" i="0" noProof="0" dirty="0" err="1">
-                <a:solidFill>
-                  <a:srgbClr val="FFFFFF"/>
-                </a:solidFill>
-                <a:effectLst/>
-              </a:rPr>
-              <a:t>Python</a:t>
-            </a:r>
-            <a:endParaRPr lang="pl-PL" sz="4000" noProof="0" dirty="0">
-              <a:solidFill>
-                <a:srgbClr val="FFFFFF"/>
-              </a:solidFill>
-            </a:endParaRPr>
-          </a:p>
-        </p:txBody>
-      </p:sp>
-      <p:pic>
-        <p:nvPicPr>
-          <p:cNvPr id="7" name="Picture 6">
-            <a:extLst>
-              <a:ext uri="{FF2B5EF4-FFF2-40B4-BE49-F238E27FC236}">
-                <a16:creationId xmlns:a16="http://schemas.microsoft.com/office/drawing/2014/main" id="{EEFBC0A7-FB0E-D754-5D04-704EF040A78C}"/>
-              </a:ext>
-            </a:extLst>
-          </p:cNvPr>
-          <p:cNvPicPr>
-            <a:picLocks noChangeAspect="1"/>
-          </p:cNvPicPr>
-          <p:nvPr/>
-        </p:nvPicPr>
-        <p:blipFill>
-          <a:blip r:embed="rId2"/>
-          <a:stretch>
-            <a:fillRect/>
-          </a:stretch>
-        </p:blipFill>
-        <p:spPr>
-          <a:xfrm>
-            <a:off x="6096000" y="2181232"/>
-            <a:ext cx="4380972" cy="3997637"/>
-          </a:xfrm>
-          <a:prstGeom prst="rect">
-            <a:avLst/>
-          </a:prstGeom>
-        </p:spPr>
-      </p:pic>
-      <p:pic>
-        <p:nvPicPr>
-          <p:cNvPr id="5" name="Picture 4">
-            <a:extLst>
-              <a:ext uri="{FF2B5EF4-FFF2-40B4-BE49-F238E27FC236}">
-                <a16:creationId xmlns:a16="http://schemas.microsoft.com/office/drawing/2014/main" id="{7120A6AE-9B90-24CF-2D16-36D44834A387}"/>
-              </a:ext>
-            </a:extLst>
-          </p:cNvPr>
-          <p:cNvPicPr>
-            <a:picLocks noChangeAspect="1"/>
-          </p:cNvPicPr>
-          <p:nvPr/>
-        </p:nvPicPr>
-        <p:blipFill>
-          <a:blip r:embed="rId3"/>
-          <a:stretch>
-            <a:fillRect/>
-          </a:stretch>
-        </p:blipFill>
-        <p:spPr>
-          <a:xfrm>
-            <a:off x="1070216" y="2181038"/>
-            <a:ext cx="3797939" cy="3997831"/>
-          </a:xfrm>
-          <a:prstGeom prst="rect">
-            <a:avLst/>
-          </a:prstGeom>
-        </p:spPr>
-      </p:pic>
-    </p:spTree>
-    <p:extLst>
-      <p:ext uri="{BB962C8B-B14F-4D97-AF65-F5344CB8AC3E}">
-        <p14:creationId xmlns:p14="http://schemas.microsoft.com/office/powerpoint/2010/main" val="2987115480"/>
-      </p:ext>
-    </p:extLst>
-  </p:cSld>
-  <p:clrMapOvr>
-    <a:masterClrMapping/>
-  </p:clrMapOvr>
-</p:sld>
-</file>
-
-<file path=ppt/slides/slide18.xml><?xml version="1.0" encoding="utf-8"?>
-<p:sld xmlns:a="http://schemas.openxmlformats.org/drawingml/2006/main" xmlns:r="http://schemas.openxmlformats.org/officeDocument/2006/relationships" xmlns:p="http://schemas.openxmlformats.org/presentationml/2006/main">
-  <p:cSld>
-    <p:bg>
-      <p:bgPr>
-        <a:solidFill>
-          <a:schemeClr val="bg1"/>
-        </a:solidFill>
-        <a:effectLst/>
-      </p:bgPr>
-    </p:bg>
-    <p:spTree>
-      <p:nvGrpSpPr>
-        <p:cNvPr id="1" name=""/>
-        <p:cNvGrpSpPr/>
-        <p:nvPr/>
-      </p:nvGrpSpPr>
-      <p:grpSpPr>
-        <a:xfrm>
-          <a:off x="0" y="0"/>
-          <a:ext cx="0" cy="0"/>
-          <a:chOff x="0" y="0"/>
-          <a:chExt cx="0" cy="0"/>
-        </a:xfrm>
-      </p:grpSpPr>
-      <p:sp useBgFill="1">
-        <p:nvSpPr>
-          <p:cNvPr id="14" name="Rectangle 13">
-            <a:extLst>
-              <a:ext uri="{FF2B5EF4-FFF2-40B4-BE49-F238E27FC236}">
-                <a16:creationId xmlns:a16="http://schemas.microsoft.com/office/drawing/2014/main" id="{2151139A-886F-4B97-8815-729AD3831BBD}"/>
-              </a:ext>
-              <a:ext uri="{C183D7F6-B498-43B3-948B-1728B52AA6E4}">
-                <adec:decorative xmlns:adec="http://schemas.microsoft.com/office/drawing/2017/decorative" val="1"/>
-              </a:ext>
-            </a:extLst>
-          </p:cNvPr>
-          <p:cNvSpPr>
-            <a:spLocks noGrp="1" noRot="1" noChangeAspect="1" noMove="1" noResize="1" noEditPoints="1" noAdjustHandles="1" noChangeArrowheads="1" noChangeShapeType="1" noTextEdit="1"/>
-          </p:cNvSpPr>
-          <p:nvPr>
-            <p:extLst>
-              <p:ext uri="{386F3935-93C4-4BCD-93E2-E3B085C9AB24}">
-                <p16:designElem xmlns:p16="http://schemas.microsoft.com/office/powerpoint/2015/main" val="1"/>
-              </p:ext>
-            </p:extLst>
-          </p:nvPr>
-        </p:nvSpPr>
-        <p:spPr>
-          <a:xfrm>
-            <a:off x="0" y="0"/>
-            <a:ext cx="12192000" cy="6858000"/>
-          </a:xfrm>
-          <a:prstGeom prst="rect">
-            <a:avLst/>
-          </a:prstGeom>
-          <a:ln w="12700" cap="flat" cmpd="sng" algn="ctr">
-            <a:noFill/>
-            <a:prstDash val="solid"/>
-            <a:miter lim="800000"/>
-          </a:ln>
-          <a:effectLst/>
-          <a:extLst>
-            <a:ext uri="{91240B29-F687-4F45-9708-019B960494DF}">
-              <a14:hiddenLine xmlns:a14="http://schemas.microsoft.com/office/drawing/2010/main" w="12700" cap="flat" cmpd="sng" algn="ctr">
-                <a:solidFill>
-                  <a:schemeClr val="accent1">
-                    <a:shade val="50000"/>
-                  </a:schemeClr>
-                </a:solidFill>
-                <a:prstDash val="solid"/>
-                <a:miter lim="800000"/>
-              </a14:hiddenLine>
-            </a:ext>
-          </a:extLst>
-        </p:spPr>
-        <p:style>
-          <a:lnRef idx="2">
-            <a:schemeClr val="accent1">
-              <a:shade val="50000"/>
-            </a:schemeClr>
-          </a:lnRef>
-          <a:fillRef idx="1">
-            <a:schemeClr val="accent1"/>
-          </a:fillRef>
-          <a:effectRef idx="0">
-            <a:schemeClr val="accent1"/>
-          </a:effectRef>
-          <a:fontRef idx="minor">
-            <a:schemeClr val="lt1"/>
-          </a:fontRef>
-        </p:style>
-        <p:txBody>
-          <a:bodyPr rtlCol="0" anchor="ctr"/>
-          <a:lstStyle/>
-          <a:p>
-            <a:pPr algn="ctr"/>
-            <a:endParaRPr lang="pl-PL" sz="2000" noProof="0" dirty="0"/>
-          </a:p>
-        </p:txBody>
-      </p:sp>
-      <p:sp>
-        <p:nvSpPr>
-          <p:cNvPr id="16" name="Rectangle 15">
-            <a:extLst>
-              <a:ext uri="{FF2B5EF4-FFF2-40B4-BE49-F238E27FC236}">
-                <a16:creationId xmlns:a16="http://schemas.microsoft.com/office/drawing/2014/main" id="{AB5E08C4-8CDD-4623-A5B8-E998C6DEE3B7}"/>
-              </a:ext>
-              <a:ext uri="{C183D7F6-B498-43B3-948B-1728B52AA6E4}">
-                <adec:decorative xmlns:adec="http://schemas.microsoft.com/office/drawing/2017/decorative" val="1"/>
-              </a:ext>
-            </a:extLst>
-          </p:cNvPr>
-          <p:cNvSpPr>
-            <a:spLocks noGrp="1" noRot="1" noChangeAspect="1" noMove="1" noResize="1" noEditPoints="1" noAdjustHandles="1" noChangeArrowheads="1" noChangeShapeType="1" noTextEdit="1"/>
-          </p:cNvSpPr>
-          <p:nvPr>
-            <p:extLst>
-              <p:ext uri="{386F3935-93C4-4BCD-93E2-E3B085C9AB24}">
-                <p16:designElem xmlns:p16="http://schemas.microsoft.com/office/powerpoint/2015/main" val="1"/>
-              </p:ext>
-            </p:extLst>
-          </p:nvPr>
-        </p:nvSpPr>
-        <p:spPr>
-          <a:xfrm flipH="1">
-            <a:off x="2" y="492"/>
-            <a:ext cx="12191998" cy="1575955"/>
-          </a:xfrm>
-          <a:prstGeom prst="rect">
-            <a:avLst/>
-          </a:prstGeom>
-          <a:gradFill>
-            <a:gsLst>
-              <a:gs pos="0">
-                <a:schemeClr val="accent1">
-                  <a:lumMod val="50000"/>
-                </a:schemeClr>
-              </a:gs>
-              <a:gs pos="100000">
-                <a:schemeClr val="accent1">
-                  <a:lumMod val="75000"/>
-                </a:schemeClr>
-              </a:gs>
-            </a:gsLst>
-            <a:lin ang="8400000" scaled="0"/>
-          </a:gradFill>
-          <a:ln>
-            <a:noFill/>
-          </a:ln>
-        </p:spPr>
-        <p:style>
-          <a:lnRef idx="2">
-            <a:schemeClr val="accent1">
-              <a:shade val="50000"/>
-            </a:schemeClr>
-          </a:lnRef>
-          <a:fillRef idx="1">
-            <a:schemeClr val="accent1"/>
-          </a:fillRef>
-          <a:effectRef idx="0">
-            <a:schemeClr val="accent1"/>
-          </a:effectRef>
-          <a:fontRef idx="minor">
-            <a:schemeClr val="lt1"/>
-          </a:fontRef>
-        </p:style>
-        <p:txBody>
-          <a:bodyPr rtlCol="0" anchor="ctr"/>
-          <a:lstStyle/>
-          <a:p>
-            <a:pPr algn="ctr"/>
-            <a:endParaRPr lang="pl-PL" noProof="0" dirty="0"/>
-          </a:p>
-        </p:txBody>
-      </p:sp>
-      <p:sp>
-        <p:nvSpPr>
-          <p:cNvPr id="18" name="Rectangle 17">
-            <a:extLst>
-              <a:ext uri="{FF2B5EF4-FFF2-40B4-BE49-F238E27FC236}">
-                <a16:creationId xmlns:a16="http://schemas.microsoft.com/office/drawing/2014/main" id="{15F33878-D502-4FFA-8ACE-F2AECDB2A23F}"/>
-              </a:ext>
-              <a:ext uri="{C183D7F6-B498-43B3-948B-1728B52AA6E4}">
-                <adec:decorative xmlns:adec="http://schemas.microsoft.com/office/drawing/2017/decorative" val="1"/>
-              </a:ext>
-            </a:extLst>
-          </p:cNvPr>
-          <p:cNvSpPr>
-            <a:spLocks noGrp="1" noRot="1" noChangeAspect="1" noMove="1" noResize="1" noEditPoints="1" noAdjustHandles="1" noChangeArrowheads="1" noChangeShapeType="1" noTextEdit="1"/>
-          </p:cNvSpPr>
-          <p:nvPr>
-            <p:extLst>
-              <p:ext uri="{386F3935-93C4-4BCD-93E2-E3B085C9AB24}">
-                <p16:designElem xmlns:p16="http://schemas.microsoft.com/office/powerpoint/2015/main" val="1"/>
-              </p:ext>
-            </p:extLst>
-          </p:nvPr>
-        </p:nvSpPr>
-        <p:spPr>
-          <a:xfrm rot="10800000" flipH="1">
-            <a:off x="8128857" y="35"/>
-            <a:ext cx="4063143" cy="1576412"/>
-          </a:xfrm>
-          <a:prstGeom prst="rect">
-            <a:avLst/>
-          </a:prstGeom>
-          <a:gradFill>
-            <a:gsLst>
-              <a:gs pos="19000">
-                <a:schemeClr val="accent1">
-                  <a:lumMod val="50000"/>
-                  <a:alpha val="68000"/>
-                </a:schemeClr>
-              </a:gs>
-              <a:gs pos="100000">
-                <a:schemeClr val="accent1">
-                  <a:alpha val="79000"/>
-                </a:schemeClr>
-              </a:gs>
-            </a:gsLst>
-            <a:lin ang="19200000" scaled="0"/>
-          </a:gradFill>
-          <a:ln>
-            <a:noFill/>
-          </a:ln>
-        </p:spPr>
-        <p:style>
-          <a:lnRef idx="2">
-            <a:schemeClr val="accent1">
-              <a:shade val="50000"/>
-            </a:schemeClr>
-          </a:lnRef>
-          <a:fillRef idx="1">
-            <a:schemeClr val="accent1"/>
-          </a:fillRef>
-          <a:effectRef idx="0">
-            <a:schemeClr val="accent1"/>
-          </a:effectRef>
-          <a:fontRef idx="minor">
-            <a:schemeClr val="lt1"/>
-          </a:fontRef>
-        </p:style>
-        <p:txBody>
-          <a:bodyPr rtlCol="0" anchor="ctr"/>
-          <a:lstStyle/>
-          <a:p>
-            <a:pPr algn="ctr"/>
-            <a:endParaRPr lang="pl-PL" noProof="0" dirty="0"/>
-          </a:p>
-        </p:txBody>
-      </p:sp>
-      <p:sp>
-        <p:nvSpPr>
-          <p:cNvPr id="20" name="Rectangle 19">
-            <a:extLst>
-              <a:ext uri="{FF2B5EF4-FFF2-40B4-BE49-F238E27FC236}">
-                <a16:creationId xmlns:a16="http://schemas.microsoft.com/office/drawing/2014/main" id="{D3539FEE-81D3-4406-802E-60B20B16F4F6}"/>
-              </a:ext>
-              <a:ext uri="{C183D7F6-B498-43B3-948B-1728B52AA6E4}">
-                <adec:decorative xmlns:adec="http://schemas.microsoft.com/office/drawing/2017/decorative" val="1"/>
-              </a:ext>
-            </a:extLst>
-          </p:cNvPr>
-          <p:cNvSpPr>
-            <a:spLocks noGrp="1" noRot="1" noChangeAspect="1" noMove="1" noResize="1" noEditPoints="1" noAdjustHandles="1" noChangeArrowheads="1" noChangeShapeType="1" noTextEdit="1"/>
-          </p:cNvSpPr>
-          <p:nvPr>
-            <p:extLst>
-              <p:ext uri="{386F3935-93C4-4BCD-93E2-E3B085C9AB24}">
-                <p16:designElem xmlns:p16="http://schemas.microsoft.com/office/powerpoint/2015/main" val="1"/>
-              </p:ext>
-            </p:extLst>
-          </p:nvPr>
-        </p:nvSpPr>
-        <p:spPr>
-          <a:xfrm rot="5400000">
-            <a:off x="5307778" y="-5307777"/>
-            <a:ext cx="1576446" cy="12192001"/>
-          </a:xfrm>
-          <a:prstGeom prst="rect">
-            <a:avLst/>
-          </a:prstGeom>
-          <a:gradFill>
-            <a:gsLst>
-              <a:gs pos="16000">
-                <a:srgbClr val="000000">
-                  <a:alpha val="0"/>
-                </a:srgbClr>
-              </a:gs>
-              <a:gs pos="99000">
-                <a:srgbClr val="000000">
-                  <a:alpha val="87000"/>
-                </a:srgbClr>
-              </a:gs>
-            </a:gsLst>
-            <a:lin ang="11400000" scaled="0"/>
-          </a:gradFill>
-          <a:ln>
-            <a:noFill/>
-          </a:ln>
-        </p:spPr>
-        <p:style>
-          <a:lnRef idx="2">
-            <a:schemeClr val="accent1">
-              <a:shade val="50000"/>
-            </a:schemeClr>
-          </a:lnRef>
-          <a:fillRef idx="1">
-            <a:schemeClr val="accent1"/>
-          </a:fillRef>
-          <a:effectRef idx="0">
-            <a:schemeClr val="accent1"/>
-          </a:effectRef>
-          <a:fontRef idx="minor">
-            <a:schemeClr val="lt1"/>
-          </a:fontRef>
-        </p:style>
-        <p:txBody>
-          <a:bodyPr rtlCol="0" anchor="ctr"/>
-          <a:lstStyle/>
-          <a:p>
-            <a:pPr algn="ctr"/>
-            <a:endParaRPr lang="pl-PL" noProof="0" dirty="0"/>
-          </a:p>
-        </p:txBody>
-      </p:sp>
-      <p:sp>
-        <p:nvSpPr>
-          <p:cNvPr id="22" name="Rectangle 21">
-            <a:extLst>
-              <a:ext uri="{FF2B5EF4-FFF2-40B4-BE49-F238E27FC236}">
-                <a16:creationId xmlns:a16="http://schemas.microsoft.com/office/drawing/2014/main" id="{DC701763-729E-462F-A5A8-E0DEFEB1E2E4}"/>
-              </a:ext>
-              <a:ext uri="{C183D7F6-B498-43B3-948B-1728B52AA6E4}">
-                <adec:decorative xmlns:adec="http://schemas.microsoft.com/office/drawing/2017/decorative" val="1"/>
-              </a:ext>
-            </a:extLst>
-          </p:cNvPr>
-          <p:cNvSpPr>
-            <a:spLocks noGrp="1" noRot="1" noChangeAspect="1" noMove="1" noResize="1" noEditPoints="1" noAdjustHandles="1" noChangeArrowheads="1" noChangeShapeType="1" noTextEdit="1"/>
-          </p:cNvSpPr>
-          <p:nvPr>
-            <p:extLst>
-              <p:ext uri="{386F3935-93C4-4BCD-93E2-E3B085C9AB24}">
-                <p16:designElem xmlns:p16="http://schemas.microsoft.com/office/powerpoint/2015/main" val="1"/>
-              </p:ext>
-            </p:extLst>
-          </p:nvPr>
-        </p:nvSpPr>
-        <p:spPr>
-          <a:xfrm>
-            <a:off x="3825434" y="986"/>
-            <a:ext cx="4303422" cy="1575461"/>
-          </a:xfrm>
-          <a:prstGeom prst="rect">
-            <a:avLst/>
-          </a:prstGeom>
-          <a:gradFill>
-            <a:gsLst>
-              <a:gs pos="0">
-                <a:schemeClr val="accent1">
-                  <a:alpha val="17000"/>
-                </a:schemeClr>
-              </a:gs>
-              <a:gs pos="74000">
-                <a:schemeClr val="accent1">
-                  <a:lumMod val="50000"/>
-                  <a:alpha val="0"/>
-                </a:schemeClr>
-              </a:gs>
-            </a:gsLst>
-            <a:lin ang="14400000" scaled="0"/>
-          </a:gradFill>
-          <a:ln>
-            <a:noFill/>
-          </a:ln>
-        </p:spPr>
-        <p:style>
-          <a:lnRef idx="2">
-            <a:schemeClr val="accent1">
-              <a:shade val="50000"/>
-            </a:schemeClr>
-          </a:lnRef>
-          <a:fillRef idx="1">
-            <a:schemeClr val="accent1"/>
-          </a:fillRef>
-          <a:effectRef idx="0">
-            <a:schemeClr val="accent1"/>
-          </a:effectRef>
-          <a:fontRef idx="minor">
-            <a:schemeClr val="lt1"/>
-          </a:fontRef>
-        </p:style>
-        <p:txBody>
-          <a:bodyPr rtlCol="0" anchor="ctr"/>
-          <a:lstStyle/>
-          <a:p>
-            <a:pPr algn="ctr"/>
-            <a:endParaRPr lang="pl-PL" noProof="0" dirty="0"/>
-          </a:p>
-        </p:txBody>
-      </p:sp>
-      <p:sp>
-        <p:nvSpPr>
-          <p:cNvPr id="2" name="Title 1">
-            <a:extLst>
-              <a:ext uri="{FF2B5EF4-FFF2-40B4-BE49-F238E27FC236}">
-                <a16:creationId xmlns:a16="http://schemas.microsoft.com/office/drawing/2014/main" id="{00B48B47-FDAE-A865-60C8-EC8E4902022B}"/>
-              </a:ext>
-            </a:extLst>
-          </p:cNvPr>
-          <p:cNvSpPr>
-            <a:spLocks noGrp="1"/>
-          </p:cNvSpPr>
-          <p:nvPr>
-            <p:ph type="title"/>
-          </p:nvPr>
-        </p:nvSpPr>
-        <p:spPr>
-          <a:xfrm>
-            <a:off x="699714" y="353160"/>
-            <a:ext cx="7091300" cy="898581"/>
-          </a:xfrm>
-        </p:spPr>
-        <p:txBody>
-          <a:bodyPr vert="horz" lIns="91440" tIns="45720" rIns="91440" bIns="45720" rtlCol="0" anchor="ctr">
-            <a:normAutofit/>
-          </a:bodyPr>
-          <a:lstStyle/>
-          <a:p>
-            <a:r>
-              <a:rPr lang="pl-PL" sz="4000" b="0" i="0" noProof="0" dirty="0">
-                <a:solidFill>
-                  <a:srgbClr val="FFFFFF"/>
-                </a:solidFill>
-                <a:effectLst/>
-              </a:rPr>
-              <a:t>👨‍💻 </a:t>
-            </a:r>
-            <a:r>
-              <a:rPr lang="pl-PL" sz="4000" b="1" i="0" noProof="0" dirty="0">
-                <a:solidFill>
-                  <a:srgbClr val="FFFFFF"/>
-                </a:solidFill>
-                <a:effectLst/>
-              </a:rPr>
-              <a:t>Implementacja Java</a:t>
-            </a:r>
-            <a:endParaRPr lang="pl-PL" sz="4000" noProof="0" dirty="0">
-              <a:solidFill>
-                <a:srgbClr val="FFFFFF"/>
-              </a:solidFill>
-            </a:endParaRPr>
-          </a:p>
-        </p:txBody>
-      </p:sp>
-      <p:pic>
-        <p:nvPicPr>
-          <p:cNvPr id="7" name="Picture 6">
-            <a:extLst>
-              <a:ext uri="{FF2B5EF4-FFF2-40B4-BE49-F238E27FC236}">
-                <a16:creationId xmlns:a16="http://schemas.microsoft.com/office/drawing/2014/main" id="{5E639DEB-587A-A17D-69C6-33291F3D9D3B}"/>
-              </a:ext>
-            </a:extLst>
-          </p:cNvPr>
-          <p:cNvPicPr>
-            <a:picLocks noChangeAspect="1"/>
-          </p:cNvPicPr>
-          <p:nvPr/>
-        </p:nvPicPr>
-        <p:blipFill>
-          <a:blip r:embed="rId2"/>
-          <a:stretch>
-            <a:fillRect/>
-          </a:stretch>
-        </p:blipFill>
-        <p:spPr>
-          <a:xfrm>
-            <a:off x="715748" y="2666573"/>
-            <a:ext cx="5131088" cy="3027342"/>
-          </a:xfrm>
-          <a:prstGeom prst="rect">
-            <a:avLst/>
-          </a:prstGeom>
-        </p:spPr>
-      </p:pic>
-      <p:pic>
-        <p:nvPicPr>
-          <p:cNvPr id="9" name="Picture 8">
-            <a:extLst>
-              <a:ext uri="{FF2B5EF4-FFF2-40B4-BE49-F238E27FC236}">
-                <a16:creationId xmlns:a16="http://schemas.microsoft.com/office/drawing/2014/main" id="{55EAF358-14CB-7E04-A0EB-4D9E620C8E07}"/>
-              </a:ext>
-            </a:extLst>
-          </p:cNvPr>
-          <p:cNvPicPr>
-            <a:picLocks noChangeAspect="1"/>
-          </p:cNvPicPr>
-          <p:nvPr/>
-        </p:nvPicPr>
-        <p:blipFill>
-          <a:blip r:embed="rId3"/>
-          <a:stretch>
-            <a:fillRect/>
-          </a:stretch>
-        </p:blipFill>
-        <p:spPr>
-          <a:xfrm>
-            <a:off x="6345165" y="2217815"/>
-            <a:ext cx="3648020" cy="3997831"/>
-          </a:xfrm>
-          <a:prstGeom prst="rect">
-            <a:avLst/>
-          </a:prstGeom>
-        </p:spPr>
-      </p:pic>
-    </p:spTree>
-    <p:extLst>
-      <p:ext uri="{BB962C8B-B14F-4D97-AF65-F5344CB8AC3E}">
-        <p14:creationId xmlns:p14="http://schemas.microsoft.com/office/powerpoint/2010/main" val="1167917489"/>
-      </p:ext>
-    </p:extLst>
-  </p:cSld>
-  <p:clrMapOvr>
-    <a:masterClrMapping/>
-  </p:clrMapOvr>
-</p:sld>
-</file>
-
-<file path=ppt/slides/slide19.xml><?xml version="1.0" encoding="utf-8"?>
-<p:sld xmlns:a="http://schemas.openxmlformats.org/drawingml/2006/main" xmlns:r="http://schemas.openxmlformats.org/officeDocument/2006/relationships" xmlns:p="http://schemas.openxmlformats.org/presentationml/2006/main">
-  <p:cSld>
-    <p:bg>
-      <p:bgPr>
-        <a:solidFill>
-          <a:schemeClr val="bg1"/>
-        </a:solidFill>
-        <a:effectLst/>
-      </p:bgPr>
-    </p:bg>
-    <p:spTree>
-      <p:nvGrpSpPr>
-        <p:cNvPr id="1" name=""/>
-        <p:cNvGrpSpPr/>
-        <p:nvPr/>
-      </p:nvGrpSpPr>
-      <p:grpSpPr>
-        <a:xfrm>
-          <a:off x="0" y="0"/>
-          <a:ext cx="0" cy="0"/>
-          <a:chOff x="0" y="0"/>
-          <a:chExt cx="0" cy="0"/>
-        </a:xfrm>
-      </p:grpSpPr>
-      <p:sp useBgFill="1">
-        <p:nvSpPr>
-          <p:cNvPr id="16" name="Rectangle 15">
-            <a:extLst>
-              <a:ext uri="{FF2B5EF4-FFF2-40B4-BE49-F238E27FC236}">
-                <a16:creationId xmlns:a16="http://schemas.microsoft.com/office/drawing/2014/main" id="{2151139A-886F-4B97-8815-729AD3831BBD}"/>
-              </a:ext>
-              <a:ext uri="{C183D7F6-B498-43B3-948B-1728B52AA6E4}">
-                <adec:decorative xmlns:adec="http://schemas.microsoft.com/office/drawing/2017/decorative" val="1"/>
-              </a:ext>
-            </a:extLst>
-          </p:cNvPr>
-          <p:cNvSpPr>
-            <a:spLocks noGrp="1" noRot="1" noChangeAspect="1" noMove="1" noResize="1" noEditPoints="1" noAdjustHandles="1" noChangeArrowheads="1" noChangeShapeType="1" noTextEdit="1"/>
-          </p:cNvSpPr>
-          <p:nvPr>
-            <p:extLst>
-              <p:ext uri="{386F3935-93C4-4BCD-93E2-E3B085C9AB24}">
-                <p16:designElem xmlns:p16="http://schemas.microsoft.com/office/powerpoint/2015/main" val="1"/>
-              </p:ext>
-            </p:extLst>
-          </p:nvPr>
-        </p:nvSpPr>
-        <p:spPr>
-          <a:xfrm>
-            <a:off x="0" y="0"/>
-            <a:ext cx="12192000" cy="6858000"/>
-          </a:xfrm>
-          <a:prstGeom prst="rect">
-            <a:avLst/>
-          </a:prstGeom>
-          <a:ln w="12700" cap="flat" cmpd="sng" algn="ctr">
-            <a:noFill/>
-            <a:prstDash val="solid"/>
-            <a:miter lim="800000"/>
-          </a:ln>
-          <a:effectLst/>
-          <a:extLst>
-            <a:ext uri="{91240B29-F687-4F45-9708-019B960494DF}">
-              <a14:hiddenLine xmlns:a14="http://schemas.microsoft.com/office/drawing/2010/main" w="12700" cap="flat" cmpd="sng" algn="ctr">
-                <a:solidFill>
-                  <a:schemeClr val="accent1">
-                    <a:shade val="50000"/>
-                  </a:schemeClr>
-                </a:solidFill>
-                <a:prstDash val="solid"/>
-                <a:miter lim="800000"/>
-              </a14:hiddenLine>
-            </a:ext>
-          </a:extLst>
-        </p:spPr>
-        <p:style>
-          <a:lnRef idx="2">
-            <a:schemeClr val="accent1">
-              <a:shade val="50000"/>
-            </a:schemeClr>
-          </a:lnRef>
-          <a:fillRef idx="1">
-            <a:schemeClr val="accent1"/>
-          </a:fillRef>
-          <a:effectRef idx="0">
-            <a:schemeClr val="accent1"/>
-          </a:effectRef>
-          <a:fontRef idx="minor">
-            <a:schemeClr val="lt1"/>
-          </a:fontRef>
-        </p:style>
-        <p:txBody>
-          <a:bodyPr rtlCol="0" anchor="ctr"/>
-          <a:lstStyle/>
-          <a:p>
-            <a:pPr algn="ctr"/>
-            <a:endParaRPr lang="pl-PL" sz="2000" noProof="0" dirty="0"/>
-          </a:p>
-        </p:txBody>
-      </p:sp>
-      <p:sp>
-        <p:nvSpPr>
-          <p:cNvPr id="18" name="Rectangle 17">
-            <a:extLst>
-              <a:ext uri="{FF2B5EF4-FFF2-40B4-BE49-F238E27FC236}">
-                <a16:creationId xmlns:a16="http://schemas.microsoft.com/office/drawing/2014/main" id="{AB5E08C4-8CDD-4623-A5B8-E998C6DEE3B7}"/>
-              </a:ext>
-              <a:ext uri="{C183D7F6-B498-43B3-948B-1728B52AA6E4}">
-                <adec:decorative xmlns:adec="http://schemas.microsoft.com/office/drawing/2017/decorative" val="1"/>
-              </a:ext>
-            </a:extLst>
-          </p:cNvPr>
-          <p:cNvSpPr>
-            <a:spLocks noGrp="1" noRot="1" noChangeAspect="1" noMove="1" noResize="1" noEditPoints="1" noAdjustHandles="1" noChangeArrowheads="1" noChangeShapeType="1" noTextEdit="1"/>
-          </p:cNvSpPr>
-          <p:nvPr>
-            <p:extLst>
-              <p:ext uri="{386F3935-93C4-4BCD-93E2-E3B085C9AB24}">
-                <p16:designElem xmlns:p16="http://schemas.microsoft.com/office/powerpoint/2015/main" val="1"/>
-              </p:ext>
-            </p:extLst>
-          </p:nvPr>
-        </p:nvSpPr>
-        <p:spPr>
-          <a:xfrm flipH="1">
-            <a:off x="2" y="492"/>
-            <a:ext cx="12191998" cy="1575955"/>
-          </a:xfrm>
-          <a:prstGeom prst="rect">
-            <a:avLst/>
-          </a:prstGeom>
-          <a:gradFill>
-            <a:gsLst>
-              <a:gs pos="0">
-                <a:schemeClr val="accent1">
-                  <a:lumMod val="50000"/>
-                </a:schemeClr>
-              </a:gs>
-              <a:gs pos="100000">
-                <a:schemeClr val="accent1">
-                  <a:lumMod val="75000"/>
-                </a:schemeClr>
-              </a:gs>
-            </a:gsLst>
-            <a:lin ang="8400000" scaled="0"/>
-          </a:gradFill>
-          <a:ln>
-            <a:noFill/>
-          </a:ln>
-        </p:spPr>
-        <p:style>
-          <a:lnRef idx="2">
-            <a:schemeClr val="accent1">
-              <a:shade val="50000"/>
-            </a:schemeClr>
-          </a:lnRef>
-          <a:fillRef idx="1">
-            <a:schemeClr val="accent1"/>
-          </a:fillRef>
-          <a:effectRef idx="0">
-            <a:schemeClr val="accent1"/>
-          </a:effectRef>
-          <a:fontRef idx="minor">
-            <a:schemeClr val="lt1"/>
-          </a:fontRef>
-        </p:style>
-        <p:txBody>
-          <a:bodyPr rtlCol="0" anchor="ctr"/>
-          <a:lstStyle/>
-          <a:p>
-            <a:pPr algn="ctr"/>
-            <a:endParaRPr lang="pl-PL" noProof="0" dirty="0"/>
-          </a:p>
-        </p:txBody>
-      </p:sp>
-      <p:sp>
-        <p:nvSpPr>
-          <p:cNvPr id="20" name="Rectangle 19">
-            <a:extLst>
-              <a:ext uri="{FF2B5EF4-FFF2-40B4-BE49-F238E27FC236}">
-                <a16:creationId xmlns:a16="http://schemas.microsoft.com/office/drawing/2014/main" id="{15F33878-D502-4FFA-8ACE-F2AECDB2A23F}"/>
-              </a:ext>
-              <a:ext uri="{C183D7F6-B498-43B3-948B-1728B52AA6E4}">
-                <adec:decorative xmlns:adec="http://schemas.microsoft.com/office/drawing/2017/decorative" val="1"/>
-              </a:ext>
-            </a:extLst>
-          </p:cNvPr>
-          <p:cNvSpPr>
-            <a:spLocks noGrp="1" noRot="1" noChangeAspect="1" noMove="1" noResize="1" noEditPoints="1" noAdjustHandles="1" noChangeArrowheads="1" noChangeShapeType="1" noTextEdit="1"/>
-          </p:cNvSpPr>
-          <p:nvPr>
-            <p:extLst>
-              <p:ext uri="{386F3935-93C4-4BCD-93E2-E3B085C9AB24}">
-                <p16:designElem xmlns:p16="http://schemas.microsoft.com/office/powerpoint/2015/main" val="1"/>
-              </p:ext>
-            </p:extLst>
-          </p:nvPr>
-        </p:nvSpPr>
-        <p:spPr>
-          <a:xfrm rot="10800000" flipH="1">
-            <a:off x="8128857" y="35"/>
-            <a:ext cx="4063143" cy="1576412"/>
-          </a:xfrm>
-          <a:prstGeom prst="rect">
-            <a:avLst/>
-          </a:prstGeom>
-          <a:gradFill>
-            <a:gsLst>
-              <a:gs pos="19000">
-                <a:schemeClr val="accent1">
-                  <a:lumMod val="50000"/>
-                  <a:alpha val="68000"/>
-                </a:schemeClr>
-              </a:gs>
-              <a:gs pos="100000">
-                <a:schemeClr val="accent1">
-                  <a:alpha val="79000"/>
-                </a:schemeClr>
-              </a:gs>
-            </a:gsLst>
-            <a:lin ang="19200000" scaled="0"/>
-          </a:gradFill>
-          <a:ln>
-            <a:noFill/>
-          </a:ln>
-        </p:spPr>
-        <p:style>
-          <a:lnRef idx="2">
-            <a:schemeClr val="accent1">
-              <a:shade val="50000"/>
-            </a:schemeClr>
-          </a:lnRef>
-          <a:fillRef idx="1">
-            <a:schemeClr val="accent1"/>
-          </a:fillRef>
-          <a:effectRef idx="0">
-            <a:schemeClr val="accent1"/>
-          </a:effectRef>
-          <a:fontRef idx="minor">
-            <a:schemeClr val="lt1"/>
-          </a:fontRef>
-        </p:style>
-        <p:txBody>
-          <a:bodyPr rtlCol="0" anchor="ctr"/>
-          <a:lstStyle/>
-          <a:p>
-            <a:pPr algn="ctr"/>
-            <a:endParaRPr lang="pl-PL" noProof="0" dirty="0"/>
-          </a:p>
-        </p:txBody>
-      </p:sp>
-      <p:sp>
-        <p:nvSpPr>
-          <p:cNvPr id="22" name="Rectangle 21">
-            <a:extLst>
-              <a:ext uri="{FF2B5EF4-FFF2-40B4-BE49-F238E27FC236}">
-                <a16:creationId xmlns:a16="http://schemas.microsoft.com/office/drawing/2014/main" id="{D3539FEE-81D3-4406-802E-60B20B16F4F6}"/>
-              </a:ext>
-              <a:ext uri="{C183D7F6-B498-43B3-948B-1728B52AA6E4}">
-                <adec:decorative xmlns:adec="http://schemas.microsoft.com/office/drawing/2017/decorative" val="1"/>
-              </a:ext>
-            </a:extLst>
-          </p:cNvPr>
-          <p:cNvSpPr>
-            <a:spLocks noGrp="1" noRot="1" noChangeAspect="1" noMove="1" noResize="1" noEditPoints="1" noAdjustHandles="1" noChangeArrowheads="1" noChangeShapeType="1" noTextEdit="1"/>
-          </p:cNvSpPr>
-          <p:nvPr>
-            <p:extLst>
-              <p:ext uri="{386F3935-93C4-4BCD-93E2-E3B085C9AB24}">
-                <p16:designElem xmlns:p16="http://schemas.microsoft.com/office/powerpoint/2015/main" val="1"/>
-              </p:ext>
-            </p:extLst>
-          </p:nvPr>
-        </p:nvSpPr>
-        <p:spPr>
-          <a:xfrm rot="5400000">
-            <a:off x="5307778" y="-5307777"/>
-            <a:ext cx="1576446" cy="12192001"/>
-          </a:xfrm>
-          <a:prstGeom prst="rect">
-            <a:avLst/>
-          </a:prstGeom>
-          <a:gradFill>
-            <a:gsLst>
-              <a:gs pos="16000">
-                <a:srgbClr val="000000">
-                  <a:alpha val="0"/>
-                </a:srgbClr>
-              </a:gs>
-              <a:gs pos="99000">
-                <a:srgbClr val="000000">
-                  <a:alpha val="87000"/>
-                </a:srgbClr>
-              </a:gs>
-            </a:gsLst>
-            <a:lin ang="11400000" scaled="0"/>
-          </a:gradFill>
-          <a:ln>
-            <a:noFill/>
-          </a:ln>
-        </p:spPr>
-        <p:style>
-          <a:lnRef idx="2">
-            <a:schemeClr val="accent1">
-              <a:shade val="50000"/>
-            </a:schemeClr>
-          </a:lnRef>
-          <a:fillRef idx="1">
-            <a:schemeClr val="accent1"/>
-          </a:fillRef>
-          <a:effectRef idx="0">
-            <a:schemeClr val="accent1"/>
-          </a:effectRef>
-          <a:fontRef idx="minor">
-            <a:schemeClr val="lt1"/>
-          </a:fontRef>
-        </p:style>
-        <p:txBody>
-          <a:bodyPr rtlCol="0" anchor="ctr"/>
-          <a:lstStyle/>
-          <a:p>
-            <a:pPr algn="ctr"/>
-            <a:endParaRPr lang="pl-PL" noProof="0" dirty="0"/>
-          </a:p>
-        </p:txBody>
-      </p:sp>
-      <p:sp>
-        <p:nvSpPr>
-          <p:cNvPr id="24" name="Rectangle 23">
-            <a:extLst>
-              <a:ext uri="{FF2B5EF4-FFF2-40B4-BE49-F238E27FC236}">
-                <a16:creationId xmlns:a16="http://schemas.microsoft.com/office/drawing/2014/main" id="{DC701763-729E-462F-A5A8-E0DEFEB1E2E4}"/>
-              </a:ext>
-              <a:ext uri="{C183D7F6-B498-43B3-948B-1728B52AA6E4}">
-                <adec:decorative xmlns:adec="http://schemas.microsoft.com/office/drawing/2017/decorative" val="1"/>
-              </a:ext>
-            </a:extLst>
-          </p:cNvPr>
-          <p:cNvSpPr>
-            <a:spLocks noGrp="1" noRot="1" noChangeAspect="1" noMove="1" noResize="1" noEditPoints="1" noAdjustHandles="1" noChangeArrowheads="1" noChangeShapeType="1" noTextEdit="1"/>
-          </p:cNvSpPr>
-          <p:nvPr>
-            <p:extLst>
-              <p:ext uri="{386F3935-93C4-4BCD-93E2-E3B085C9AB24}">
-                <p16:designElem xmlns:p16="http://schemas.microsoft.com/office/powerpoint/2015/main" val="1"/>
-              </p:ext>
-            </p:extLst>
-          </p:nvPr>
-        </p:nvSpPr>
-        <p:spPr>
-          <a:xfrm>
-            <a:off x="3825434" y="986"/>
-            <a:ext cx="4303422" cy="1575461"/>
-          </a:xfrm>
-          <a:prstGeom prst="rect">
-            <a:avLst/>
-          </a:prstGeom>
-          <a:gradFill>
-            <a:gsLst>
-              <a:gs pos="0">
-                <a:schemeClr val="accent1">
-                  <a:alpha val="17000"/>
-                </a:schemeClr>
-              </a:gs>
-              <a:gs pos="74000">
-                <a:schemeClr val="accent1">
-                  <a:lumMod val="50000"/>
-                  <a:alpha val="0"/>
-                </a:schemeClr>
-              </a:gs>
-            </a:gsLst>
-            <a:lin ang="14400000" scaled="0"/>
-          </a:gradFill>
-          <a:ln>
-            <a:noFill/>
-          </a:ln>
-        </p:spPr>
-        <p:style>
-          <a:lnRef idx="2">
-            <a:schemeClr val="accent1">
-              <a:shade val="50000"/>
-            </a:schemeClr>
-          </a:lnRef>
-          <a:fillRef idx="1">
-            <a:schemeClr val="accent1"/>
-          </a:fillRef>
-          <a:effectRef idx="0">
-            <a:schemeClr val="accent1"/>
-          </a:effectRef>
-          <a:fontRef idx="minor">
-            <a:schemeClr val="lt1"/>
-          </a:fontRef>
-        </p:style>
-        <p:txBody>
-          <a:bodyPr rtlCol="0" anchor="ctr"/>
-          <a:lstStyle/>
-          <a:p>
-            <a:pPr algn="ctr"/>
-            <a:endParaRPr lang="pl-PL" noProof="0" dirty="0"/>
-          </a:p>
-        </p:txBody>
-      </p:sp>
-      <p:sp>
-        <p:nvSpPr>
-          <p:cNvPr id="2" name="Title 1">
-            <a:extLst>
-              <a:ext uri="{FF2B5EF4-FFF2-40B4-BE49-F238E27FC236}">
-                <a16:creationId xmlns:a16="http://schemas.microsoft.com/office/drawing/2014/main" id="{2E78BD97-BCE1-DBA1-E4AD-5AE84DC6EA12}"/>
-              </a:ext>
-            </a:extLst>
-          </p:cNvPr>
-          <p:cNvSpPr>
-            <a:spLocks noGrp="1"/>
-          </p:cNvSpPr>
-          <p:nvPr>
-            <p:ph type="title"/>
-          </p:nvPr>
-        </p:nvSpPr>
-        <p:spPr>
-          <a:xfrm>
-            <a:off x="699714" y="353160"/>
-            <a:ext cx="7091300" cy="898581"/>
-          </a:xfrm>
-        </p:spPr>
-        <p:txBody>
-          <a:bodyPr vert="horz" lIns="91440" tIns="45720" rIns="91440" bIns="45720" rtlCol="0" anchor="ctr">
-            <a:normAutofit/>
-          </a:bodyPr>
-          <a:lstStyle/>
-          <a:p>
-            <a:r>
-              <a:rPr lang="pl-PL" sz="4000" b="0" i="0" noProof="0" dirty="0">
-                <a:solidFill>
-                  <a:srgbClr val="FFFFFF"/>
-                </a:solidFill>
-                <a:effectLst/>
-              </a:rPr>
-              <a:t>👨‍💻 </a:t>
-            </a:r>
-            <a:r>
-              <a:rPr lang="pl-PL" sz="4000" b="1" i="0" noProof="0" dirty="0">
-                <a:solidFill>
-                  <a:srgbClr val="FFFFFF"/>
-                </a:solidFill>
-                <a:effectLst/>
-              </a:rPr>
-              <a:t>Implementacja C++</a:t>
-            </a:r>
-            <a:endParaRPr lang="pl-PL" sz="4000" noProof="0" dirty="0">
-              <a:solidFill>
-                <a:srgbClr val="FFFFFF"/>
-              </a:solidFill>
-            </a:endParaRPr>
-          </a:p>
-        </p:txBody>
-      </p:sp>
-      <p:pic>
-        <p:nvPicPr>
-          <p:cNvPr id="9" name="Picture 8">
-            <a:extLst>
-              <a:ext uri="{FF2B5EF4-FFF2-40B4-BE49-F238E27FC236}">
-                <a16:creationId xmlns:a16="http://schemas.microsoft.com/office/drawing/2014/main" id="{C9E09F26-CD88-F6E7-EF5C-F39CCF1526BD}"/>
-              </a:ext>
-            </a:extLst>
-          </p:cNvPr>
-          <p:cNvPicPr>
-            <a:picLocks noChangeAspect="1"/>
-          </p:cNvPicPr>
-          <p:nvPr/>
-        </p:nvPicPr>
-        <p:blipFill>
-          <a:blip r:embed="rId2"/>
-          <a:stretch>
-            <a:fillRect/>
-          </a:stretch>
-        </p:blipFill>
-        <p:spPr>
-          <a:xfrm>
-            <a:off x="971668" y="2181426"/>
-            <a:ext cx="4875167" cy="3997637"/>
-          </a:xfrm>
-          <a:prstGeom prst="rect">
-            <a:avLst/>
-          </a:prstGeom>
-        </p:spPr>
-      </p:pic>
-      <p:pic>
-        <p:nvPicPr>
-          <p:cNvPr id="11" name="Content Placeholder 10">
-            <a:extLst>
-              <a:ext uri="{FF2B5EF4-FFF2-40B4-BE49-F238E27FC236}">
-                <a16:creationId xmlns:a16="http://schemas.microsoft.com/office/drawing/2014/main" id="{CB888797-14CE-839A-78B0-408EFEC6B063}"/>
-              </a:ext>
-            </a:extLst>
-          </p:cNvPr>
-          <p:cNvPicPr>
-            <a:picLocks noGrp="1" noChangeAspect="1"/>
-          </p:cNvPicPr>
-          <p:nvPr>
-            <p:ph idx="1"/>
-          </p:nvPr>
-        </p:nvPicPr>
-        <p:blipFill>
-          <a:blip r:embed="rId3"/>
-          <a:stretch>
-            <a:fillRect/>
-          </a:stretch>
-        </p:blipFill>
-        <p:spPr>
-          <a:xfrm>
-            <a:off x="6345165" y="2217815"/>
-            <a:ext cx="4717204" cy="3997831"/>
-          </a:xfrm>
-          <a:prstGeom prst="rect">
-            <a:avLst/>
-          </a:prstGeom>
-        </p:spPr>
-      </p:pic>
-    </p:spTree>
-    <p:extLst>
-      <p:ext uri="{BB962C8B-B14F-4D97-AF65-F5344CB8AC3E}">
-        <p14:creationId xmlns:p14="http://schemas.microsoft.com/office/powerpoint/2010/main" val="3184100509"/>
       </p:ext>
     </p:extLst>
   </p:cSld>
@@ -12903,10 +12964,10 @@
       </p:grpSpPr>
       <p:sp useBgFill="1">
         <p:nvSpPr>
-          <p:cNvPr id="22" name="Rectangle 21">
-            <a:extLst>
-              <a:ext uri="{FF2B5EF4-FFF2-40B4-BE49-F238E27FC236}">
-                <a16:creationId xmlns:a16="http://schemas.microsoft.com/office/drawing/2014/main" id="{1B15ED52-F352-441B-82BF-E0EA34836D08}"/>
+          <p:cNvPr id="12" name="Rectangle 11">
+            <a:extLst>
+              <a:ext uri="{FF2B5EF4-FFF2-40B4-BE49-F238E27FC236}">
+                <a16:creationId xmlns:a16="http://schemas.microsoft.com/office/drawing/2014/main" id="{2151139A-886F-4B97-8815-729AD3831BBD}"/>
               </a:ext>
               <a:ext uri="{C183D7F6-B498-43B3-948B-1728B52AA6E4}">
                 <adec:decorative xmlns:adec="http://schemas.microsoft.com/office/drawing/2017/decorative" val="1"/>
@@ -12973,6 +13034,1607 @@
           <a:lstStyle/>
           <a:p>
             <a:pPr algn="ctr"/>
+            <a:endParaRPr lang="pl-PL" sz="2000" noProof="0" dirty="0"/>
+          </a:p>
+        </p:txBody>
+      </p:sp>
+      <p:sp>
+        <p:nvSpPr>
+          <p:cNvPr id="14" name="Rectangle 13">
+            <a:extLst>
+              <a:ext uri="{FF2B5EF4-FFF2-40B4-BE49-F238E27FC236}">
+                <a16:creationId xmlns:a16="http://schemas.microsoft.com/office/drawing/2014/main" id="{AB5E08C4-8CDD-4623-A5B8-E998C6DEE3B7}"/>
+              </a:ext>
+              <a:ext uri="{C183D7F6-B498-43B3-948B-1728B52AA6E4}">
+                <adec:decorative xmlns:adec="http://schemas.microsoft.com/office/drawing/2017/decorative" val="1"/>
+              </a:ext>
+            </a:extLst>
+          </p:cNvPr>
+          <p:cNvSpPr>
+            <a:spLocks noGrp="1" noRot="1" noChangeAspect="1" noMove="1" noResize="1" noEditPoints="1" noAdjustHandles="1" noChangeArrowheads="1" noChangeShapeType="1" noTextEdit="1"/>
+          </p:cNvSpPr>
+          <p:nvPr>
+            <p:extLst>
+              <p:ext uri="{386F3935-93C4-4BCD-93E2-E3B085C9AB24}">
+                <p16:designElem xmlns:p16="http://schemas.microsoft.com/office/powerpoint/2015/main" val="1"/>
+              </p:ext>
+            </p:extLst>
+          </p:nvPr>
+        </p:nvSpPr>
+        <p:spPr>
+          <a:xfrm flipH="1">
+            <a:off x="2" y="492"/>
+            <a:ext cx="12191998" cy="1575955"/>
+          </a:xfrm>
+          <a:prstGeom prst="rect">
+            <a:avLst/>
+          </a:prstGeom>
+          <a:gradFill>
+            <a:gsLst>
+              <a:gs pos="0">
+                <a:schemeClr val="accent1">
+                  <a:lumMod val="50000"/>
+                </a:schemeClr>
+              </a:gs>
+              <a:gs pos="100000">
+                <a:schemeClr val="accent1">
+                  <a:lumMod val="75000"/>
+                </a:schemeClr>
+              </a:gs>
+            </a:gsLst>
+            <a:lin ang="8400000" scaled="0"/>
+          </a:gradFill>
+          <a:ln>
+            <a:noFill/>
+          </a:ln>
+        </p:spPr>
+        <p:style>
+          <a:lnRef idx="2">
+            <a:schemeClr val="accent1">
+              <a:shade val="50000"/>
+            </a:schemeClr>
+          </a:lnRef>
+          <a:fillRef idx="1">
+            <a:schemeClr val="accent1"/>
+          </a:fillRef>
+          <a:effectRef idx="0">
+            <a:schemeClr val="accent1"/>
+          </a:effectRef>
+          <a:fontRef idx="minor">
+            <a:schemeClr val="lt1"/>
+          </a:fontRef>
+        </p:style>
+        <p:txBody>
+          <a:bodyPr rtlCol="0" anchor="ctr"/>
+          <a:lstStyle/>
+          <a:p>
+            <a:pPr algn="ctr"/>
+            <a:endParaRPr lang="pl-PL" noProof="0" dirty="0"/>
+          </a:p>
+        </p:txBody>
+      </p:sp>
+      <p:sp>
+        <p:nvSpPr>
+          <p:cNvPr id="16" name="Rectangle 15">
+            <a:extLst>
+              <a:ext uri="{FF2B5EF4-FFF2-40B4-BE49-F238E27FC236}">
+                <a16:creationId xmlns:a16="http://schemas.microsoft.com/office/drawing/2014/main" id="{15F33878-D502-4FFA-8ACE-F2AECDB2A23F}"/>
+              </a:ext>
+              <a:ext uri="{C183D7F6-B498-43B3-948B-1728B52AA6E4}">
+                <adec:decorative xmlns:adec="http://schemas.microsoft.com/office/drawing/2017/decorative" val="1"/>
+              </a:ext>
+            </a:extLst>
+          </p:cNvPr>
+          <p:cNvSpPr>
+            <a:spLocks noGrp="1" noRot="1" noChangeAspect="1" noMove="1" noResize="1" noEditPoints="1" noAdjustHandles="1" noChangeArrowheads="1" noChangeShapeType="1" noTextEdit="1"/>
+          </p:cNvSpPr>
+          <p:nvPr>
+            <p:extLst>
+              <p:ext uri="{386F3935-93C4-4BCD-93E2-E3B085C9AB24}">
+                <p16:designElem xmlns:p16="http://schemas.microsoft.com/office/powerpoint/2015/main" val="1"/>
+              </p:ext>
+            </p:extLst>
+          </p:nvPr>
+        </p:nvSpPr>
+        <p:spPr>
+          <a:xfrm rot="10800000" flipH="1">
+            <a:off x="8128857" y="35"/>
+            <a:ext cx="4063143" cy="1576412"/>
+          </a:xfrm>
+          <a:prstGeom prst="rect">
+            <a:avLst/>
+          </a:prstGeom>
+          <a:gradFill>
+            <a:gsLst>
+              <a:gs pos="19000">
+                <a:schemeClr val="accent1">
+                  <a:lumMod val="50000"/>
+                  <a:alpha val="68000"/>
+                </a:schemeClr>
+              </a:gs>
+              <a:gs pos="100000">
+                <a:schemeClr val="accent1">
+                  <a:alpha val="79000"/>
+                </a:schemeClr>
+              </a:gs>
+            </a:gsLst>
+            <a:lin ang="19200000" scaled="0"/>
+          </a:gradFill>
+          <a:ln>
+            <a:noFill/>
+          </a:ln>
+        </p:spPr>
+        <p:style>
+          <a:lnRef idx="2">
+            <a:schemeClr val="accent1">
+              <a:shade val="50000"/>
+            </a:schemeClr>
+          </a:lnRef>
+          <a:fillRef idx="1">
+            <a:schemeClr val="accent1"/>
+          </a:fillRef>
+          <a:effectRef idx="0">
+            <a:schemeClr val="accent1"/>
+          </a:effectRef>
+          <a:fontRef idx="minor">
+            <a:schemeClr val="lt1"/>
+          </a:fontRef>
+        </p:style>
+        <p:txBody>
+          <a:bodyPr rtlCol="0" anchor="ctr"/>
+          <a:lstStyle/>
+          <a:p>
+            <a:pPr algn="ctr"/>
+            <a:endParaRPr lang="pl-PL" noProof="0" dirty="0"/>
+          </a:p>
+        </p:txBody>
+      </p:sp>
+      <p:sp>
+        <p:nvSpPr>
+          <p:cNvPr id="18" name="Rectangle 17">
+            <a:extLst>
+              <a:ext uri="{FF2B5EF4-FFF2-40B4-BE49-F238E27FC236}">
+                <a16:creationId xmlns:a16="http://schemas.microsoft.com/office/drawing/2014/main" id="{D3539FEE-81D3-4406-802E-60B20B16F4F6}"/>
+              </a:ext>
+              <a:ext uri="{C183D7F6-B498-43B3-948B-1728B52AA6E4}">
+                <adec:decorative xmlns:adec="http://schemas.microsoft.com/office/drawing/2017/decorative" val="1"/>
+              </a:ext>
+            </a:extLst>
+          </p:cNvPr>
+          <p:cNvSpPr>
+            <a:spLocks noGrp="1" noRot="1" noChangeAspect="1" noMove="1" noResize="1" noEditPoints="1" noAdjustHandles="1" noChangeArrowheads="1" noChangeShapeType="1" noTextEdit="1"/>
+          </p:cNvSpPr>
+          <p:nvPr>
+            <p:extLst>
+              <p:ext uri="{386F3935-93C4-4BCD-93E2-E3B085C9AB24}">
+                <p16:designElem xmlns:p16="http://schemas.microsoft.com/office/powerpoint/2015/main" val="1"/>
+              </p:ext>
+            </p:extLst>
+          </p:nvPr>
+        </p:nvSpPr>
+        <p:spPr>
+          <a:xfrm rot="5400000">
+            <a:off x="5307778" y="-5307777"/>
+            <a:ext cx="1576446" cy="12192001"/>
+          </a:xfrm>
+          <a:prstGeom prst="rect">
+            <a:avLst/>
+          </a:prstGeom>
+          <a:gradFill>
+            <a:gsLst>
+              <a:gs pos="16000">
+                <a:srgbClr val="000000">
+                  <a:alpha val="0"/>
+                </a:srgbClr>
+              </a:gs>
+              <a:gs pos="99000">
+                <a:srgbClr val="000000">
+                  <a:alpha val="87000"/>
+                </a:srgbClr>
+              </a:gs>
+            </a:gsLst>
+            <a:lin ang="11400000" scaled="0"/>
+          </a:gradFill>
+          <a:ln>
+            <a:noFill/>
+          </a:ln>
+        </p:spPr>
+        <p:style>
+          <a:lnRef idx="2">
+            <a:schemeClr val="accent1">
+              <a:shade val="50000"/>
+            </a:schemeClr>
+          </a:lnRef>
+          <a:fillRef idx="1">
+            <a:schemeClr val="accent1"/>
+          </a:fillRef>
+          <a:effectRef idx="0">
+            <a:schemeClr val="accent1"/>
+          </a:effectRef>
+          <a:fontRef idx="minor">
+            <a:schemeClr val="lt1"/>
+          </a:fontRef>
+        </p:style>
+        <p:txBody>
+          <a:bodyPr rtlCol="0" anchor="ctr"/>
+          <a:lstStyle/>
+          <a:p>
+            <a:pPr algn="ctr"/>
+            <a:endParaRPr lang="pl-PL" noProof="0" dirty="0"/>
+          </a:p>
+        </p:txBody>
+      </p:sp>
+      <p:sp>
+        <p:nvSpPr>
+          <p:cNvPr id="20" name="Rectangle 19">
+            <a:extLst>
+              <a:ext uri="{FF2B5EF4-FFF2-40B4-BE49-F238E27FC236}">
+                <a16:creationId xmlns:a16="http://schemas.microsoft.com/office/drawing/2014/main" id="{DC701763-729E-462F-A5A8-E0DEFEB1E2E4}"/>
+              </a:ext>
+              <a:ext uri="{C183D7F6-B498-43B3-948B-1728B52AA6E4}">
+                <adec:decorative xmlns:adec="http://schemas.microsoft.com/office/drawing/2017/decorative" val="1"/>
+              </a:ext>
+            </a:extLst>
+          </p:cNvPr>
+          <p:cNvSpPr>
+            <a:spLocks noGrp="1" noRot="1" noChangeAspect="1" noMove="1" noResize="1" noEditPoints="1" noAdjustHandles="1" noChangeArrowheads="1" noChangeShapeType="1" noTextEdit="1"/>
+          </p:cNvSpPr>
+          <p:nvPr>
+            <p:extLst>
+              <p:ext uri="{386F3935-93C4-4BCD-93E2-E3B085C9AB24}">
+                <p16:designElem xmlns:p16="http://schemas.microsoft.com/office/powerpoint/2015/main" val="1"/>
+              </p:ext>
+            </p:extLst>
+          </p:nvPr>
+        </p:nvSpPr>
+        <p:spPr>
+          <a:xfrm>
+            <a:off x="3825434" y="986"/>
+            <a:ext cx="4303422" cy="1575461"/>
+          </a:xfrm>
+          <a:prstGeom prst="rect">
+            <a:avLst/>
+          </a:prstGeom>
+          <a:gradFill>
+            <a:gsLst>
+              <a:gs pos="0">
+                <a:schemeClr val="accent1">
+                  <a:alpha val="17000"/>
+                </a:schemeClr>
+              </a:gs>
+              <a:gs pos="74000">
+                <a:schemeClr val="accent1">
+                  <a:lumMod val="50000"/>
+                  <a:alpha val="0"/>
+                </a:schemeClr>
+              </a:gs>
+            </a:gsLst>
+            <a:lin ang="14400000" scaled="0"/>
+          </a:gradFill>
+          <a:ln>
+            <a:noFill/>
+          </a:ln>
+        </p:spPr>
+        <p:style>
+          <a:lnRef idx="2">
+            <a:schemeClr val="accent1">
+              <a:shade val="50000"/>
+            </a:schemeClr>
+          </a:lnRef>
+          <a:fillRef idx="1">
+            <a:schemeClr val="accent1"/>
+          </a:fillRef>
+          <a:effectRef idx="0">
+            <a:schemeClr val="accent1"/>
+          </a:effectRef>
+          <a:fontRef idx="minor">
+            <a:schemeClr val="lt1"/>
+          </a:fontRef>
+        </p:style>
+        <p:txBody>
+          <a:bodyPr rtlCol="0" anchor="ctr"/>
+          <a:lstStyle/>
+          <a:p>
+            <a:pPr algn="ctr"/>
+            <a:endParaRPr lang="pl-PL" noProof="0" dirty="0"/>
+          </a:p>
+        </p:txBody>
+      </p:sp>
+      <p:sp>
+        <p:nvSpPr>
+          <p:cNvPr id="2" name="Title 1">
+            <a:extLst>
+              <a:ext uri="{FF2B5EF4-FFF2-40B4-BE49-F238E27FC236}">
+                <a16:creationId xmlns:a16="http://schemas.microsoft.com/office/drawing/2014/main" id="{BA0EF68B-ECFF-6455-FC7E-2E9FC36612C7}"/>
+              </a:ext>
+            </a:extLst>
+          </p:cNvPr>
+          <p:cNvSpPr>
+            <a:spLocks noGrp="1"/>
+          </p:cNvSpPr>
+          <p:nvPr>
+            <p:ph type="title"/>
+          </p:nvPr>
+        </p:nvSpPr>
+        <p:spPr>
+          <a:xfrm>
+            <a:off x="699714" y="353160"/>
+            <a:ext cx="7091300" cy="898581"/>
+          </a:xfrm>
+        </p:spPr>
+        <p:txBody>
+          <a:bodyPr vert="horz" lIns="91440" tIns="45720" rIns="91440" bIns="45720" rtlCol="0" anchor="ctr">
+            <a:normAutofit/>
+          </a:bodyPr>
+          <a:lstStyle/>
+          <a:p>
+            <a:r>
+              <a:rPr lang="pl-PL" sz="4000" b="0" i="0" noProof="0" dirty="0">
+                <a:solidFill>
+                  <a:srgbClr val="FFFFFF"/>
+                </a:solidFill>
+                <a:effectLst/>
+              </a:rPr>
+              <a:t>👨‍💻 </a:t>
+            </a:r>
+            <a:r>
+              <a:rPr lang="pl-PL" sz="4000" b="1" i="0" noProof="0" dirty="0">
+                <a:solidFill>
+                  <a:srgbClr val="FFFFFF"/>
+                </a:solidFill>
+                <a:effectLst/>
+              </a:rPr>
+              <a:t>Implementacja </a:t>
+            </a:r>
+            <a:r>
+              <a:rPr lang="pl-PL" sz="4000" b="1" i="0" noProof="0" dirty="0" err="1">
+                <a:solidFill>
+                  <a:srgbClr val="FFFFFF"/>
+                </a:solidFill>
+                <a:effectLst/>
+              </a:rPr>
+              <a:t>Python</a:t>
+            </a:r>
+            <a:endParaRPr lang="pl-PL" sz="4000" noProof="0" dirty="0">
+              <a:solidFill>
+                <a:srgbClr val="FFFFFF"/>
+              </a:solidFill>
+            </a:endParaRPr>
+          </a:p>
+        </p:txBody>
+      </p:sp>
+      <p:pic>
+        <p:nvPicPr>
+          <p:cNvPr id="7" name="Picture 6">
+            <a:extLst>
+              <a:ext uri="{FF2B5EF4-FFF2-40B4-BE49-F238E27FC236}">
+                <a16:creationId xmlns:a16="http://schemas.microsoft.com/office/drawing/2014/main" id="{EEFBC0A7-FB0E-D754-5D04-704EF040A78C}"/>
+              </a:ext>
+            </a:extLst>
+          </p:cNvPr>
+          <p:cNvPicPr>
+            <a:picLocks noChangeAspect="1"/>
+          </p:cNvPicPr>
+          <p:nvPr/>
+        </p:nvPicPr>
+        <p:blipFill>
+          <a:blip r:embed="rId2"/>
+          <a:stretch>
+            <a:fillRect/>
+          </a:stretch>
+        </p:blipFill>
+        <p:spPr>
+          <a:xfrm>
+            <a:off x="6096000" y="2181232"/>
+            <a:ext cx="4380972" cy="3997637"/>
+          </a:xfrm>
+          <a:prstGeom prst="rect">
+            <a:avLst/>
+          </a:prstGeom>
+        </p:spPr>
+      </p:pic>
+      <p:pic>
+        <p:nvPicPr>
+          <p:cNvPr id="5" name="Picture 4">
+            <a:extLst>
+              <a:ext uri="{FF2B5EF4-FFF2-40B4-BE49-F238E27FC236}">
+                <a16:creationId xmlns:a16="http://schemas.microsoft.com/office/drawing/2014/main" id="{7120A6AE-9B90-24CF-2D16-36D44834A387}"/>
+              </a:ext>
+            </a:extLst>
+          </p:cNvPr>
+          <p:cNvPicPr>
+            <a:picLocks noChangeAspect="1"/>
+          </p:cNvPicPr>
+          <p:nvPr/>
+        </p:nvPicPr>
+        <p:blipFill>
+          <a:blip r:embed="rId3"/>
+          <a:stretch>
+            <a:fillRect/>
+          </a:stretch>
+        </p:blipFill>
+        <p:spPr>
+          <a:xfrm>
+            <a:off x="1070216" y="2181038"/>
+            <a:ext cx="3797939" cy="3997831"/>
+          </a:xfrm>
+          <a:prstGeom prst="rect">
+            <a:avLst/>
+          </a:prstGeom>
+        </p:spPr>
+      </p:pic>
+    </p:spTree>
+    <p:extLst>
+      <p:ext uri="{BB962C8B-B14F-4D97-AF65-F5344CB8AC3E}">
+        <p14:creationId xmlns:p14="http://schemas.microsoft.com/office/powerpoint/2010/main" val="2987115480"/>
+      </p:ext>
+    </p:extLst>
+  </p:cSld>
+  <p:clrMapOvr>
+    <a:masterClrMapping/>
+  </p:clrMapOvr>
+</p:sld>
+</file>
+
+<file path=ppt/slides/slide21.xml><?xml version="1.0" encoding="utf-8"?>
+<p:sld xmlns:a="http://schemas.openxmlformats.org/drawingml/2006/main" xmlns:r="http://schemas.openxmlformats.org/officeDocument/2006/relationships" xmlns:p="http://schemas.openxmlformats.org/presentationml/2006/main">
+  <p:cSld>
+    <p:bg>
+      <p:bgPr>
+        <a:solidFill>
+          <a:schemeClr val="bg1"/>
+        </a:solidFill>
+        <a:effectLst/>
+      </p:bgPr>
+    </p:bg>
+    <p:spTree>
+      <p:nvGrpSpPr>
+        <p:cNvPr id="1" name=""/>
+        <p:cNvGrpSpPr/>
+        <p:nvPr/>
+      </p:nvGrpSpPr>
+      <p:grpSpPr>
+        <a:xfrm>
+          <a:off x="0" y="0"/>
+          <a:ext cx="0" cy="0"/>
+          <a:chOff x="0" y="0"/>
+          <a:chExt cx="0" cy="0"/>
+        </a:xfrm>
+      </p:grpSpPr>
+      <p:sp useBgFill="1">
+        <p:nvSpPr>
+          <p:cNvPr id="14" name="Rectangle 13">
+            <a:extLst>
+              <a:ext uri="{FF2B5EF4-FFF2-40B4-BE49-F238E27FC236}">
+                <a16:creationId xmlns:a16="http://schemas.microsoft.com/office/drawing/2014/main" id="{2151139A-886F-4B97-8815-729AD3831BBD}"/>
+              </a:ext>
+              <a:ext uri="{C183D7F6-B498-43B3-948B-1728B52AA6E4}">
+                <adec:decorative xmlns:adec="http://schemas.microsoft.com/office/drawing/2017/decorative" val="1"/>
+              </a:ext>
+            </a:extLst>
+          </p:cNvPr>
+          <p:cNvSpPr>
+            <a:spLocks noGrp="1" noRot="1" noChangeAspect="1" noMove="1" noResize="1" noEditPoints="1" noAdjustHandles="1" noChangeArrowheads="1" noChangeShapeType="1" noTextEdit="1"/>
+          </p:cNvSpPr>
+          <p:nvPr>
+            <p:extLst>
+              <p:ext uri="{386F3935-93C4-4BCD-93E2-E3B085C9AB24}">
+                <p16:designElem xmlns:p16="http://schemas.microsoft.com/office/powerpoint/2015/main" val="1"/>
+              </p:ext>
+            </p:extLst>
+          </p:nvPr>
+        </p:nvSpPr>
+        <p:spPr>
+          <a:xfrm>
+            <a:off x="0" y="0"/>
+            <a:ext cx="12192000" cy="6858000"/>
+          </a:xfrm>
+          <a:prstGeom prst="rect">
+            <a:avLst/>
+          </a:prstGeom>
+          <a:ln w="12700" cap="flat" cmpd="sng" algn="ctr">
+            <a:noFill/>
+            <a:prstDash val="solid"/>
+            <a:miter lim="800000"/>
+          </a:ln>
+          <a:effectLst/>
+          <a:extLst>
+            <a:ext uri="{91240B29-F687-4F45-9708-019B960494DF}">
+              <a14:hiddenLine xmlns:a14="http://schemas.microsoft.com/office/drawing/2010/main" w="12700" cap="flat" cmpd="sng" algn="ctr">
+                <a:solidFill>
+                  <a:schemeClr val="accent1">
+                    <a:shade val="50000"/>
+                  </a:schemeClr>
+                </a:solidFill>
+                <a:prstDash val="solid"/>
+                <a:miter lim="800000"/>
+              </a14:hiddenLine>
+            </a:ext>
+          </a:extLst>
+        </p:spPr>
+        <p:style>
+          <a:lnRef idx="2">
+            <a:schemeClr val="accent1">
+              <a:shade val="50000"/>
+            </a:schemeClr>
+          </a:lnRef>
+          <a:fillRef idx="1">
+            <a:schemeClr val="accent1"/>
+          </a:fillRef>
+          <a:effectRef idx="0">
+            <a:schemeClr val="accent1"/>
+          </a:effectRef>
+          <a:fontRef idx="minor">
+            <a:schemeClr val="lt1"/>
+          </a:fontRef>
+        </p:style>
+        <p:txBody>
+          <a:bodyPr rtlCol="0" anchor="ctr"/>
+          <a:lstStyle/>
+          <a:p>
+            <a:pPr algn="ctr"/>
+            <a:endParaRPr lang="pl-PL" sz="2000" noProof="0" dirty="0"/>
+          </a:p>
+        </p:txBody>
+      </p:sp>
+      <p:sp>
+        <p:nvSpPr>
+          <p:cNvPr id="16" name="Rectangle 15">
+            <a:extLst>
+              <a:ext uri="{FF2B5EF4-FFF2-40B4-BE49-F238E27FC236}">
+                <a16:creationId xmlns:a16="http://schemas.microsoft.com/office/drawing/2014/main" id="{AB5E08C4-8CDD-4623-A5B8-E998C6DEE3B7}"/>
+              </a:ext>
+              <a:ext uri="{C183D7F6-B498-43B3-948B-1728B52AA6E4}">
+                <adec:decorative xmlns:adec="http://schemas.microsoft.com/office/drawing/2017/decorative" val="1"/>
+              </a:ext>
+            </a:extLst>
+          </p:cNvPr>
+          <p:cNvSpPr>
+            <a:spLocks noGrp="1" noRot="1" noChangeAspect="1" noMove="1" noResize="1" noEditPoints="1" noAdjustHandles="1" noChangeArrowheads="1" noChangeShapeType="1" noTextEdit="1"/>
+          </p:cNvSpPr>
+          <p:nvPr>
+            <p:extLst>
+              <p:ext uri="{386F3935-93C4-4BCD-93E2-E3B085C9AB24}">
+                <p16:designElem xmlns:p16="http://schemas.microsoft.com/office/powerpoint/2015/main" val="1"/>
+              </p:ext>
+            </p:extLst>
+          </p:nvPr>
+        </p:nvSpPr>
+        <p:spPr>
+          <a:xfrm flipH="1">
+            <a:off x="2" y="492"/>
+            <a:ext cx="12191998" cy="1575955"/>
+          </a:xfrm>
+          <a:prstGeom prst="rect">
+            <a:avLst/>
+          </a:prstGeom>
+          <a:gradFill>
+            <a:gsLst>
+              <a:gs pos="0">
+                <a:schemeClr val="accent1">
+                  <a:lumMod val="50000"/>
+                </a:schemeClr>
+              </a:gs>
+              <a:gs pos="100000">
+                <a:schemeClr val="accent1">
+                  <a:lumMod val="75000"/>
+                </a:schemeClr>
+              </a:gs>
+            </a:gsLst>
+            <a:lin ang="8400000" scaled="0"/>
+          </a:gradFill>
+          <a:ln>
+            <a:noFill/>
+          </a:ln>
+        </p:spPr>
+        <p:style>
+          <a:lnRef idx="2">
+            <a:schemeClr val="accent1">
+              <a:shade val="50000"/>
+            </a:schemeClr>
+          </a:lnRef>
+          <a:fillRef idx="1">
+            <a:schemeClr val="accent1"/>
+          </a:fillRef>
+          <a:effectRef idx="0">
+            <a:schemeClr val="accent1"/>
+          </a:effectRef>
+          <a:fontRef idx="minor">
+            <a:schemeClr val="lt1"/>
+          </a:fontRef>
+        </p:style>
+        <p:txBody>
+          <a:bodyPr rtlCol="0" anchor="ctr"/>
+          <a:lstStyle/>
+          <a:p>
+            <a:pPr algn="ctr"/>
+            <a:endParaRPr lang="pl-PL" noProof="0" dirty="0"/>
+          </a:p>
+        </p:txBody>
+      </p:sp>
+      <p:sp>
+        <p:nvSpPr>
+          <p:cNvPr id="18" name="Rectangle 17">
+            <a:extLst>
+              <a:ext uri="{FF2B5EF4-FFF2-40B4-BE49-F238E27FC236}">
+                <a16:creationId xmlns:a16="http://schemas.microsoft.com/office/drawing/2014/main" id="{15F33878-D502-4FFA-8ACE-F2AECDB2A23F}"/>
+              </a:ext>
+              <a:ext uri="{C183D7F6-B498-43B3-948B-1728B52AA6E4}">
+                <adec:decorative xmlns:adec="http://schemas.microsoft.com/office/drawing/2017/decorative" val="1"/>
+              </a:ext>
+            </a:extLst>
+          </p:cNvPr>
+          <p:cNvSpPr>
+            <a:spLocks noGrp="1" noRot="1" noChangeAspect="1" noMove="1" noResize="1" noEditPoints="1" noAdjustHandles="1" noChangeArrowheads="1" noChangeShapeType="1" noTextEdit="1"/>
+          </p:cNvSpPr>
+          <p:nvPr>
+            <p:extLst>
+              <p:ext uri="{386F3935-93C4-4BCD-93E2-E3B085C9AB24}">
+                <p16:designElem xmlns:p16="http://schemas.microsoft.com/office/powerpoint/2015/main" val="1"/>
+              </p:ext>
+            </p:extLst>
+          </p:nvPr>
+        </p:nvSpPr>
+        <p:spPr>
+          <a:xfrm rot="10800000" flipH="1">
+            <a:off x="8128857" y="35"/>
+            <a:ext cx="4063143" cy="1576412"/>
+          </a:xfrm>
+          <a:prstGeom prst="rect">
+            <a:avLst/>
+          </a:prstGeom>
+          <a:gradFill>
+            <a:gsLst>
+              <a:gs pos="19000">
+                <a:schemeClr val="accent1">
+                  <a:lumMod val="50000"/>
+                  <a:alpha val="68000"/>
+                </a:schemeClr>
+              </a:gs>
+              <a:gs pos="100000">
+                <a:schemeClr val="accent1">
+                  <a:alpha val="79000"/>
+                </a:schemeClr>
+              </a:gs>
+            </a:gsLst>
+            <a:lin ang="19200000" scaled="0"/>
+          </a:gradFill>
+          <a:ln>
+            <a:noFill/>
+          </a:ln>
+        </p:spPr>
+        <p:style>
+          <a:lnRef idx="2">
+            <a:schemeClr val="accent1">
+              <a:shade val="50000"/>
+            </a:schemeClr>
+          </a:lnRef>
+          <a:fillRef idx="1">
+            <a:schemeClr val="accent1"/>
+          </a:fillRef>
+          <a:effectRef idx="0">
+            <a:schemeClr val="accent1"/>
+          </a:effectRef>
+          <a:fontRef idx="minor">
+            <a:schemeClr val="lt1"/>
+          </a:fontRef>
+        </p:style>
+        <p:txBody>
+          <a:bodyPr rtlCol="0" anchor="ctr"/>
+          <a:lstStyle/>
+          <a:p>
+            <a:pPr algn="ctr"/>
+            <a:endParaRPr lang="pl-PL" noProof="0" dirty="0"/>
+          </a:p>
+        </p:txBody>
+      </p:sp>
+      <p:sp>
+        <p:nvSpPr>
+          <p:cNvPr id="20" name="Rectangle 19">
+            <a:extLst>
+              <a:ext uri="{FF2B5EF4-FFF2-40B4-BE49-F238E27FC236}">
+                <a16:creationId xmlns:a16="http://schemas.microsoft.com/office/drawing/2014/main" id="{D3539FEE-81D3-4406-802E-60B20B16F4F6}"/>
+              </a:ext>
+              <a:ext uri="{C183D7F6-B498-43B3-948B-1728B52AA6E4}">
+                <adec:decorative xmlns:adec="http://schemas.microsoft.com/office/drawing/2017/decorative" val="1"/>
+              </a:ext>
+            </a:extLst>
+          </p:cNvPr>
+          <p:cNvSpPr>
+            <a:spLocks noGrp="1" noRot="1" noChangeAspect="1" noMove="1" noResize="1" noEditPoints="1" noAdjustHandles="1" noChangeArrowheads="1" noChangeShapeType="1" noTextEdit="1"/>
+          </p:cNvSpPr>
+          <p:nvPr>
+            <p:extLst>
+              <p:ext uri="{386F3935-93C4-4BCD-93E2-E3B085C9AB24}">
+                <p16:designElem xmlns:p16="http://schemas.microsoft.com/office/powerpoint/2015/main" val="1"/>
+              </p:ext>
+            </p:extLst>
+          </p:nvPr>
+        </p:nvSpPr>
+        <p:spPr>
+          <a:xfrm rot="5400000">
+            <a:off x="5307778" y="-5307777"/>
+            <a:ext cx="1576446" cy="12192001"/>
+          </a:xfrm>
+          <a:prstGeom prst="rect">
+            <a:avLst/>
+          </a:prstGeom>
+          <a:gradFill>
+            <a:gsLst>
+              <a:gs pos="16000">
+                <a:srgbClr val="000000">
+                  <a:alpha val="0"/>
+                </a:srgbClr>
+              </a:gs>
+              <a:gs pos="99000">
+                <a:srgbClr val="000000">
+                  <a:alpha val="87000"/>
+                </a:srgbClr>
+              </a:gs>
+            </a:gsLst>
+            <a:lin ang="11400000" scaled="0"/>
+          </a:gradFill>
+          <a:ln>
+            <a:noFill/>
+          </a:ln>
+        </p:spPr>
+        <p:style>
+          <a:lnRef idx="2">
+            <a:schemeClr val="accent1">
+              <a:shade val="50000"/>
+            </a:schemeClr>
+          </a:lnRef>
+          <a:fillRef idx="1">
+            <a:schemeClr val="accent1"/>
+          </a:fillRef>
+          <a:effectRef idx="0">
+            <a:schemeClr val="accent1"/>
+          </a:effectRef>
+          <a:fontRef idx="minor">
+            <a:schemeClr val="lt1"/>
+          </a:fontRef>
+        </p:style>
+        <p:txBody>
+          <a:bodyPr rtlCol="0" anchor="ctr"/>
+          <a:lstStyle/>
+          <a:p>
+            <a:pPr algn="ctr"/>
+            <a:endParaRPr lang="pl-PL" noProof="0" dirty="0"/>
+          </a:p>
+        </p:txBody>
+      </p:sp>
+      <p:sp>
+        <p:nvSpPr>
+          <p:cNvPr id="22" name="Rectangle 21">
+            <a:extLst>
+              <a:ext uri="{FF2B5EF4-FFF2-40B4-BE49-F238E27FC236}">
+                <a16:creationId xmlns:a16="http://schemas.microsoft.com/office/drawing/2014/main" id="{DC701763-729E-462F-A5A8-E0DEFEB1E2E4}"/>
+              </a:ext>
+              <a:ext uri="{C183D7F6-B498-43B3-948B-1728B52AA6E4}">
+                <adec:decorative xmlns:adec="http://schemas.microsoft.com/office/drawing/2017/decorative" val="1"/>
+              </a:ext>
+            </a:extLst>
+          </p:cNvPr>
+          <p:cNvSpPr>
+            <a:spLocks noGrp="1" noRot="1" noChangeAspect="1" noMove="1" noResize="1" noEditPoints="1" noAdjustHandles="1" noChangeArrowheads="1" noChangeShapeType="1" noTextEdit="1"/>
+          </p:cNvSpPr>
+          <p:nvPr>
+            <p:extLst>
+              <p:ext uri="{386F3935-93C4-4BCD-93E2-E3B085C9AB24}">
+                <p16:designElem xmlns:p16="http://schemas.microsoft.com/office/powerpoint/2015/main" val="1"/>
+              </p:ext>
+            </p:extLst>
+          </p:nvPr>
+        </p:nvSpPr>
+        <p:spPr>
+          <a:xfrm>
+            <a:off x="3825434" y="986"/>
+            <a:ext cx="4303422" cy="1575461"/>
+          </a:xfrm>
+          <a:prstGeom prst="rect">
+            <a:avLst/>
+          </a:prstGeom>
+          <a:gradFill>
+            <a:gsLst>
+              <a:gs pos="0">
+                <a:schemeClr val="accent1">
+                  <a:alpha val="17000"/>
+                </a:schemeClr>
+              </a:gs>
+              <a:gs pos="74000">
+                <a:schemeClr val="accent1">
+                  <a:lumMod val="50000"/>
+                  <a:alpha val="0"/>
+                </a:schemeClr>
+              </a:gs>
+            </a:gsLst>
+            <a:lin ang="14400000" scaled="0"/>
+          </a:gradFill>
+          <a:ln>
+            <a:noFill/>
+          </a:ln>
+        </p:spPr>
+        <p:style>
+          <a:lnRef idx="2">
+            <a:schemeClr val="accent1">
+              <a:shade val="50000"/>
+            </a:schemeClr>
+          </a:lnRef>
+          <a:fillRef idx="1">
+            <a:schemeClr val="accent1"/>
+          </a:fillRef>
+          <a:effectRef idx="0">
+            <a:schemeClr val="accent1"/>
+          </a:effectRef>
+          <a:fontRef idx="minor">
+            <a:schemeClr val="lt1"/>
+          </a:fontRef>
+        </p:style>
+        <p:txBody>
+          <a:bodyPr rtlCol="0" anchor="ctr"/>
+          <a:lstStyle/>
+          <a:p>
+            <a:pPr algn="ctr"/>
+            <a:endParaRPr lang="pl-PL" noProof="0" dirty="0"/>
+          </a:p>
+        </p:txBody>
+      </p:sp>
+      <p:sp>
+        <p:nvSpPr>
+          <p:cNvPr id="2" name="Title 1">
+            <a:extLst>
+              <a:ext uri="{FF2B5EF4-FFF2-40B4-BE49-F238E27FC236}">
+                <a16:creationId xmlns:a16="http://schemas.microsoft.com/office/drawing/2014/main" id="{00B48B47-FDAE-A865-60C8-EC8E4902022B}"/>
+              </a:ext>
+            </a:extLst>
+          </p:cNvPr>
+          <p:cNvSpPr>
+            <a:spLocks noGrp="1"/>
+          </p:cNvSpPr>
+          <p:nvPr>
+            <p:ph type="title"/>
+          </p:nvPr>
+        </p:nvSpPr>
+        <p:spPr>
+          <a:xfrm>
+            <a:off x="699714" y="353160"/>
+            <a:ext cx="7091300" cy="898581"/>
+          </a:xfrm>
+        </p:spPr>
+        <p:txBody>
+          <a:bodyPr vert="horz" lIns="91440" tIns="45720" rIns="91440" bIns="45720" rtlCol="0" anchor="ctr">
+            <a:normAutofit/>
+          </a:bodyPr>
+          <a:lstStyle/>
+          <a:p>
+            <a:r>
+              <a:rPr lang="pl-PL" sz="4000" b="0" i="0" noProof="0" dirty="0">
+                <a:solidFill>
+                  <a:srgbClr val="FFFFFF"/>
+                </a:solidFill>
+                <a:effectLst/>
+              </a:rPr>
+              <a:t>👨‍💻 </a:t>
+            </a:r>
+            <a:r>
+              <a:rPr lang="pl-PL" sz="4000" b="1" i="0" noProof="0" dirty="0">
+                <a:solidFill>
+                  <a:srgbClr val="FFFFFF"/>
+                </a:solidFill>
+                <a:effectLst/>
+              </a:rPr>
+              <a:t>Implementacja Java</a:t>
+            </a:r>
+            <a:endParaRPr lang="pl-PL" sz="4000" noProof="0" dirty="0">
+              <a:solidFill>
+                <a:srgbClr val="FFFFFF"/>
+              </a:solidFill>
+            </a:endParaRPr>
+          </a:p>
+        </p:txBody>
+      </p:sp>
+      <p:pic>
+        <p:nvPicPr>
+          <p:cNvPr id="7" name="Picture 6">
+            <a:extLst>
+              <a:ext uri="{FF2B5EF4-FFF2-40B4-BE49-F238E27FC236}">
+                <a16:creationId xmlns:a16="http://schemas.microsoft.com/office/drawing/2014/main" id="{5E639DEB-587A-A17D-69C6-33291F3D9D3B}"/>
+              </a:ext>
+            </a:extLst>
+          </p:cNvPr>
+          <p:cNvPicPr>
+            <a:picLocks noChangeAspect="1"/>
+          </p:cNvPicPr>
+          <p:nvPr/>
+        </p:nvPicPr>
+        <p:blipFill>
+          <a:blip r:embed="rId2"/>
+          <a:stretch>
+            <a:fillRect/>
+          </a:stretch>
+        </p:blipFill>
+        <p:spPr>
+          <a:xfrm>
+            <a:off x="715748" y="2666573"/>
+            <a:ext cx="5131088" cy="3027342"/>
+          </a:xfrm>
+          <a:prstGeom prst="rect">
+            <a:avLst/>
+          </a:prstGeom>
+        </p:spPr>
+      </p:pic>
+      <p:pic>
+        <p:nvPicPr>
+          <p:cNvPr id="9" name="Picture 8">
+            <a:extLst>
+              <a:ext uri="{FF2B5EF4-FFF2-40B4-BE49-F238E27FC236}">
+                <a16:creationId xmlns:a16="http://schemas.microsoft.com/office/drawing/2014/main" id="{55EAF358-14CB-7E04-A0EB-4D9E620C8E07}"/>
+              </a:ext>
+            </a:extLst>
+          </p:cNvPr>
+          <p:cNvPicPr>
+            <a:picLocks noChangeAspect="1"/>
+          </p:cNvPicPr>
+          <p:nvPr/>
+        </p:nvPicPr>
+        <p:blipFill>
+          <a:blip r:embed="rId3"/>
+          <a:stretch>
+            <a:fillRect/>
+          </a:stretch>
+        </p:blipFill>
+        <p:spPr>
+          <a:xfrm>
+            <a:off x="6345165" y="2217815"/>
+            <a:ext cx="3648020" cy="3997831"/>
+          </a:xfrm>
+          <a:prstGeom prst="rect">
+            <a:avLst/>
+          </a:prstGeom>
+        </p:spPr>
+      </p:pic>
+    </p:spTree>
+    <p:extLst>
+      <p:ext uri="{BB962C8B-B14F-4D97-AF65-F5344CB8AC3E}">
+        <p14:creationId xmlns:p14="http://schemas.microsoft.com/office/powerpoint/2010/main" val="1167917489"/>
+      </p:ext>
+    </p:extLst>
+  </p:cSld>
+  <p:clrMapOvr>
+    <a:masterClrMapping/>
+  </p:clrMapOvr>
+</p:sld>
+</file>
+
+<file path=ppt/slides/slide22.xml><?xml version="1.0" encoding="utf-8"?>
+<p:sld xmlns:a="http://schemas.openxmlformats.org/drawingml/2006/main" xmlns:r="http://schemas.openxmlformats.org/officeDocument/2006/relationships" xmlns:p="http://schemas.openxmlformats.org/presentationml/2006/main">
+  <p:cSld>
+    <p:bg>
+      <p:bgPr>
+        <a:solidFill>
+          <a:schemeClr val="bg1"/>
+        </a:solidFill>
+        <a:effectLst/>
+      </p:bgPr>
+    </p:bg>
+    <p:spTree>
+      <p:nvGrpSpPr>
+        <p:cNvPr id="1" name=""/>
+        <p:cNvGrpSpPr/>
+        <p:nvPr/>
+      </p:nvGrpSpPr>
+      <p:grpSpPr>
+        <a:xfrm>
+          <a:off x="0" y="0"/>
+          <a:ext cx="0" cy="0"/>
+          <a:chOff x="0" y="0"/>
+          <a:chExt cx="0" cy="0"/>
+        </a:xfrm>
+      </p:grpSpPr>
+      <p:sp useBgFill="1">
+        <p:nvSpPr>
+          <p:cNvPr id="16" name="Rectangle 15">
+            <a:extLst>
+              <a:ext uri="{FF2B5EF4-FFF2-40B4-BE49-F238E27FC236}">
+                <a16:creationId xmlns:a16="http://schemas.microsoft.com/office/drawing/2014/main" id="{2151139A-886F-4B97-8815-729AD3831BBD}"/>
+              </a:ext>
+              <a:ext uri="{C183D7F6-B498-43B3-948B-1728B52AA6E4}">
+                <adec:decorative xmlns:adec="http://schemas.microsoft.com/office/drawing/2017/decorative" val="1"/>
+              </a:ext>
+            </a:extLst>
+          </p:cNvPr>
+          <p:cNvSpPr>
+            <a:spLocks noGrp="1" noRot="1" noChangeAspect="1" noMove="1" noResize="1" noEditPoints="1" noAdjustHandles="1" noChangeArrowheads="1" noChangeShapeType="1" noTextEdit="1"/>
+          </p:cNvSpPr>
+          <p:nvPr>
+            <p:extLst>
+              <p:ext uri="{386F3935-93C4-4BCD-93E2-E3B085C9AB24}">
+                <p16:designElem xmlns:p16="http://schemas.microsoft.com/office/powerpoint/2015/main" val="1"/>
+              </p:ext>
+            </p:extLst>
+          </p:nvPr>
+        </p:nvSpPr>
+        <p:spPr>
+          <a:xfrm>
+            <a:off x="0" y="0"/>
+            <a:ext cx="12192000" cy="6858000"/>
+          </a:xfrm>
+          <a:prstGeom prst="rect">
+            <a:avLst/>
+          </a:prstGeom>
+          <a:ln w="12700" cap="flat" cmpd="sng" algn="ctr">
+            <a:noFill/>
+            <a:prstDash val="solid"/>
+            <a:miter lim="800000"/>
+          </a:ln>
+          <a:effectLst/>
+          <a:extLst>
+            <a:ext uri="{91240B29-F687-4F45-9708-019B960494DF}">
+              <a14:hiddenLine xmlns:a14="http://schemas.microsoft.com/office/drawing/2010/main" w="12700" cap="flat" cmpd="sng" algn="ctr">
+                <a:solidFill>
+                  <a:schemeClr val="accent1">
+                    <a:shade val="50000"/>
+                  </a:schemeClr>
+                </a:solidFill>
+                <a:prstDash val="solid"/>
+                <a:miter lim="800000"/>
+              </a14:hiddenLine>
+            </a:ext>
+          </a:extLst>
+        </p:spPr>
+        <p:style>
+          <a:lnRef idx="2">
+            <a:schemeClr val="accent1">
+              <a:shade val="50000"/>
+            </a:schemeClr>
+          </a:lnRef>
+          <a:fillRef idx="1">
+            <a:schemeClr val="accent1"/>
+          </a:fillRef>
+          <a:effectRef idx="0">
+            <a:schemeClr val="accent1"/>
+          </a:effectRef>
+          <a:fontRef idx="minor">
+            <a:schemeClr val="lt1"/>
+          </a:fontRef>
+        </p:style>
+        <p:txBody>
+          <a:bodyPr rtlCol="0" anchor="ctr"/>
+          <a:lstStyle/>
+          <a:p>
+            <a:pPr algn="ctr"/>
+            <a:endParaRPr lang="pl-PL" sz="2000" noProof="0" dirty="0"/>
+          </a:p>
+        </p:txBody>
+      </p:sp>
+      <p:sp>
+        <p:nvSpPr>
+          <p:cNvPr id="18" name="Rectangle 17">
+            <a:extLst>
+              <a:ext uri="{FF2B5EF4-FFF2-40B4-BE49-F238E27FC236}">
+                <a16:creationId xmlns:a16="http://schemas.microsoft.com/office/drawing/2014/main" id="{AB5E08C4-8CDD-4623-A5B8-E998C6DEE3B7}"/>
+              </a:ext>
+              <a:ext uri="{C183D7F6-B498-43B3-948B-1728B52AA6E4}">
+                <adec:decorative xmlns:adec="http://schemas.microsoft.com/office/drawing/2017/decorative" val="1"/>
+              </a:ext>
+            </a:extLst>
+          </p:cNvPr>
+          <p:cNvSpPr>
+            <a:spLocks noGrp="1" noRot="1" noChangeAspect="1" noMove="1" noResize="1" noEditPoints="1" noAdjustHandles="1" noChangeArrowheads="1" noChangeShapeType="1" noTextEdit="1"/>
+          </p:cNvSpPr>
+          <p:nvPr>
+            <p:extLst>
+              <p:ext uri="{386F3935-93C4-4BCD-93E2-E3B085C9AB24}">
+                <p16:designElem xmlns:p16="http://schemas.microsoft.com/office/powerpoint/2015/main" val="1"/>
+              </p:ext>
+            </p:extLst>
+          </p:nvPr>
+        </p:nvSpPr>
+        <p:spPr>
+          <a:xfrm flipH="1">
+            <a:off x="2" y="492"/>
+            <a:ext cx="12191998" cy="1575955"/>
+          </a:xfrm>
+          <a:prstGeom prst="rect">
+            <a:avLst/>
+          </a:prstGeom>
+          <a:gradFill>
+            <a:gsLst>
+              <a:gs pos="0">
+                <a:schemeClr val="accent1">
+                  <a:lumMod val="50000"/>
+                </a:schemeClr>
+              </a:gs>
+              <a:gs pos="100000">
+                <a:schemeClr val="accent1">
+                  <a:lumMod val="75000"/>
+                </a:schemeClr>
+              </a:gs>
+            </a:gsLst>
+            <a:lin ang="8400000" scaled="0"/>
+          </a:gradFill>
+          <a:ln>
+            <a:noFill/>
+          </a:ln>
+        </p:spPr>
+        <p:style>
+          <a:lnRef idx="2">
+            <a:schemeClr val="accent1">
+              <a:shade val="50000"/>
+            </a:schemeClr>
+          </a:lnRef>
+          <a:fillRef idx="1">
+            <a:schemeClr val="accent1"/>
+          </a:fillRef>
+          <a:effectRef idx="0">
+            <a:schemeClr val="accent1"/>
+          </a:effectRef>
+          <a:fontRef idx="minor">
+            <a:schemeClr val="lt1"/>
+          </a:fontRef>
+        </p:style>
+        <p:txBody>
+          <a:bodyPr rtlCol="0" anchor="ctr"/>
+          <a:lstStyle/>
+          <a:p>
+            <a:pPr algn="ctr"/>
+            <a:endParaRPr lang="pl-PL" noProof="0" dirty="0"/>
+          </a:p>
+        </p:txBody>
+      </p:sp>
+      <p:sp>
+        <p:nvSpPr>
+          <p:cNvPr id="20" name="Rectangle 19">
+            <a:extLst>
+              <a:ext uri="{FF2B5EF4-FFF2-40B4-BE49-F238E27FC236}">
+                <a16:creationId xmlns:a16="http://schemas.microsoft.com/office/drawing/2014/main" id="{15F33878-D502-4FFA-8ACE-F2AECDB2A23F}"/>
+              </a:ext>
+              <a:ext uri="{C183D7F6-B498-43B3-948B-1728B52AA6E4}">
+                <adec:decorative xmlns:adec="http://schemas.microsoft.com/office/drawing/2017/decorative" val="1"/>
+              </a:ext>
+            </a:extLst>
+          </p:cNvPr>
+          <p:cNvSpPr>
+            <a:spLocks noGrp="1" noRot="1" noChangeAspect="1" noMove="1" noResize="1" noEditPoints="1" noAdjustHandles="1" noChangeArrowheads="1" noChangeShapeType="1" noTextEdit="1"/>
+          </p:cNvSpPr>
+          <p:nvPr>
+            <p:extLst>
+              <p:ext uri="{386F3935-93C4-4BCD-93E2-E3B085C9AB24}">
+                <p16:designElem xmlns:p16="http://schemas.microsoft.com/office/powerpoint/2015/main" val="1"/>
+              </p:ext>
+            </p:extLst>
+          </p:nvPr>
+        </p:nvSpPr>
+        <p:spPr>
+          <a:xfrm rot="10800000" flipH="1">
+            <a:off x="8128857" y="35"/>
+            <a:ext cx="4063143" cy="1576412"/>
+          </a:xfrm>
+          <a:prstGeom prst="rect">
+            <a:avLst/>
+          </a:prstGeom>
+          <a:gradFill>
+            <a:gsLst>
+              <a:gs pos="19000">
+                <a:schemeClr val="accent1">
+                  <a:lumMod val="50000"/>
+                  <a:alpha val="68000"/>
+                </a:schemeClr>
+              </a:gs>
+              <a:gs pos="100000">
+                <a:schemeClr val="accent1">
+                  <a:alpha val="79000"/>
+                </a:schemeClr>
+              </a:gs>
+            </a:gsLst>
+            <a:lin ang="19200000" scaled="0"/>
+          </a:gradFill>
+          <a:ln>
+            <a:noFill/>
+          </a:ln>
+        </p:spPr>
+        <p:style>
+          <a:lnRef idx="2">
+            <a:schemeClr val="accent1">
+              <a:shade val="50000"/>
+            </a:schemeClr>
+          </a:lnRef>
+          <a:fillRef idx="1">
+            <a:schemeClr val="accent1"/>
+          </a:fillRef>
+          <a:effectRef idx="0">
+            <a:schemeClr val="accent1"/>
+          </a:effectRef>
+          <a:fontRef idx="minor">
+            <a:schemeClr val="lt1"/>
+          </a:fontRef>
+        </p:style>
+        <p:txBody>
+          <a:bodyPr rtlCol="0" anchor="ctr"/>
+          <a:lstStyle/>
+          <a:p>
+            <a:pPr algn="ctr"/>
+            <a:endParaRPr lang="pl-PL" noProof="0" dirty="0"/>
+          </a:p>
+        </p:txBody>
+      </p:sp>
+      <p:sp>
+        <p:nvSpPr>
+          <p:cNvPr id="22" name="Rectangle 21">
+            <a:extLst>
+              <a:ext uri="{FF2B5EF4-FFF2-40B4-BE49-F238E27FC236}">
+                <a16:creationId xmlns:a16="http://schemas.microsoft.com/office/drawing/2014/main" id="{D3539FEE-81D3-4406-802E-60B20B16F4F6}"/>
+              </a:ext>
+              <a:ext uri="{C183D7F6-B498-43B3-948B-1728B52AA6E4}">
+                <adec:decorative xmlns:adec="http://schemas.microsoft.com/office/drawing/2017/decorative" val="1"/>
+              </a:ext>
+            </a:extLst>
+          </p:cNvPr>
+          <p:cNvSpPr>
+            <a:spLocks noGrp="1" noRot="1" noChangeAspect="1" noMove="1" noResize="1" noEditPoints="1" noAdjustHandles="1" noChangeArrowheads="1" noChangeShapeType="1" noTextEdit="1"/>
+          </p:cNvSpPr>
+          <p:nvPr>
+            <p:extLst>
+              <p:ext uri="{386F3935-93C4-4BCD-93E2-E3B085C9AB24}">
+                <p16:designElem xmlns:p16="http://schemas.microsoft.com/office/powerpoint/2015/main" val="1"/>
+              </p:ext>
+            </p:extLst>
+          </p:nvPr>
+        </p:nvSpPr>
+        <p:spPr>
+          <a:xfrm rot="5400000">
+            <a:off x="5307778" y="-5307777"/>
+            <a:ext cx="1576446" cy="12192001"/>
+          </a:xfrm>
+          <a:prstGeom prst="rect">
+            <a:avLst/>
+          </a:prstGeom>
+          <a:gradFill>
+            <a:gsLst>
+              <a:gs pos="16000">
+                <a:srgbClr val="000000">
+                  <a:alpha val="0"/>
+                </a:srgbClr>
+              </a:gs>
+              <a:gs pos="99000">
+                <a:srgbClr val="000000">
+                  <a:alpha val="87000"/>
+                </a:srgbClr>
+              </a:gs>
+            </a:gsLst>
+            <a:lin ang="11400000" scaled="0"/>
+          </a:gradFill>
+          <a:ln>
+            <a:noFill/>
+          </a:ln>
+        </p:spPr>
+        <p:style>
+          <a:lnRef idx="2">
+            <a:schemeClr val="accent1">
+              <a:shade val="50000"/>
+            </a:schemeClr>
+          </a:lnRef>
+          <a:fillRef idx="1">
+            <a:schemeClr val="accent1"/>
+          </a:fillRef>
+          <a:effectRef idx="0">
+            <a:schemeClr val="accent1"/>
+          </a:effectRef>
+          <a:fontRef idx="minor">
+            <a:schemeClr val="lt1"/>
+          </a:fontRef>
+        </p:style>
+        <p:txBody>
+          <a:bodyPr rtlCol="0" anchor="ctr"/>
+          <a:lstStyle/>
+          <a:p>
+            <a:pPr algn="ctr"/>
+            <a:endParaRPr lang="pl-PL" noProof="0" dirty="0"/>
+          </a:p>
+        </p:txBody>
+      </p:sp>
+      <p:sp>
+        <p:nvSpPr>
+          <p:cNvPr id="24" name="Rectangle 23">
+            <a:extLst>
+              <a:ext uri="{FF2B5EF4-FFF2-40B4-BE49-F238E27FC236}">
+                <a16:creationId xmlns:a16="http://schemas.microsoft.com/office/drawing/2014/main" id="{DC701763-729E-462F-A5A8-E0DEFEB1E2E4}"/>
+              </a:ext>
+              <a:ext uri="{C183D7F6-B498-43B3-948B-1728B52AA6E4}">
+                <adec:decorative xmlns:adec="http://schemas.microsoft.com/office/drawing/2017/decorative" val="1"/>
+              </a:ext>
+            </a:extLst>
+          </p:cNvPr>
+          <p:cNvSpPr>
+            <a:spLocks noGrp="1" noRot="1" noChangeAspect="1" noMove="1" noResize="1" noEditPoints="1" noAdjustHandles="1" noChangeArrowheads="1" noChangeShapeType="1" noTextEdit="1"/>
+          </p:cNvSpPr>
+          <p:nvPr>
+            <p:extLst>
+              <p:ext uri="{386F3935-93C4-4BCD-93E2-E3B085C9AB24}">
+                <p16:designElem xmlns:p16="http://schemas.microsoft.com/office/powerpoint/2015/main" val="1"/>
+              </p:ext>
+            </p:extLst>
+          </p:nvPr>
+        </p:nvSpPr>
+        <p:spPr>
+          <a:xfrm>
+            <a:off x="3825434" y="986"/>
+            <a:ext cx="4303422" cy="1575461"/>
+          </a:xfrm>
+          <a:prstGeom prst="rect">
+            <a:avLst/>
+          </a:prstGeom>
+          <a:gradFill>
+            <a:gsLst>
+              <a:gs pos="0">
+                <a:schemeClr val="accent1">
+                  <a:alpha val="17000"/>
+                </a:schemeClr>
+              </a:gs>
+              <a:gs pos="74000">
+                <a:schemeClr val="accent1">
+                  <a:lumMod val="50000"/>
+                  <a:alpha val="0"/>
+                </a:schemeClr>
+              </a:gs>
+            </a:gsLst>
+            <a:lin ang="14400000" scaled="0"/>
+          </a:gradFill>
+          <a:ln>
+            <a:noFill/>
+          </a:ln>
+        </p:spPr>
+        <p:style>
+          <a:lnRef idx="2">
+            <a:schemeClr val="accent1">
+              <a:shade val="50000"/>
+            </a:schemeClr>
+          </a:lnRef>
+          <a:fillRef idx="1">
+            <a:schemeClr val="accent1"/>
+          </a:fillRef>
+          <a:effectRef idx="0">
+            <a:schemeClr val="accent1"/>
+          </a:effectRef>
+          <a:fontRef idx="minor">
+            <a:schemeClr val="lt1"/>
+          </a:fontRef>
+        </p:style>
+        <p:txBody>
+          <a:bodyPr rtlCol="0" anchor="ctr"/>
+          <a:lstStyle/>
+          <a:p>
+            <a:pPr algn="ctr"/>
+            <a:endParaRPr lang="pl-PL" noProof="0" dirty="0"/>
+          </a:p>
+        </p:txBody>
+      </p:sp>
+      <p:sp>
+        <p:nvSpPr>
+          <p:cNvPr id="2" name="Title 1">
+            <a:extLst>
+              <a:ext uri="{FF2B5EF4-FFF2-40B4-BE49-F238E27FC236}">
+                <a16:creationId xmlns:a16="http://schemas.microsoft.com/office/drawing/2014/main" id="{2E78BD97-BCE1-DBA1-E4AD-5AE84DC6EA12}"/>
+              </a:ext>
+            </a:extLst>
+          </p:cNvPr>
+          <p:cNvSpPr>
+            <a:spLocks noGrp="1"/>
+          </p:cNvSpPr>
+          <p:nvPr>
+            <p:ph type="title"/>
+          </p:nvPr>
+        </p:nvSpPr>
+        <p:spPr>
+          <a:xfrm>
+            <a:off x="699714" y="353160"/>
+            <a:ext cx="7091300" cy="898581"/>
+          </a:xfrm>
+        </p:spPr>
+        <p:txBody>
+          <a:bodyPr vert="horz" lIns="91440" tIns="45720" rIns="91440" bIns="45720" rtlCol="0" anchor="ctr">
+            <a:normAutofit/>
+          </a:bodyPr>
+          <a:lstStyle/>
+          <a:p>
+            <a:r>
+              <a:rPr lang="pl-PL" sz="4000" b="0" i="0" noProof="0" dirty="0">
+                <a:solidFill>
+                  <a:srgbClr val="FFFFFF"/>
+                </a:solidFill>
+                <a:effectLst/>
+              </a:rPr>
+              <a:t>👨‍💻 </a:t>
+            </a:r>
+            <a:r>
+              <a:rPr lang="pl-PL" sz="4000" b="1" i="0" noProof="0" dirty="0">
+                <a:solidFill>
+                  <a:srgbClr val="FFFFFF"/>
+                </a:solidFill>
+                <a:effectLst/>
+              </a:rPr>
+              <a:t>Implementacja C++</a:t>
+            </a:r>
+            <a:endParaRPr lang="pl-PL" sz="4000" noProof="0" dirty="0">
+              <a:solidFill>
+                <a:srgbClr val="FFFFFF"/>
+              </a:solidFill>
+            </a:endParaRPr>
+          </a:p>
+        </p:txBody>
+      </p:sp>
+      <p:pic>
+        <p:nvPicPr>
+          <p:cNvPr id="9" name="Picture 8">
+            <a:extLst>
+              <a:ext uri="{FF2B5EF4-FFF2-40B4-BE49-F238E27FC236}">
+                <a16:creationId xmlns:a16="http://schemas.microsoft.com/office/drawing/2014/main" id="{C9E09F26-CD88-F6E7-EF5C-F39CCF1526BD}"/>
+              </a:ext>
+            </a:extLst>
+          </p:cNvPr>
+          <p:cNvPicPr>
+            <a:picLocks noChangeAspect="1"/>
+          </p:cNvPicPr>
+          <p:nvPr/>
+        </p:nvPicPr>
+        <p:blipFill>
+          <a:blip r:embed="rId2"/>
+          <a:stretch>
+            <a:fillRect/>
+          </a:stretch>
+        </p:blipFill>
+        <p:spPr>
+          <a:xfrm>
+            <a:off x="971668" y="2181426"/>
+            <a:ext cx="4875167" cy="3997637"/>
+          </a:xfrm>
+          <a:prstGeom prst="rect">
+            <a:avLst/>
+          </a:prstGeom>
+        </p:spPr>
+      </p:pic>
+      <p:pic>
+        <p:nvPicPr>
+          <p:cNvPr id="11" name="Content Placeholder 10">
+            <a:extLst>
+              <a:ext uri="{FF2B5EF4-FFF2-40B4-BE49-F238E27FC236}">
+                <a16:creationId xmlns:a16="http://schemas.microsoft.com/office/drawing/2014/main" id="{CB888797-14CE-839A-78B0-408EFEC6B063}"/>
+              </a:ext>
+            </a:extLst>
+          </p:cNvPr>
+          <p:cNvPicPr>
+            <a:picLocks noGrp="1" noChangeAspect="1"/>
+          </p:cNvPicPr>
+          <p:nvPr>
+            <p:ph idx="1"/>
+          </p:nvPr>
+        </p:nvPicPr>
+        <p:blipFill>
+          <a:blip r:embed="rId3"/>
+          <a:stretch>
+            <a:fillRect/>
+          </a:stretch>
+        </p:blipFill>
+        <p:spPr>
+          <a:xfrm>
+            <a:off x="6345165" y="2217815"/>
+            <a:ext cx="4717204" cy="3997831"/>
+          </a:xfrm>
+          <a:prstGeom prst="rect">
+            <a:avLst/>
+          </a:prstGeom>
+        </p:spPr>
+      </p:pic>
+    </p:spTree>
+    <p:extLst>
+      <p:ext uri="{BB962C8B-B14F-4D97-AF65-F5344CB8AC3E}">
+        <p14:creationId xmlns:p14="http://schemas.microsoft.com/office/powerpoint/2010/main" val="3184100509"/>
+      </p:ext>
+    </p:extLst>
+  </p:cSld>
+  <p:clrMapOvr>
+    <a:masterClrMapping/>
+  </p:clrMapOvr>
+</p:sld>
+</file>
+
+<file path=ppt/slides/slide23.xml><?xml version="1.0" encoding="utf-8"?>
+<p:sld xmlns:a="http://schemas.openxmlformats.org/drawingml/2006/main" xmlns:r="http://schemas.openxmlformats.org/officeDocument/2006/relationships" xmlns:p="http://schemas.openxmlformats.org/presentationml/2006/main">
+  <p:cSld>
+    <p:bg>
+      <p:bgPr>
+        <a:solidFill>
+          <a:schemeClr val="bg1"/>
+        </a:solidFill>
+        <a:effectLst/>
+      </p:bgPr>
+    </p:bg>
+    <p:spTree>
+      <p:nvGrpSpPr>
+        <p:cNvPr id="1" name=""/>
+        <p:cNvGrpSpPr/>
+        <p:nvPr/>
+      </p:nvGrpSpPr>
+      <p:grpSpPr>
+        <a:xfrm>
+          <a:off x="0" y="0"/>
+          <a:ext cx="0" cy="0"/>
+          <a:chOff x="0" y="0"/>
+          <a:chExt cx="0" cy="0"/>
+        </a:xfrm>
+      </p:grpSpPr>
+      <p:sp useBgFill="1">
+        <p:nvSpPr>
+          <p:cNvPr id="22" name="Rectangle 21">
+            <a:extLst>
+              <a:ext uri="{FF2B5EF4-FFF2-40B4-BE49-F238E27FC236}">
+                <a16:creationId xmlns:a16="http://schemas.microsoft.com/office/drawing/2014/main" id="{1B15ED52-F352-441B-82BF-E0EA34836D08}"/>
+              </a:ext>
+              <a:ext uri="{C183D7F6-B498-43B3-948B-1728B52AA6E4}">
+                <adec:decorative xmlns:adec="http://schemas.microsoft.com/office/drawing/2017/decorative" val="1"/>
+              </a:ext>
+            </a:extLst>
+          </p:cNvPr>
+          <p:cNvSpPr>
+            <a:spLocks noGrp="1" noRot="1" noChangeAspect="1" noMove="1" noResize="1" noEditPoints="1" noAdjustHandles="1" noChangeArrowheads="1" noChangeShapeType="1" noTextEdit="1"/>
+          </p:cNvSpPr>
+          <p:nvPr>
+            <p:extLst>
+              <p:ext uri="{386F3935-93C4-4BCD-93E2-E3B085C9AB24}">
+                <p16:designElem xmlns:p16="http://schemas.microsoft.com/office/powerpoint/2015/main" val="1"/>
+              </p:ext>
+            </p:extLst>
+          </p:nvPr>
+        </p:nvSpPr>
+        <p:spPr>
+          <a:xfrm>
+            <a:off x="0" y="0"/>
+            <a:ext cx="12192000" cy="6858000"/>
+          </a:xfrm>
+          <a:prstGeom prst="rect">
+            <a:avLst/>
+          </a:prstGeom>
+          <a:ln w="12700" cap="flat" cmpd="sng" algn="ctr">
+            <a:noFill/>
+            <a:prstDash val="solid"/>
+            <a:miter lim="800000"/>
+          </a:ln>
+          <a:effectLst/>
+          <a:extLst>
+            <a:ext uri="{91240B29-F687-4F45-9708-019B960494DF}">
+              <a14:hiddenLine xmlns:a14="http://schemas.microsoft.com/office/drawing/2010/main" w="12700" cap="flat" cmpd="sng" algn="ctr">
+                <a:solidFill>
+                  <a:schemeClr val="accent1">
+                    <a:shade val="50000"/>
+                  </a:schemeClr>
+                </a:solidFill>
+                <a:prstDash val="solid"/>
+                <a:miter lim="800000"/>
+              </a14:hiddenLine>
+            </a:ext>
+          </a:extLst>
+        </p:spPr>
+        <p:style>
+          <a:lnRef idx="2">
+            <a:schemeClr val="accent1">
+              <a:shade val="50000"/>
+            </a:schemeClr>
+          </a:lnRef>
+          <a:fillRef idx="1">
+            <a:schemeClr val="accent1"/>
+          </a:fillRef>
+          <a:effectRef idx="0">
+            <a:schemeClr val="accent1"/>
+          </a:effectRef>
+          <a:fontRef idx="minor">
+            <a:schemeClr val="lt1"/>
+          </a:fontRef>
+        </p:style>
+        <p:txBody>
+          <a:bodyPr rtlCol="0" anchor="ctr"/>
+          <a:lstStyle/>
+          <a:p>
+            <a:pPr algn="ctr"/>
             <a:endParaRPr lang="pl-PL" noProof="0" dirty="0"/>
           </a:p>
         </p:txBody>
@@ -13539,7 +15201,7 @@
 </p:sld>
 </file>
 
-<file path=ppt/slides/slide21.xml><?xml version="1.0" encoding="utf-8"?>
+<file path=ppt/slides/slide24.xml><?xml version="1.0" encoding="utf-8"?>
 <p:sld xmlns:a="http://schemas.openxmlformats.org/drawingml/2006/main" xmlns:r="http://schemas.openxmlformats.org/officeDocument/2006/relationships" xmlns:p="http://schemas.openxmlformats.org/presentationml/2006/main">
   <p:cSld>
     <p:bg>
@@ -14215,7 +15877,7 @@
 </p:sld>
 </file>
 
-<file path=ppt/slides/slide22.xml><?xml version="1.0" encoding="utf-8"?>
+<file path=ppt/slides/slide25.xml><?xml version="1.0" encoding="utf-8"?>
 <p:sld xmlns:a="http://schemas.openxmlformats.org/drawingml/2006/main" xmlns:r="http://schemas.openxmlformats.org/officeDocument/2006/relationships" xmlns:p="http://schemas.openxmlformats.org/presentationml/2006/main">
   <p:cSld>
     <p:bg>
@@ -17680,7 +19342,7 @@
         </p:nvSpPr>
         <p:spPr>
           <a:xfrm>
-            <a:off x="315309" y="586855"/>
+            <a:off x="227386" y="508701"/>
             <a:ext cx="3671603" cy="3387497"/>
           </a:xfrm>
         </p:spPr>
@@ -17770,6 +19432,11 @@
               <a:rPr lang="pl-PL" sz="1700" b="1" noProof="0" dirty="0"/>
               <a:t>Co to jest?</a:t>
             </a:r>
+            <a:r>
+              <a:rPr lang="pl-PL" sz="1700" b="1" dirty="0"/>
+              <a:t> (Software)</a:t>
+            </a:r>
+            <a:endParaRPr lang="pl-PL" sz="1700" b="1" noProof="0" dirty="0"/>
           </a:p>
           <a:p>
             <a:pPr marL="0" indent="0">
@@ -17808,22 +19475,7 @@
             <a:pPr marL="0" indent="0">
               <a:buNone/>
             </a:pPr>
-            <a:r>
-              <a:rPr lang="pl-PL" sz="1700" b="1" noProof="0" dirty="0"/>
-              <a:t>Wielowątkowość</a:t>
-            </a:r>
-            <a:r>
-              <a:rPr lang="pl-PL" sz="1700" noProof="0" dirty="0"/>
-              <a:t> może także odnosić się do samych procesorów. W takim przypadku oznacza ona możliwość jednoczesnego wykonywania wielu wątków w sposób sprzętowy na pojedynczej jednostce wykonawczej – rdzeniu fizycznym (ang. </a:t>
-            </a:r>
-            <a:r>
-              <a:rPr lang="pl-PL" sz="1700" noProof="0" dirty="0" err="1"/>
-              <a:t>core</a:t>
-            </a:r>
-            <a:r>
-              <a:rPr lang="pl-PL" sz="1700" noProof="0" dirty="0"/>
-              <a:t>). Wielowątkowość w procesorach możliwa jest do zrealizowania dzięki temu, że w danym momencie nie wszystkie części rdzenia są w jednakowym stopniu wykorzystywane przez pojedynczy wątek (ciąg instrukcji, zadanie). Nieaktywne części rdzenia mogą w tym samym czasie wykonywać inny wątek, zwiększając efektywność wykorzystania całego procesora, a tym samym jego wydajność.</a:t>
-            </a:r>
+            <a:endParaRPr lang="pl-PL" sz="1700" noProof="0" dirty="0"/>
           </a:p>
         </p:txBody>
       </p:sp>
@@ -18000,109 +19652,6 @@
                       </p:childTnLst>
                     </p:cTn>
                   </p:par>
-                  <p:par>
-                    <p:cTn id="16" fill="hold">
-                      <p:stCondLst>
-                        <p:cond delay="indefinite"/>
-                      </p:stCondLst>
-                      <p:childTnLst>
-                        <p:par>
-                          <p:cTn id="17" fill="hold">
-                            <p:stCondLst>
-                              <p:cond delay="0"/>
-                            </p:stCondLst>
-                            <p:childTnLst>
-                              <p:par>
-                                <p:cTn id="18" presetID="2" presetClass="entr" presetSubtype="4" fill="hold" nodeType="clickEffect">
-                                  <p:stCondLst>
-                                    <p:cond delay="0"/>
-                                  </p:stCondLst>
-                                  <p:childTnLst>
-                                    <p:set>
-                                      <p:cBhvr>
-                                        <p:cTn id="19" dur="1" fill="hold">
-                                          <p:stCondLst>
-                                            <p:cond delay="0"/>
-                                          </p:stCondLst>
-                                        </p:cTn>
-                                        <p:tgtEl>
-                                          <p:spTgt spid="3">
-                                            <p:txEl>
-                                              <p:pRg st="4" end="4"/>
-                                            </p:txEl>
-                                          </p:spTgt>
-                                        </p:tgtEl>
-                                        <p:attrNameLst>
-                                          <p:attrName>style.visibility</p:attrName>
-                                        </p:attrNameLst>
-                                      </p:cBhvr>
-                                      <p:to>
-                                        <p:strVal val="visible"/>
-                                      </p:to>
-                                    </p:set>
-                                    <p:anim calcmode="lin" valueType="num">
-                                      <p:cBhvr additive="base">
-                                        <p:cTn id="20" dur="500" fill="hold"/>
-                                        <p:tgtEl>
-                                          <p:spTgt spid="3">
-                                            <p:txEl>
-                                              <p:pRg st="4" end="4"/>
-                                            </p:txEl>
-                                          </p:spTgt>
-                                        </p:tgtEl>
-                                        <p:attrNameLst>
-                                          <p:attrName>ppt_x</p:attrName>
-                                        </p:attrNameLst>
-                                      </p:cBhvr>
-                                      <p:tavLst>
-                                        <p:tav tm="0">
-                                          <p:val>
-                                            <p:strVal val="#ppt_x"/>
-                                          </p:val>
-                                        </p:tav>
-                                        <p:tav tm="100000">
-                                          <p:val>
-                                            <p:strVal val="#ppt_x"/>
-                                          </p:val>
-                                        </p:tav>
-                                      </p:tavLst>
-                                    </p:anim>
-                                    <p:anim calcmode="lin" valueType="num">
-                                      <p:cBhvr additive="base">
-                                        <p:cTn id="21" dur="500" fill="hold"/>
-                                        <p:tgtEl>
-                                          <p:spTgt spid="3">
-                                            <p:txEl>
-                                              <p:pRg st="4" end="4"/>
-                                            </p:txEl>
-                                          </p:spTgt>
-                                        </p:tgtEl>
-                                        <p:attrNameLst>
-                                          <p:attrName>ppt_y</p:attrName>
-                                        </p:attrNameLst>
-                                      </p:cBhvr>
-                                      <p:tavLst>
-                                        <p:tav tm="0">
-                                          <p:val>
-                                            <p:strVal val="1+#ppt_h/2"/>
-                                          </p:val>
-                                        </p:tav>
-                                        <p:tav tm="100000">
-                                          <p:val>
-                                            <p:strVal val="#ppt_y"/>
-                                          </p:val>
-                                        </p:tav>
-                                      </p:tavLst>
-                                    </p:anim>
-                                  </p:childTnLst>
-                                </p:cTn>
-                              </p:par>
-                            </p:childTnLst>
-                          </p:cTn>
-                        </p:par>
-                      </p:childTnLst>
-                    </p:cTn>
-                  </p:par>
                 </p:childTnLst>
               </p:cTn>
               <p:prevCondLst>
@@ -18144,7 +19693,13 @@
     </p:bg>
     <p:spTree>
       <p:nvGrpSpPr>
-        <p:cNvPr id="1" name=""/>
+        <p:cNvPr id="1" name="">
+          <a:extLst>
+            <a:ext uri="{FF2B5EF4-FFF2-40B4-BE49-F238E27FC236}">
+              <a16:creationId xmlns:a16="http://schemas.microsoft.com/office/drawing/2014/main" id="{9E9E8922-4254-7FCA-8DC6-BBE7721B3E5C}"/>
+            </a:ext>
+          </a:extLst>
+        </p:cNvPr>
         <p:cNvGrpSpPr/>
         <p:nvPr/>
       </p:nvGrpSpPr>
@@ -18161,7 +19716,7 @@
           <p:cNvPr id="8" name="Rectangle 7">
             <a:extLst>
               <a:ext uri="{FF2B5EF4-FFF2-40B4-BE49-F238E27FC236}">
-                <a16:creationId xmlns:a16="http://schemas.microsoft.com/office/drawing/2014/main" id="{09588DA8-065E-4F6F-8EFD-43104AB2E0CF}"/>
+                <a16:creationId xmlns:a16="http://schemas.microsoft.com/office/drawing/2014/main" id="{340A36DE-926F-72F3-1B81-8E0B48A439B1}"/>
               </a:ext>
               <a:ext uri="{C183D7F6-B498-43B3-948B-1728B52AA6E4}">
                 <adec:decorative xmlns:adec="http://schemas.microsoft.com/office/drawing/2017/decorative" val="1"/>
@@ -18237,7 +19792,7 @@
           <p:cNvPr id="10" name="Rectangle 9">
             <a:extLst>
               <a:ext uri="{FF2B5EF4-FFF2-40B4-BE49-F238E27FC236}">
-                <a16:creationId xmlns:a16="http://schemas.microsoft.com/office/drawing/2014/main" id="{C4285719-470E-454C-AF62-8323075F1F5B}"/>
+                <a16:creationId xmlns:a16="http://schemas.microsoft.com/office/drawing/2014/main" id="{608DEAF2-ADBD-E55A-0558-7F790BDBEEC2}"/>
               </a:ext>
               <a:ext uri="{C183D7F6-B498-43B3-948B-1728B52AA6E4}">
                 <adec:decorative xmlns:adec="http://schemas.microsoft.com/office/drawing/2017/decorative" val="1"/>
@@ -18313,7 +19868,7 @@
           <p:cNvPr id="12" name="Rectangle 11">
             <a:extLst>
               <a:ext uri="{FF2B5EF4-FFF2-40B4-BE49-F238E27FC236}">
-                <a16:creationId xmlns:a16="http://schemas.microsoft.com/office/drawing/2014/main" id="{CD9FE4EF-C4D8-49A0-B2FF-81D8DB7D8A24}"/>
+                <a16:creationId xmlns:a16="http://schemas.microsoft.com/office/drawing/2014/main" id="{4E328DA5-0FE8-DADF-E537-0588D73EDEDC}"/>
               </a:ext>
               <a:ext uri="{C183D7F6-B498-43B3-948B-1728B52AA6E4}">
                 <adec:decorative xmlns:adec="http://schemas.microsoft.com/office/drawing/2017/decorative" val="1"/>
@@ -18386,7 +19941,7 @@
           <p:cNvPr id="14" name="Rectangle 13">
             <a:extLst>
               <a:ext uri="{FF2B5EF4-FFF2-40B4-BE49-F238E27FC236}">
-                <a16:creationId xmlns:a16="http://schemas.microsoft.com/office/drawing/2014/main" id="{4300840D-0A0B-4512-BACA-B439D5B9C57C}"/>
+                <a16:creationId xmlns:a16="http://schemas.microsoft.com/office/drawing/2014/main" id="{5A9D0904-73EA-F734-4604-4AABCEC817F7}"/>
               </a:ext>
               <a:ext uri="{C183D7F6-B498-43B3-948B-1728B52AA6E4}">
                 <adec:decorative xmlns:adec="http://schemas.microsoft.com/office/drawing/2017/decorative" val="1"/>
@@ -18461,7 +20016,7 @@
           <p:cNvPr id="16" name="Rectangle 15">
             <a:extLst>
               <a:ext uri="{FF2B5EF4-FFF2-40B4-BE49-F238E27FC236}">
-                <a16:creationId xmlns:a16="http://schemas.microsoft.com/office/drawing/2014/main" id="{D2B78728-A580-49A7-84F9-6EF6F583ADE0}"/>
+                <a16:creationId xmlns:a16="http://schemas.microsoft.com/office/drawing/2014/main" id="{4AF8D6C6-C2DF-E53F-C9DE-ACF7DF10884D}"/>
               </a:ext>
               <a:ext uri="{C183D7F6-B498-43B3-948B-1728B52AA6E4}">
                 <adec:decorative xmlns:adec="http://schemas.microsoft.com/office/drawing/2017/decorative" val="1"/>
@@ -18536,7 +20091,7 @@
           <p:cNvPr id="18" name="Freeform: Shape 17">
             <a:extLst>
               <a:ext uri="{FF2B5EF4-FFF2-40B4-BE49-F238E27FC236}">
-                <a16:creationId xmlns:a16="http://schemas.microsoft.com/office/drawing/2014/main" id="{38FAA1A1-D861-433F-88FA-1E9D6FD31D11}"/>
+                <a16:creationId xmlns:a16="http://schemas.microsoft.com/office/drawing/2014/main" id="{38DBA203-8021-6885-2E3E-961D081C7895}"/>
               </a:ext>
               <a:ext uri="{C183D7F6-B498-43B3-948B-1728B52AA6E4}">
                 <adec:decorative xmlns:adec="http://schemas.microsoft.com/office/drawing/2017/decorative" val="1"/>
@@ -18706,7 +20261,7 @@
           <p:cNvPr id="20" name="Rectangle 19">
             <a:extLst>
               <a:ext uri="{FF2B5EF4-FFF2-40B4-BE49-F238E27FC236}">
-                <a16:creationId xmlns:a16="http://schemas.microsoft.com/office/drawing/2014/main" id="{8D71EDA1-87BF-4D5D-AB79-F346FD19278A}"/>
+                <a16:creationId xmlns:a16="http://schemas.microsoft.com/office/drawing/2014/main" id="{437D5A6E-DB05-788F-A4EB-8371FF67F840}"/>
               </a:ext>
               <a:ext uri="{C183D7F6-B498-43B3-948B-1728B52AA6E4}">
                 <adec:decorative xmlns:adec="http://schemas.microsoft.com/office/drawing/2017/decorative" val="1"/>
@@ -18783,6 +20338,1068 @@
           <p:cNvPr id="2" name="Title 1">
             <a:extLst>
               <a:ext uri="{FF2B5EF4-FFF2-40B4-BE49-F238E27FC236}">
+                <a16:creationId xmlns:a16="http://schemas.microsoft.com/office/drawing/2014/main" id="{854BC661-43D3-8407-6BEA-30F7535395D7}"/>
+              </a:ext>
+            </a:extLst>
+          </p:cNvPr>
+          <p:cNvSpPr>
+            <a:spLocks noGrp="1"/>
+          </p:cNvSpPr>
+          <p:nvPr>
+            <p:ph type="title"/>
+          </p:nvPr>
+        </p:nvSpPr>
+        <p:spPr>
+          <a:xfrm>
+            <a:off x="227386" y="508701"/>
+            <a:ext cx="3671603" cy="3387497"/>
+          </a:xfrm>
+        </p:spPr>
+        <p:txBody>
+          <a:bodyPr anchor="b">
+            <a:normAutofit/>
+          </a:bodyPr>
+          <a:lstStyle/>
+          <a:p>
+            <a:pPr algn="r"/>
+            <a:r>
+              <a:rPr lang="pl-PL" sz="3100" noProof="0" dirty="0">
+                <a:solidFill>
+                  <a:srgbClr val="FFFFFF"/>
+                </a:solidFill>
+              </a:rPr>
+              <a:t>⚙️ </a:t>
+            </a:r>
+            <a:r>
+              <a:rPr lang="pl-PL" sz="3100" b="1" noProof="0" dirty="0">
+                <a:solidFill>
+                  <a:srgbClr val="FFFFFF"/>
+                </a:solidFill>
+              </a:rPr>
+              <a:t>Wielowątkowość (</a:t>
+            </a:r>
+            <a:r>
+              <a:rPr lang="pl-PL" sz="3100" b="1" noProof="0" dirty="0" err="1">
+                <a:solidFill>
+                  <a:srgbClr val="FFFFFF"/>
+                </a:solidFill>
+              </a:rPr>
+              <a:t>multithreading</a:t>
+            </a:r>
+            <a:r>
+              <a:rPr lang="pl-PL" sz="3100" b="1" noProof="0" dirty="0">
+                <a:solidFill>
+                  <a:srgbClr val="FFFFFF"/>
+                </a:solidFill>
+              </a:rPr>
+              <a:t>)</a:t>
+            </a:r>
+            <a:endParaRPr lang="pl-PL" sz="3100" noProof="0" dirty="0">
+              <a:solidFill>
+                <a:srgbClr val="FFFFFF"/>
+              </a:solidFill>
+            </a:endParaRPr>
+          </a:p>
+        </p:txBody>
+      </p:sp>
+      <p:sp>
+        <p:nvSpPr>
+          <p:cNvPr id="3" name="Content Placeholder 2">
+            <a:extLst>
+              <a:ext uri="{FF2B5EF4-FFF2-40B4-BE49-F238E27FC236}">
+                <a16:creationId xmlns:a16="http://schemas.microsoft.com/office/drawing/2014/main" id="{DF611B31-B055-AC15-FC3F-A5BEDA8C7C06}"/>
+              </a:ext>
+            </a:extLst>
+          </p:cNvPr>
+          <p:cNvSpPr>
+            <a:spLocks noGrp="1"/>
+          </p:cNvSpPr>
+          <p:nvPr>
+            <p:ph idx="1"/>
+          </p:nvPr>
+        </p:nvSpPr>
+        <p:spPr>
+          <a:xfrm>
+            <a:off x="4810259" y="649480"/>
+            <a:ext cx="6555347" cy="5546047"/>
+          </a:xfrm>
+        </p:spPr>
+        <p:txBody>
+          <a:bodyPr anchor="ctr">
+            <a:normAutofit/>
+          </a:bodyPr>
+          <a:lstStyle/>
+          <a:p>
+            <a:pPr marL="0" indent="0">
+              <a:buNone/>
+            </a:pPr>
+            <a:r>
+              <a:rPr lang="pl-PL" sz="1700" noProof="0" dirty="0"/>
+              <a:t>📘 </a:t>
+            </a:r>
+            <a:r>
+              <a:rPr lang="pl-PL" sz="1700" b="1" noProof="0" dirty="0"/>
+              <a:t>Co to jest?</a:t>
+            </a:r>
+            <a:r>
+              <a:rPr lang="pl-PL" sz="1700" b="1" dirty="0"/>
+              <a:t> (Hardware)</a:t>
+            </a:r>
+            <a:endParaRPr lang="en-US" sz="1700" noProof="0" dirty="0"/>
+          </a:p>
+          <a:p>
+            <a:pPr marL="0" indent="0">
+              <a:buNone/>
+            </a:pPr>
+            <a:endParaRPr lang="pl-PL" sz="1700" b="1" dirty="0"/>
+          </a:p>
+          <a:p>
+            <a:pPr marL="0" indent="0">
+              <a:buNone/>
+            </a:pPr>
+            <a:r>
+              <a:rPr lang="pl-PL" sz="1700" b="1" noProof="0" dirty="0"/>
+              <a:t>Wielowątkowość</a:t>
+            </a:r>
+            <a:r>
+              <a:rPr lang="pl-PL" sz="1700" noProof="0" dirty="0"/>
+              <a:t> </a:t>
+            </a:r>
+            <a:r>
+              <a:rPr lang="pl-PL" sz="1700" dirty="0"/>
+              <a:t>może także odnosić się do samych procesorów. W takim przypadku oznacza ona możliwość jednoczesnego wykonywania wielu wątków w sposób sprzętowy na pojedynczej jednostce wykonawczej – rdzeniu fizycznym </a:t>
+            </a:r>
+            <a:r>
+              <a:rPr lang="pl-PL" sz="1700" noProof="0" dirty="0"/>
+              <a:t>(ang. </a:t>
+            </a:r>
+            <a:r>
+              <a:rPr lang="pl-PL" sz="1700" err="1"/>
+              <a:t>core</a:t>
+            </a:r>
+            <a:r>
+              <a:rPr lang="pl-PL" sz="1700" dirty="0"/>
+              <a:t>). Wielowątkowość w procesorach możliwa jest do zrealizowania dzięki temu</a:t>
+            </a:r>
+            <a:r>
+              <a:rPr lang="pl-PL" sz="1700" noProof="0" dirty="0"/>
+              <a:t>, </a:t>
+            </a:r>
+            <a:r>
+              <a:rPr lang="pl-PL" sz="1700" dirty="0"/>
+              <a:t>że w danym momencie nie wszystkie części rdzenia są </a:t>
+            </a:r>
+            <a:r>
+              <a:rPr lang="pl-PL" sz="1700" noProof="0" dirty="0"/>
+              <a:t>w </a:t>
+            </a:r>
+            <a:r>
+              <a:rPr lang="pl-PL" sz="1700" dirty="0"/>
+              <a:t>jednakowym stopniu wykorzystywane przez pojedynczy wątek (ciąg </a:t>
+            </a:r>
+            <a:r>
+              <a:rPr lang="pl-PL" sz="1700" noProof="0" dirty="0"/>
+              <a:t>instrukcji</a:t>
+            </a:r>
+            <a:r>
+              <a:rPr lang="pl-PL" sz="1700" dirty="0"/>
+              <a:t>, zadanie). Nieaktywne części rdzenia mogą</a:t>
+            </a:r>
+            <a:r>
+              <a:rPr lang="pl-PL" sz="1700" noProof="0" dirty="0"/>
+              <a:t> w </a:t>
+            </a:r>
+            <a:r>
+              <a:rPr lang="pl-PL" sz="1700" dirty="0"/>
+              <a:t>tym samym czasie wykonywać inny wątek, zwiększając efektywność wykorzystania całego procesora, a tym samym </a:t>
+            </a:r>
+            <a:r>
+              <a:rPr lang="pl-PL" sz="1700" noProof="0" dirty="0"/>
+              <a:t>jego </a:t>
+            </a:r>
+            <a:r>
+              <a:rPr lang="pl-PL" sz="1700" dirty="0"/>
+              <a:t>wydajność</a:t>
+            </a:r>
+            <a:r>
+              <a:rPr lang="pl-PL" sz="1700" noProof="0" dirty="0"/>
+              <a:t>.</a:t>
+            </a:r>
+            <a:endParaRPr lang="pl-PL" dirty="0"/>
+          </a:p>
+          <a:p>
+            <a:pPr marL="0" indent="0">
+              <a:buNone/>
+            </a:pPr>
+            <a:endParaRPr lang="pl-PL" sz="1700" b="1" noProof="0" dirty="0"/>
+          </a:p>
+          <a:p>
+            <a:pPr marL="0" indent="0">
+              <a:buNone/>
+            </a:pPr>
+            <a:endParaRPr lang="pl-PL" sz="1700" noProof="0" dirty="0"/>
+          </a:p>
+          <a:p>
+            <a:pPr marL="0" indent="0">
+              <a:buNone/>
+            </a:pPr>
+            <a:endParaRPr lang="pl-PL" sz="1700" noProof="0" dirty="0"/>
+          </a:p>
+        </p:txBody>
+      </p:sp>
+    </p:spTree>
+    <p:extLst>
+      <p:ext uri="{BB962C8B-B14F-4D97-AF65-F5344CB8AC3E}">
+        <p14:creationId xmlns:p14="http://schemas.microsoft.com/office/powerpoint/2010/main" val="4241582282"/>
+      </p:ext>
+    </p:extLst>
+  </p:cSld>
+  <p:clrMapOvr>
+    <a:masterClrMapping/>
+  </p:clrMapOvr>
+  <p:timing>
+    <p:tnLst>
+      <p:par>
+        <p:cTn id="1" dur="indefinite" restart="never" nodeType="tmRoot">
+          <p:childTnLst>
+            <p:seq concurrent="1" nextAc="seek">
+              <p:cTn id="2" dur="indefinite" nodeType="mainSeq">
+                <p:childTnLst>
+                  <p:par>
+                    <p:cTn id="3" fill="hold">
+                      <p:stCondLst>
+                        <p:cond delay="indefinite"/>
+                      </p:stCondLst>
+                      <p:childTnLst>
+                        <p:par>
+                          <p:cTn id="4" fill="hold">
+                            <p:stCondLst>
+                              <p:cond delay="0"/>
+                            </p:stCondLst>
+                            <p:childTnLst>
+                              <p:par>
+                                <p:cTn id="5" presetID="1" presetClass="entr" presetSubtype="0" fill="hold" grpId="0" nodeType="clickEffect">
+                                  <p:stCondLst>
+                                    <p:cond delay="0"/>
+                                  </p:stCondLst>
+                                  <p:childTnLst>
+                                    <p:set>
+                                      <p:cBhvr>
+                                        <p:cTn id="6" dur="1" fill="hold">
+                                          <p:stCondLst>
+                                            <p:cond delay="0"/>
+                                          </p:stCondLst>
+                                        </p:cTn>
+                                        <p:tgtEl>
+                                          <p:spTgt spid="2"/>
+                                        </p:tgtEl>
+                                        <p:attrNameLst>
+                                          <p:attrName>style.visibility</p:attrName>
+                                        </p:attrNameLst>
+                                      </p:cBhvr>
+                                      <p:to>
+                                        <p:strVal val="visible"/>
+                                      </p:to>
+                                    </p:set>
+                                  </p:childTnLst>
+                                </p:cTn>
+                              </p:par>
+                            </p:childTnLst>
+                          </p:cTn>
+                        </p:par>
+                      </p:childTnLst>
+                    </p:cTn>
+                  </p:par>
+                  <p:par>
+                    <p:cTn id="7" fill="hold">
+                      <p:stCondLst>
+                        <p:cond delay="indefinite"/>
+                      </p:stCondLst>
+                      <p:childTnLst>
+                        <p:par>
+                          <p:cTn id="8" fill="hold">
+                            <p:stCondLst>
+                              <p:cond delay="0"/>
+                            </p:stCondLst>
+                            <p:childTnLst>
+                              <p:par>
+                                <p:cTn id="9" presetID="1" presetClass="entr" presetSubtype="0" fill="hold" nodeType="clickEffect">
+                                  <p:stCondLst>
+                                    <p:cond delay="0"/>
+                                  </p:stCondLst>
+                                  <p:childTnLst>
+                                    <p:set>
+                                      <p:cBhvr>
+                                        <p:cTn id="10" dur="1" fill="hold">
+                                          <p:stCondLst>
+                                            <p:cond delay="0"/>
+                                          </p:stCondLst>
+                                        </p:cTn>
+                                        <p:tgtEl>
+                                          <p:spTgt spid="3">
+                                            <p:txEl>
+                                              <p:pRg st="0" end="0"/>
+                                            </p:txEl>
+                                          </p:spTgt>
+                                        </p:tgtEl>
+                                        <p:attrNameLst>
+                                          <p:attrName>style.visibility</p:attrName>
+                                        </p:attrNameLst>
+                                      </p:cBhvr>
+                                      <p:to>
+                                        <p:strVal val="visible"/>
+                                      </p:to>
+                                    </p:set>
+                                  </p:childTnLst>
+                                </p:cTn>
+                              </p:par>
+                            </p:childTnLst>
+                          </p:cTn>
+                        </p:par>
+                      </p:childTnLst>
+                    </p:cTn>
+                  </p:par>
+                  <p:par>
+                    <p:cTn id="11" fill="hold">
+                      <p:stCondLst>
+                        <p:cond delay="indefinite"/>
+                      </p:stCondLst>
+                      <p:childTnLst>
+                        <p:par>
+                          <p:cTn id="12" fill="hold">
+                            <p:stCondLst>
+                              <p:cond delay="0"/>
+                            </p:stCondLst>
+                            <p:childTnLst>
+                              <p:par>
+                                <p:cTn id="13" presetID="10" presetClass="entr" presetSubtype="0" fill="hold" nodeType="clickEffect">
+                                  <p:stCondLst>
+                                    <p:cond delay="0"/>
+                                  </p:stCondLst>
+                                  <p:childTnLst>
+                                    <p:set>
+                                      <p:cBhvr>
+                                        <p:cTn id="14" dur="1" fill="hold">
+                                          <p:stCondLst>
+                                            <p:cond delay="0"/>
+                                          </p:stCondLst>
+                                        </p:cTn>
+                                        <p:tgtEl>
+                                          <p:spTgt spid="3">
+                                            <p:txEl>
+                                              <p:pRg st="2" end="2"/>
+                                            </p:txEl>
+                                          </p:spTgt>
+                                        </p:tgtEl>
+                                        <p:attrNameLst>
+                                          <p:attrName>style.visibility</p:attrName>
+                                        </p:attrNameLst>
+                                      </p:cBhvr>
+                                      <p:to>
+                                        <p:strVal val="visible"/>
+                                      </p:to>
+                                    </p:set>
+                                    <p:animEffect transition="in" filter="fade">
+                                      <p:cBhvr>
+                                        <p:cTn id="15" dur="500"/>
+                                        <p:tgtEl>
+                                          <p:spTgt spid="3">
+                                            <p:txEl>
+                                              <p:pRg st="2" end="2"/>
+                                            </p:txEl>
+                                          </p:spTgt>
+                                        </p:tgtEl>
+                                      </p:cBhvr>
+                                    </p:animEffect>
+                                  </p:childTnLst>
+                                </p:cTn>
+                              </p:par>
+                            </p:childTnLst>
+                          </p:cTn>
+                        </p:par>
+                      </p:childTnLst>
+                    </p:cTn>
+                  </p:par>
+                </p:childTnLst>
+              </p:cTn>
+              <p:prevCondLst>
+                <p:cond evt="onPrev" delay="0">
+                  <p:tgtEl>
+                    <p:sldTgt/>
+                  </p:tgtEl>
+                </p:cond>
+              </p:prevCondLst>
+              <p:nextCondLst>
+                <p:cond evt="onNext" delay="0">
+                  <p:tgtEl>
+                    <p:sldTgt/>
+                  </p:tgtEl>
+                </p:cond>
+              </p:nextCondLst>
+            </p:seq>
+          </p:childTnLst>
+        </p:cTn>
+      </p:par>
+    </p:tnLst>
+    <p:bldLst>
+      <p:bldP spid="2" grpId="0"/>
+    </p:bldLst>
+  </p:timing>
+</p:sld>
+</file>
+
+<file path=ppt/slides/slide8.xml><?xml version="1.0" encoding="utf-8"?>
+<p:sld xmlns:a="http://schemas.openxmlformats.org/drawingml/2006/main" xmlns:r="http://schemas.openxmlformats.org/officeDocument/2006/relationships" xmlns:p="http://schemas.openxmlformats.org/presentationml/2006/main">
+  <p:cSld>
+    <p:bg>
+      <p:bgPr>
+        <a:solidFill>
+          <a:schemeClr val="bg1"/>
+        </a:solidFill>
+        <a:effectLst/>
+      </p:bgPr>
+    </p:bg>
+    <p:spTree>
+      <p:nvGrpSpPr>
+        <p:cNvPr id="1" name=""/>
+        <p:cNvGrpSpPr/>
+        <p:nvPr/>
+      </p:nvGrpSpPr>
+      <p:grpSpPr>
+        <a:xfrm>
+          <a:off x="0" y="0"/>
+          <a:ext cx="0" cy="0"/>
+          <a:chOff x="0" y="0"/>
+          <a:chExt cx="0" cy="0"/>
+        </a:xfrm>
+      </p:grpSpPr>
+      <p:sp useBgFill="1">
+        <p:nvSpPr>
+          <p:cNvPr id="8" name="Rectangle 7">
+            <a:extLst>
+              <a:ext uri="{FF2B5EF4-FFF2-40B4-BE49-F238E27FC236}">
+                <a16:creationId xmlns:a16="http://schemas.microsoft.com/office/drawing/2014/main" id="{09588DA8-065E-4F6F-8EFD-43104AB2E0CF}"/>
+              </a:ext>
+              <a:ext uri="{C183D7F6-B498-43B3-948B-1728B52AA6E4}">
+                <adec:decorative xmlns:adec="http://schemas.microsoft.com/office/drawing/2017/decorative" val="1"/>
+              </a:ext>
+            </a:extLst>
+          </p:cNvPr>
+          <p:cNvSpPr>
+            <a:spLocks noGrp="1" noRot="1" noChangeAspect="1" noMove="1" noResize="1" noEditPoints="1" noAdjustHandles="1" noChangeArrowheads="1" noChangeShapeType="1" noTextEdit="1"/>
+          </p:cNvSpPr>
+          <p:nvPr>
+            <p:extLst>
+              <p:ext uri="{386F3935-93C4-4BCD-93E2-E3B085C9AB24}">
+                <p16:designElem xmlns:p16="http://schemas.microsoft.com/office/powerpoint/2015/main" val="1"/>
+              </p:ext>
+            </p:extLst>
+          </p:nvPr>
+        </p:nvSpPr>
+        <p:spPr>
+          <a:xfrm>
+            <a:off x="0" y="0"/>
+            <a:ext cx="12192000" cy="6858000"/>
+          </a:xfrm>
+          <a:prstGeom prst="rect">
+            <a:avLst/>
+          </a:prstGeom>
+          <a:ln w="12700" cap="flat" cmpd="sng" algn="ctr">
+            <a:noFill/>
+            <a:prstDash val="solid"/>
+            <a:miter lim="800000"/>
+          </a:ln>
+          <a:effectLst/>
+          <a:extLst>
+            <a:ext uri="{91240B29-F687-4F45-9708-019B960494DF}">
+              <a14:hiddenLine xmlns:a14="http://schemas.microsoft.com/office/drawing/2010/main" w="12700" cap="flat" cmpd="sng" algn="ctr">
+                <a:solidFill>
+                  <a:schemeClr val="accent1">
+                    <a:shade val="50000"/>
+                  </a:schemeClr>
+                </a:solidFill>
+                <a:prstDash val="solid"/>
+                <a:miter lim="800000"/>
+              </a14:hiddenLine>
+            </a:ext>
+          </a:extLst>
+        </p:spPr>
+        <p:style>
+          <a:lnRef idx="2">
+            <a:schemeClr val="accent1">
+              <a:shade val="50000"/>
+            </a:schemeClr>
+          </a:lnRef>
+          <a:fillRef idx="1">
+            <a:schemeClr val="accent1"/>
+          </a:fillRef>
+          <a:effectRef idx="0">
+            <a:schemeClr val="accent1"/>
+          </a:effectRef>
+          <a:fontRef idx="minor">
+            <a:schemeClr val="lt1"/>
+          </a:fontRef>
+        </p:style>
+        <p:txBody>
+          <a:bodyPr rtlCol="0" anchor="ctr"/>
+          <a:lstStyle/>
+          <a:p>
+            <a:pPr algn="ctr"/>
+            <a:endParaRPr lang="pl-PL" noProof="0" dirty="0"/>
+          </a:p>
+        </p:txBody>
+      </p:sp>
+      <p:sp useBgFill="1">
+        <p:nvSpPr>
+          <p:cNvPr id="10" name="Rectangle 9">
+            <a:extLst>
+              <a:ext uri="{FF2B5EF4-FFF2-40B4-BE49-F238E27FC236}">
+                <a16:creationId xmlns:a16="http://schemas.microsoft.com/office/drawing/2014/main" id="{C4285719-470E-454C-AF62-8323075F1F5B}"/>
+              </a:ext>
+              <a:ext uri="{C183D7F6-B498-43B3-948B-1728B52AA6E4}">
+                <adec:decorative xmlns:adec="http://schemas.microsoft.com/office/drawing/2017/decorative" val="1"/>
+              </a:ext>
+            </a:extLst>
+          </p:cNvPr>
+          <p:cNvSpPr>
+            <a:spLocks noGrp="1" noRot="1" noChangeAspect="1" noMove="1" noResize="1" noEditPoints="1" noAdjustHandles="1" noChangeArrowheads="1" noChangeShapeType="1" noTextEdit="1"/>
+          </p:cNvSpPr>
+          <p:nvPr>
+            <p:extLst>
+              <p:ext uri="{386F3935-93C4-4BCD-93E2-E3B085C9AB24}">
+                <p16:designElem xmlns:p16="http://schemas.microsoft.com/office/powerpoint/2015/main" val="1"/>
+              </p:ext>
+            </p:extLst>
+          </p:nvPr>
+        </p:nvSpPr>
+        <p:spPr>
+          <a:xfrm>
+            <a:off x="0" y="0"/>
+            <a:ext cx="12188952" cy="6858000"/>
+          </a:xfrm>
+          <a:prstGeom prst="rect">
+            <a:avLst/>
+          </a:prstGeom>
+          <a:ln w="12700" cap="flat" cmpd="sng" algn="ctr">
+            <a:noFill/>
+            <a:prstDash val="solid"/>
+            <a:miter lim="800000"/>
+          </a:ln>
+          <a:effectLst/>
+          <a:extLst>
+            <a:ext uri="{91240B29-F687-4F45-9708-019B960494DF}">
+              <a14:hiddenLine xmlns:a14="http://schemas.microsoft.com/office/drawing/2010/main" w="12700" cap="flat" cmpd="sng" algn="ctr">
+                <a:solidFill>
+                  <a:schemeClr val="accent1">
+                    <a:shade val="50000"/>
+                  </a:schemeClr>
+                </a:solidFill>
+                <a:prstDash val="solid"/>
+                <a:miter lim="800000"/>
+              </a14:hiddenLine>
+            </a:ext>
+          </a:extLst>
+        </p:spPr>
+        <p:style>
+          <a:lnRef idx="2">
+            <a:schemeClr val="accent1">
+              <a:shade val="50000"/>
+            </a:schemeClr>
+          </a:lnRef>
+          <a:fillRef idx="1">
+            <a:schemeClr val="accent1"/>
+          </a:fillRef>
+          <a:effectRef idx="0">
+            <a:schemeClr val="accent1"/>
+          </a:effectRef>
+          <a:fontRef idx="minor">
+            <a:schemeClr val="lt1"/>
+          </a:fontRef>
+        </p:style>
+        <p:txBody>
+          <a:bodyPr rtlCol="0" anchor="ctr"/>
+          <a:lstStyle/>
+          <a:p>
+            <a:pPr algn="ctr"/>
+            <a:endParaRPr lang="pl-PL" noProof="0" dirty="0"/>
+          </a:p>
+        </p:txBody>
+      </p:sp>
+      <p:sp>
+        <p:nvSpPr>
+          <p:cNvPr id="12" name="Rectangle 11">
+            <a:extLst>
+              <a:ext uri="{FF2B5EF4-FFF2-40B4-BE49-F238E27FC236}">
+                <a16:creationId xmlns:a16="http://schemas.microsoft.com/office/drawing/2014/main" id="{CD9FE4EF-C4D8-49A0-B2FF-81D8DB7D8A24}"/>
+              </a:ext>
+              <a:ext uri="{C183D7F6-B498-43B3-948B-1728B52AA6E4}">
+                <adec:decorative xmlns:adec="http://schemas.microsoft.com/office/drawing/2017/decorative" val="1"/>
+              </a:ext>
+            </a:extLst>
+          </p:cNvPr>
+          <p:cNvSpPr>
+            <a:spLocks noGrp="1" noRot="1" noChangeAspect="1" noMove="1" noResize="1" noEditPoints="1" noAdjustHandles="1" noChangeArrowheads="1" noChangeShapeType="1" noTextEdit="1"/>
+          </p:cNvSpPr>
+          <p:nvPr>
+            <p:extLst>
+              <p:ext uri="{386F3935-93C4-4BCD-93E2-E3B085C9AB24}">
+                <p16:designElem xmlns:p16="http://schemas.microsoft.com/office/powerpoint/2015/main" val="1"/>
+              </p:ext>
+            </p:extLst>
+          </p:nvPr>
+        </p:nvSpPr>
+        <p:spPr>
+          <a:xfrm rot="5400000" flipH="1">
+            <a:off x="-1410084" y="1410082"/>
+            <a:ext cx="6858000" cy="4037836"/>
+          </a:xfrm>
+          <a:prstGeom prst="rect">
+            <a:avLst/>
+          </a:prstGeom>
+          <a:gradFill>
+            <a:gsLst>
+              <a:gs pos="8000">
+                <a:srgbClr val="000000"/>
+              </a:gs>
+              <a:gs pos="100000">
+                <a:schemeClr val="accent1">
+                  <a:lumMod val="75000"/>
+                </a:schemeClr>
+              </a:gs>
+            </a:gsLst>
+            <a:lin ang="3000000" scaled="0"/>
+          </a:gradFill>
+          <a:ln>
+            <a:noFill/>
+          </a:ln>
+        </p:spPr>
+        <p:style>
+          <a:lnRef idx="2">
+            <a:schemeClr val="accent1">
+              <a:shade val="50000"/>
+            </a:schemeClr>
+          </a:lnRef>
+          <a:fillRef idx="1">
+            <a:schemeClr val="accent1"/>
+          </a:fillRef>
+          <a:effectRef idx="0">
+            <a:schemeClr val="accent1"/>
+          </a:effectRef>
+          <a:fontRef idx="minor">
+            <a:schemeClr val="lt1"/>
+          </a:fontRef>
+        </p:style>
+        <p:txBody>
+          <a:bodyPr rtlCol="0" anchor="ctr"/>
+          <a:lstStyle/>
+          <a:p>
+            <a:pPr algn="ctr"/>
+            <a:endParaRPr lang="pl-PL" noProof="0" dirty="0"/>
+          </a:p>
+        </p:txBody>
+      </p:sp>
+      <p:sp>
+        <p:nvSpPr>
+          <p:cNvPr id="14" name="Rectangle 13">
+            <a:extLst>
+              <a:ext uri="{FF2B5EF4-FFF2-40B4-BE49-F238E27FC236}">
+                <a16:creationId xmlns:a16="http://schemas.microsoft.com/office/drawing/2014/main" id="{4300840D-0A0B-4512-BACA-B439D5B9C57C}"/>
+              </a:ext>
+              <a:ext uri="{C183D7F6-B498-43B3-948B-1728B52AA6E4}">
+                <adec:decorative xmlns:adec="http://schemas.microsoft.com/office/drawing/2017/decorative" val="1"/>
+              </a:ext>
+            </a:extLst>
+          </p:cNvPr>
+          <p:cNvSpPr>
+            <a:spLocks noGrp="1" noRot="1" noChangeAspect="1" noMove="1" noResize="1" noEditPoints="1" noAdjustHandles="1" noChangeArrowheads="1" noChangeShapeType="1" noTextEdit="1"/>
+          </p:cNvSpPr>
+          <p:nvPr>
+            <p:extLst>
+              <p:ext uri="{386F3935-93C4-4BCD-93E2-E3B085C9AB24}">
+                <p16:designElem xmlns:p16="http://schemas.microsoft.com/office/powerpoint/2015/main" val="1"/>
+              </p:ext>
+            </p:extLst>
+          </p:nvPr>
+        </p:nvSpPr>
+        <p:spPr>
+          <a:xfrm rot="5400000" flipH="1">
+            <a:off x="-1410085" y="1420219"/>
+            <a:ext cx="6857999" cy="4037839"/>
+          </a:xfrm>
+          <a:prstGeom prst="rect">
+            <a:avLst/>
+          </a:prstGeom>
+          <a:gradFill>
+            <a:gsLst>
+              <a:gs pos="0">
+                <a:srgbClr val="000000">
+                  <a:alpha val="0"/>
+                </a:srgbClr>
+              </a:gs>
+              <a:gs pos="99000">
+                <a:schemeClr val="accent1">
+                  <a:alpha val="46000"/>
+                </a:schemeClr>
+              </a:gs>
+            </a:gsLst>
+            <a:lin ang="1800000" scaled="0"/>
+          </a:gradFill>
+          <a:ln>
+            <a:noFill/>
+          </a:ln>
+        </p:spPr>
+        <p:style>
+          <a:lnRef idx="2">
+            <a:schemeClr val="accent1">
+              <a:shade val="50000"/>
+            </a:schemeClr>
+          </a:lnRef>
+          <a:fillRef idx="1">
+            <a:schemeClr val="accent1"/>
+          </a:fillRef>
+          <a:effectRef idx="0">
+            <a:schemeClr val="accent1"/>
+          </a:effectRef>
+          <a:fontRef idx="minor">
+            <a:schemeClr val="lt1"/>
+          </a:fontRef>
+        </p:style>
+        <p:txBody>
+          <a:bodyPr rtlCol="0" anchor="ctr"/>
+          <a:lstStyle/>
+          <a:p>
+            <a:pPr algn="ctr"/>
+            <a:endParaRPr lang="pl-PL" noProof="0" dirty="0"/>
+          </a:p>
+        </p:txBody>
+      </p:sp>
+      <p:sp>
+        <p:nvSpPr>
+          <p:cNvPr id="16" name="Rectangle 15">
+            <a:extLst>
+              <a:ext uri="{FF2B5EF4-FFF2-40B4-BE49-F238E27FC236}">
+                <a16:creationId xmlns:a16="http://schemas.microsoft.com/office/drawing/2014/main" id="{D2B78728-A580-49A7-84F9-6EF6F583ADE0}"/>
+              </a:ext>
+              <a:ext uri="{C183D7F6-B498-43B3-948B-1728B52AA6E4}">
+                <adec:decorative xmlns:adec="http://schemas.microsoft.com/office/drawing/2017/decorative" val="1"/>
+              </a:ext>
+            </a:extLst>
+          </p:cNvPr>
+          <p:cNvSpPr>
+            <a:spLocks noGrp="1" noRot="1" noChangeAspect="1" noMove="1" noResize="1" noEditPoints="1" noAdjustHandles="1" noChangeArrowheads="1" noChangeShapeType="1" noTextEdit="1"/>
+          </p:cNvSpPr>
+          <p:nvPr>
+            <p:extLst>
+              <p:ext uri="{386F3935-93C4-4BCD-93E2-E3B085C9AB24}">
+                <p16:designElem xmlns:p16="http://schemas.microsoft.com/office/powerpoint/2015/main" val="1"/>
+              </p:ext>
+            </p:extLst>
+          </p:nvPr>
+        </p:nvSpPr>
+        <p:spPr>
+          <a:xfrm rot="5400000" flipH="1">
+            <a:off x="767923" y="3588085"/>
+            <a:ext cx="2501979" cy="4037841"/>
+          </a:xfrm>
+          <a:prstGeom prst="rect">
+            <a:avLst/>
+          </a:prstGeom>
+          <a:gradFill>
+            <a:gsLst>
+              <a:gs pos="2000">
+                <a:schemeClr val="accent1">
+                  <a:alpha val="29000"/>
+                </a:schemeClr>
+              </a:gs>
+              <a:gs pos="100000">
+                <a:srgbClr val="000000">
+                  <a:alpha val="30000"/>
+                </a:srgbClr>
+              </a:gs>
+            </a:gsLst>
+            <a:lin ang="7800000" scaled="0"/>
+          </a:gradFill>
+          <a:ln>
+            <a:noFill/>
+          </a:ln>
+        </p:spPr>
+        <p:style>
+          <a:lnRef idx="2">
+            <a:schemeClr val="accent1">
+              <a:shade val="50000"/>
+            </a:schemeClr>
+          </a:lnRef>
+          <a:fillRef idx="1">
+            <a:schemeClr val="accent1"/>
+          </a:fillRef>
+          <a:effectRef idx="0">
+            <a:schemeClr val="accent1"/>
+          </a:effectRef>
+          <a:fontRef idx="minor">
+            <a:schemeClr val="lt1"/>
+          </a:fontRef>
+        </p:style>
+        <p:txBody>
+          <a:bodyPr rtlCol="0" anchor="ctr"/>
+          <a:lstStyle/>
+          <a:p>
+            <a:pPr algn="ctr"/>
+            <a:endParaRPr lang="pl-PL" noProof="0" dirty="0"/>
+          </a:p>
+        </p:txBody>
+      </p:sp>
+      <p:sp>
+        <p:nvSpPr>
+          <p:cNvPr id="18" name="Freeform: Shape 17">
+            <a:extLst>
+              <a:ext uri="{FF2B5EF4-FFF2-40B4-BE49-F238E27FC236}">
+                <a16:creationId xmlns:a16="http://schemas.microsoft.com/office/drawing/2014/main" id="{38FAA1A1-D861-433F-88FA-1E9D6FD31D11}"/>
+              </a:ext>
+              <a:ext uri="{C183D7F6-B498-43B3-948B-1728B52AA6E4}">
+                <adec:decorative xmlns:adec="http://schemas.microsoft.com/office/drawing/2017/decorative" val="1"/>
+              </a:ext>
+            </a:extLst>
+          </p:cNvPr>
+          <p:cNvSpPr>
+            <a:spLocks noGrp="1" noRot="1" noChangeAspect="1" noMove="1" noResize="1" noEditPoints="1" noAdjustHandles="1" noChangeArrowheads="1" noChangeShapeType="1" noTextEdit="1"/>
+          </p:cNvSpPr>
+          <p:nvPr>
+            <p:extLst>
+              <p:ext uri="{386F3935-93C4-4BCD-93E2-E3B085C9AB24}">
+                <p16:designElem xmlns:p16="http://schemas.microsoft.com/office/powerpoint/2015/main" val="1"/>
+              </p:ext>
+            </p:extLst>
+          </p:nvPr>
+        </p:nvSpPr>
+        <p:spPr>
+          <a:xfrm rot="20635413">
+            <a:off x="-501737" y="969718"/>
+            <a:ext cx="3900357" cy="4178958"/>
+          </a:xfrm>
+          <a:custGeom>
+            <a:avLst/>
+            <a:gdLst>
+              <a:gd name="connsiteX0" fmla="*/ 2432225 w 3900357"/>
+              <a:gd name="connsiteY0" fmla="*/ 93939 h 4178958"/>
+              <a:gd name="connsiteX1" fmla="*/ 3900357 w 3900357"/>
+              <a:gd name="connsiteY1" fmla="*/ 2089479 h 4178958"/>
+              <a:gd name="connsiteX2" fmla="*/ 1810878 w 3900357"/>
+              <a:gd name="connsiteY2" fmla="*/ 4178958 h 4178958"/>
+              <a:gd name="connsiteX3" fmla="*/ 78249 w 3900357"/>
+              <a:gd name="connsiteY3" fmla="*/ 3257727 h 4178958"/>
+              <a:gd name="connsiteX4" fmla="*/ 0 w 3900357"/>
+              <a:gd name="connsiteY4" fmla="*/ 3128923 h 4178958"/>
+              <a:gd name="connsiteX5" fmla="*/ 831324 w 3900357"/>
+              <a:gd name="connsiteY5" fmla="*/ 244281 h 4178958"/>
+              <a:gd name="connsiteX6" fmla="*/ 997559 w 3900357"/>
+              <a:gd name="connsiteY6" fmla="*/ 164202 h 4178958"/>
+              <a:gd name="connsiteX7" fmla="*/ 1810878 w 3900357"/>
+              <a:gd name="connsiteY7" fmla="*/ 0 h 4178958"/>
+              <a:gd name="connsiteX8" fmla="*/ 2432225 w 3900357"/>
+              <a:gd name="connsiteY8" fmla="*/ 93939 h 4178958"/>
+            </a:gdLst>
+            <a:ahLst/>
+            <a:cxnLst>
+              <a:cxn ang="0">
+                <a:pos x="connsiteX0" y="connsiteY0"/>
+              </a:cxn>
+              <a:cxn ang="0">
+                <a:pos x="connsiteX1" y="connsiteY1"/>
+              </a:cxn>
+              <a:cxn ang="0">
+                <a:pos x="connsiteX2" y="connsiteY2"/>
+              </a:cxn>
+              <a:cxn ang="0">
+                <a:pos x="connsiteX3" y="connsiteY3"/>
+              </a:cxn>
+              <a:cxn ang="0">
+                <a:pos x="connsiteX4" y="connsiteY4"/>
+              </a:cxn>
+              <a:cxn ang="0">
+                <a:pos x="connsiteX5" y="connsiteY5"/>
+              </a:cxn>
+              <a:cxn ang="0">
+                <a:pos x="connsiteX6" y="connsiteY6"/>
+              </a:cxn>
+              <a:cxn ang="0">
+                <a:pos x="connsiteX7" y="connsiteY7"/>
+              </a:cxn>
+              <a:cxn ang="0">
+                <a:pos x="connsiteX8" y="connsiteY8"/>
+              </a:cxn>
+            </a:cxnLst>
+            <a:rect l="l" t="t" r="r" b="b"/>
+            <a:pathLst>
+              <a:path w="3900357" h="4178958">
+                <a:moveTo>
+                  <a:pt x="2432225" y="93939"/>
+                </a:moveTo>
+                <a:cubicBezTo>
+                  <a:pt x="3282786" y="358491"/>
+                  <a:pt x="3900357" y="1151865"/>
+                  <a:pt x="3900357" y="2089479"/>
+                </a:cubicBezTo>
+                <a:cubicBezTo>
+                  <a:pt x="3900357" y="3243466"/>
+                  <a:pt x="2964865" y="4178958"/>
+                  <a:pt x="1810878" y="4178958"/>
+                </a:cubicBezTo>
+                <a:cubicBezTo>
+                  <a:pt x="1089636" y="4178958"/>
+                  <a:pt x="453744" y="3813531"/>
+                  <a:pt x="78249" y="3257727"/>
+                </a:cubicBezTo>
+                <a:lnTo>
+                  <a:pt x="0" y="3128923"/>
+                </a:lnTo>
+                <a:lnTo>
+                  <a:pt x="831324" y="244281"/>
+                </a:lnTo>
+                <a:lnTo>
+                  <a:pt x="997559" y="164202"/>
+                </a:lnTo>
+                <a:cubicBezTo>
+                  <a:pt x="1247540" y="58468"/>
+                  <a:pt x="1522381" y="0"/>
+                  <a:pt x="1810878" y="0"/>
+                </a:cubicBezTo>
+                <a:cubicBezTo>
+                  <a:pt x="2027251" y="0"/>
+                  <a:pt x="2235942" y="32888"/>
+                  <a:pt x="2432225" y="93939"/>
+                </a:cubicBezTo>
+                <a:close/>
+              </a:path>
+            </a:pathLst>
+          </a:custGeom>
+          <a:gradFill>
+            <a:gsLst>
+              <a:gs pos="29000">
+                <a:srgbClr val="000000">
+                  <a:alpha val="0"/>
+                </a:srgbClr>
+              </a:gs>
+              <a:gs pos="100000">
+                <a:schemeClr val="accent1">
+                  <a:alpha val="43000"/>
+                </a:schemeClr>
+              </a:gs>
+            </a:gsLst>
+            <a:lin ang="1800000" scaled="0"/>
+          </a:gradFill>
+          <a:ln>
+            <a:noFill/>
+          </a:ln>
+        </p:spPr>
+        <p:style>
+          <a:lnRef idx="2">
+            <a:schemeClr val="accent1">
+              <a:shade val="50000"/>
+            </a:schemeClr>
+          </a:lnRef>
+          <a:fillRef idx="1">
+            <a:schemeClr val="accent1"/>
+          </a:fillRef>
+          <a:effectRef idx="0">
+            <a:schemeClr val="accent1"/>
+          </a:effectRef>
+          <a:fontRef idx="minor">
+            <a:schemeClr val="lt1"/>
+          </a:fontRef>
+        </p:style>
+        <p:txBody>
+          <a:bodyPr wrap="square" rtlCol="0" anchor="ctr">
+            <a:noAutofit/>
+          </a:bodyPr>
+          <a:lstStyle/>
+          <a:p>
+            <a:pPr algn="ctr"/>
+            <a:endParaRPr lang="pl-PL" noProof="0" dirty="0"/>
+          </a:p>
+        </p:txBody>
+      </p:sp>
+      <p:sp>
+        <p:nvSpPr>
+          <p:cNvPr id="20" name="Rectangle 19">
+            <a:extLst>
+              <a:ext uri="{FF2B5EF4-FFF2-40B4-BE49-F238E27FC236}">
+                <a16:creationId xmlns:a16="http://schemas.microsoft.com/office/drawing/2014/main" id="{8D71EDA1-87BF-4D5D-AB79-F346FD19278A}"/>
+              </a:ext>
+              <a:ext uri="{C183D7F6-B498-43B3-948B-1728B52AA6E4}">
+                <adec:decorative xmlns:adec="http://schemas.microsoft.com/office/drawing/2017/decorative" val="1"/>
+              </a:ext>
+            </a:extLst>
+          </p:cNvPr>
+          <p:cNvSpPr>
+            <a:spLocks noGrp="1" noRot="1" noChangeAspect="1" noMove="1" noResize="1" noEditPoints="1" noAdjustHandles="1" noChangeArrowheads="1" noChangeShapeType="1" noTextEdit="1"/>
+          </p:cNvSpPr>
+          <p:nvPr>
+            <p:extLst>
+              <p:ext uri="{386F3935-93C4-4BCD-93E2-E3B085C9AB24}">
+                <p16:designElem xmlns:p16="http://schemas.microsoft.com/office/powerpoint/2015/main" val="1"/>
+              </p:ext>
+            </p:extLst>
+          </p:nvPr>
+        </p:nvSpPr>
+        <p:spPr>
+          <a:xfrm rot="5400000" flipH="1">
+            <a:off x="-1410093" y="1399943"/>
+            <a:ext cx="6858003" cy="4037835"/>
+          </a:xfrm>
+          <a:prstGeom prst="rect">
+            <a:avLst/>
+          </a:prstGeom>
+          <a:gradFill>
+            <a:gsLst>
+              <a:gs pos="0">
+                <a:srgbClr val="000000">
+                  <a:alpha val="0"/>
+                </a:srgbClr>
+              </a:gs>
+              <a:gs pos="99000">
+                <a:schemeClr val="accent1">
+                  <a:lumMod val="60000"/>
+                  <a:lumOff val="40000"/>
+                  <a:alpha val="11000"/>
+                </a:schemeClr>
+              </a:gs>
+            </a:gsLst>
+            <a:lin ang="7200000" scaled="0"/>
+          </a:gradFill>
+          <a:ln>
+            <a:noFill/>
+          </a:ln>
+        </p:spPr>
+        <p:style>
+          <a:lnRef idx="2">
+            <a:schemeClr val="accent1">
+              <a:shade val="50000"/>
+            </a:schemeClr>
+          </a:lnRef>
+          <a:fillRef idx="1">
+            <a:schemeClr val="accent1"/>
+          </a:fillRef>
+          <a:effectRef idx="0">
+            <a:schemeClr val="accent1"/>
+          </a:effectRef>
+          <a:fontRef idx="minor">
+            <a:schemeClr val="lt1"/>
+          </a:fontRef>
+        </p:style>
+        <p:txBody>
+          <a:bodyPr rtlCol="0" anchor="ctr"/>
+          <a:lstStyle/>
+          <a:p>
+            <a:pPr algn="ctr"/>
+            <a:endParaRPr lang="pl-PL" noProof="0" dirty="0"/>
+          </a:p>
+        </p:txBody>
+      </p:sp>
+      <p:sp>
+        <p:nvSpPr>
+          <p:cNvPr id="2" name="Title 1">
+            <a:extLst>
+              <a:ext uri="{FF2B5EF4-FFF2-40B4-BE49-F238E27FC236}">
                 <a16:creationId xmlns:a16="http://schemas.microsoft.com/office/drawing/2014/main" id="{545507E5-4578-0254-04AC-9A49570FAA9D}"/>
               </a:ext>
             </a:extLst>
@@ -19009,7 +21626,7 @@
 </p:sld>
 </file>
 
-<file path=ppt/slides/slide8.xml><?xml version="1.0" encoding="utf-8"?>
+<file path=ppt/slides/slide9.xml><?xml version="1.0" encoding="utf-8"?>
 <p:sld xmlns:a="http://schemas.openxmlformats.org/drawingml/2006/main" xmlns:r="http://schemas.openxmlformats.org/officeDocument/2006/relationships" xmlns:p="http://schemas.openxmlformats.org/presentationml/2006/main">
   <p:cSld>
     <p:bg>
@@ -19691,664 +22308,6 @@
     <p:extLst>
       <p:ext uri="{BB962C8B-B14F-4D97-AF65-F5344CB8AC3E}">
         <p14:creationId xmlns:p14="http://schemas.microsoft.com/office/powerpoint/2010/main" val="579061007"/>
-      </p:ext>
-    </p:extLst>
-  </p:cSld>
-  <p:clrMapOvr>
-    <a:masterClrMapping/>
-  </p:clrMapOvr>
-</p:sld>
-</file>
-
-<file path=ppt/slides/slide9.xml><?xml version="1.0" encoding="utf-8"?>
-<p:sld xmlns:a="http://schemas.openxmlformats.org/drawingml/2006/main" xmlns:r="http://schemas.openxmlformats.org/officeDocument/2006/relationships" xmlns:p="http://schemas.openxmlformats.org/presentationml/2006/main">
-  <p:cSld>
-    <p:bg>
-      <p:bgPr>
-        <a:solidFill>
-          <a:schemeClr val="bg1"/>
-        </a:solidFill>
-        <a:effectLst/>
-      </p:bgPr>
-    </p:bg>
-    <p:spTree>
-      <p:nvGrpSpPr>
-        <p:cNvPr id="1" name=""/>
-        <p:cNvGrpSpPr/>
-        <p:nvPr/>
-      </p:nvGrpSpPr>
-      <p:grpSpPr>
-        <a:xfrm>
-          <a:off x="0" y="0"/>
-          <a:ext cx="0" cy="0"/>
-          <a:chOff x="0" y="0"/>
-          <a:chExt cx="0" cy="0"/>
-        </a:xfrm>
-      </p:grpSpPr>
-      <p:sp useBgFill="1">
-        <p:nvSpPr>
-          <p:cNvPr id="8" name="Rectangle 7">
-            <a:extLst>
-              <a:ext uri="{FF2B5EF4-FFF2-40B4-BE49-F238E27FC236}">
-                <a16:creationId xmlns:a16="http://schemas.microsoft.com/office/drawing/2014/main" id="{1B15ED52-F352-441B-82BF-E0EA34836D08}"/>
-              </a:ext>
-              <a:ext uri="{C183D7F6-B498-43B3-948B-1728B52AA6E4}">
-                <adec:decorative xmlns:adec="http://schemas.microsoft.com/office/drawing/2017/decorative" val="1"/>
-              </a:ext>
-            </a:extLst>
-          </p:cNvPr>
-          <p:cNvSpPr>
-            <a:spLocks noGrp="1" noRot="1" noChangeAspect="1" noMove="1" noResize="1" noEditPoints="1" noAdjustHandles="1" noChangeArrowheads="1" noChangeShapeType="1" noTextEdit="1"/>
-          </p:cNvSpPr>
-          <p:nvPr>
-            <p:extLst>
-              <p:ext uri="{386F3935-93C4-4BCD-93E2-E3B085C9AB24}">
-                <p16:designElem xmlns:p16="http://schemas.microsoft.com/office/powerpoint/2015/main" val="1"/>
-              </p:ext>
-            </p:extLst>
-          </p:nvPr>
-        </p:nvSpPr>
-        <p:spPr>
-          <a:xfrm>
-            <a:off x="0" y="0"/>
-            <a:ext cx="12192000" cy="6858000"/>
-          </a:xfrm>
-          <a:prstGeom prst="rect">
-            <a:avLst/>
-          </a:prstGeom>
-          <a:ln w="12700" cap="flat" cmpd="sng" algn="ctr">
-            <a:noFill/>
-            <a:prstDash val="solid"/>
-            <a:miter lim="800000"/>
-          </a:ln>
-          <a:effectLst/>
-          <a:extLst>
-            <a:ext uri="{91240B29-F687-4F45-9708-019B960494DF}">
-              <a14:hiddenLine xmlns:a14="http://schemas.microsoft.com/office/drawing/2010/main" w="12700" cap="flat" cmpd="sng" algn="ctr">
-                <a:solidFill>
-                  <a:schemeClr val="accent1">
-                    <a:shade val="50000"/>
-                  </a:schemeClr>
-                </a:solidFill>
-                <a:prstDash val="solid"/>
-                <a:miter lim="800000"/>
-              </a14:hiddenLine>
-            </a:ext>
-          </a:extLst>
-        </p:spPr>
-        <p:style>
-          <a:lnRef idx="2">
-            <a:schemeClr val="accent1">
-              <a:shade val="50000"/>
-            </a:schemeClr>
-          </a:lnRef>
-          <a:fillRef idx="1">
-            <a:schemeClr val="accent1"/>
-          </a:fillRef>
-          <a:effectRef idx="0">
-            <a:schemeClr val="accent1"/>
-          </a:effectRef>
-          <a:fontRef idx="minor">
-            <a:schemeClr val="lt1"/>
-          </a:fontRef>
-        </p:style>
-        <p:txBody>
-          <a:bodyPr rtlCol="0" anchor="ctr"/>
-          <a:lstStyle/>
-          <a:p>
-            <a:pPr algn="ctr"/>
-            <a:endParaRPr lang="pl-PL" noProof="0" dirty="0"/>
-          </a:p>
-        </p:txBody>
-      </p:sp>
-      <p:sp>
-        <p:nvSpPr>
-          <p:cNvPr id="10" name="Rectangle 9">
-            <a:extLst>
-              <a:ext uri="{FF2B5EF4-FFF2-40B4-BE49-F238E27FC236}">
-                <a16:creationId xmlns:a16="http://schemas.microsoft.com/office/drawing/2014/main" id="{3B2E3793-BFE6-45A2-9B7B-E18844431C99}"/>
-              </a:ext>
-              <a:ext uri="{C183D7F6-B498-43B3-948B-1728B52AA6E4}">
-                <adec:decorative xmlns:adec="http://schemas.microsoft.com/office/drawing/2017/decorative" val="1"/>
-              </a:ext>
-            </a:extLst>
-          </p:cNvPr>
-          <p:cNvSpPr>
-            <a:spLocks noGrp="1" noRot="1" noChangeAspect="1" noMove="1" noResize="1" noEditPoints="1" noAdjustHandles="1" noChangeArrowheads="1" noChangeShapeType="1" noTextEdit="1"/>
-          </p:cNvSpPr>
-          <p:nvPr>
-            <p:extLst>
-              <p:ext uri="{386F3935-93C4-4BCD-93E2-E3B085C9AB24}">
-                <p16:designElem xmlns:p16="http://schemas.microsoft.com/office/powerpoint/2015/main" val="1"/>
-              </p:ext>
-            </p:extLst>
-          </p:nvPr>
-        </p:nvSpPr>
-        <p:spPr>
-          <a:xfrm flipH="1">
-            <a:off x="-1" y="-1"/>
-            <a:ext cx="12191998" cy="1590742"/>
-          </a:xfrm>
-          <a:prstGeom prst="rect">
-            <a:avLst/>
-          </a:prstGeom>
-          <a:gradFill>
-            <a:gsLst>
-              <a:gs pos="0">
-                <a:srgbClr val="000000"/>
-              </a:gs>
-              <a:gs pos="100000">
-                <a:schemeClr val="accent1">
-                  <a:lumMod val="75000"/>
-                </a:schemeClr>
-              </a:gs>
-            </a:gsLst>
-            <a:lin ang="8400000" scaled="0"/>
-          </a:gradFill>
-          <a:ln>
-            <a:noFill/>
-          </a:ln>
-        </p:spPr>
-        <p:style>
-          <a:lnRef idx="2">
-            <a:schemeClr val="accent1">
-              <a:shade val="50000"/>
-            </a:schemeClr>
-          </a:lnRef>
-          <a:fillRef idx="1">
-            <a:schemeClr val="accent1"/>
-          </a:fillRef>
-          <a:effectRef idx="0">
-            <a:schemeClr val="accent1"/>
-          </a:effectRef>
-          <a:fontRef idx="minor">
-            <a:schemeClr val="lt1"/>
-          </a:fontRef>
-        </p:style>
-        <p:txBody>
-          <a:bodyPr rtlCol="0" anchor="ctr"/>
-          <a:lstStyle/>
-          <a:p>
-            <a:pPr algn="ctr"/>
-            <a:endParaRPr lang="pl-PL" noProof="0" dirty="0"/>
-          </a:p>
-        </p:txBody>
-      </p:sp>
-      <p:sp>
-        <p:nvSpPr>
-          <p:cNvPr id="12" name="Rectangle 11">
-            <a:extLst>
-              <a:ext uri="{FF2B5EF4-FFF2-40B4-BE49-F238E27FC236}">
-                <a16:creationId xmlns:a16="http://schemas.microsoft.com/office/drawing/2014/main" id="{BC4C4868-CB8F-4AF9-9CDB-8108F2C19B67}"/>
-              </a:ext>
-              <a:ext uri="{C183D7F6-B498-43B3-948B-1728B52AA6E4}">
-                <adec:decorative xmlns:adec="http://schemas.microsoft.com/office/drawing/2017/decorative" val="1"/>
-              </a:ext>
-            </a:extLst>
-          </p:cNvPr>
-          <p:cNvSpPr>
-            <a:spLocks noGrp="1" noRot="1" noChangeAspect="1" noMove="1" noResize="1" noEditPoints="1" noAdjustHandles="1" noChangeArrowheads="1" noChangeShapeType="1" noTextEdit="1"/>
-          </p:cNvSpPr>
-          <p:nvPr>
-            <p:extLst>
-              <p:ext uri="{386F3935-93C4-4BCD-93E2-E3B085C9AB24}">
-                <p16:designElem xmlns:p16="http://schemas.microsoft.com/office/powerpoint/2015/main" val="1"/>
-              </p:ext>
-            </p:extLst>
-          </p:nvPr>
-        </p:nvSpPr>
-        <p:spPr>
-          <a:xfrm rot="10800000" flipH="1">
-            <a:off x="-3" y="0"/>
-            <a:ext cx="8115306" cy="1590742"/>
-          </a:xfrm>
-          <a:prstGeom prst="rect">
-            <a:avLst/>
-          </a:prstGeom>
-          <a:gradFill>
-            <a:gsLst>
-              <a:gs pos="20000">
-                <a:schemeClr val="accent1">
-                  <a:alpha val="0"/>
-                </a:schemeClr>
-              </a:gs>
-              <a:gs pos="100000">
-                <a:schemeClr val="accent1">
-                  <a:lumMod val="50000"/>
-                  <a:alpha val="55000"/>
-                </a:schemeClr>
-              </a:gs>
-            </a:gsLst>
-            <a:lin ang="13800000" scaled="0"/>
-          </a:gradFill>
-          <a:ln>
-            <a:noFill/>
-          </a:ln>
-        </p:spPr>
-        <p:style>
-          <a:lnRef idx="2">
-            <a:schemeClr val="accent1">
-              <a:shade val="50000"/>
-            </a:schemeClr>
-          </a:lnRef>
-          <a:fillRef idx="1">
-            <a:schemeClr val="accent1"/>
-          </a:fillRef>
-          <a:effectRef idx="0">
-            <a:schemeClr val="accent1"/>
-          </a:effectRef>
-          <a:fontRef idx="minor">
-            <a:schemeClr val="lt1"/>
-          </a:fontRef>
-        </p:style>
-        <p:txBody>
-          <a:bodyPr rtlCol="0" anchor="ctr"/>
-          <a:lstStyle/>
-          <a:p>
-            <a:pPr algn="ctr"/>
-            <a:endParaRPr lang="pl-PL" noProof="0" dirty="0"/>
-          </a:p>
-        </p:txBody>
-      </p:sp>
-      <p:sp>
-        <p:nvSpPr>
-          <p:cNvPr id="14" name="Rectangle 13">
-            <a:extLst>
-              <a:ext uri="{FF2B5EF4-FFF2-40B4-BE49-F238E27FC236}">
-                <a16:creationId xmlns:a16="http://schemas.microsoft.com/office/drawing/2014/main" id="{375E0459-6403-40CD-989D-56A4407CA12E}"/>
-              </a:ext>
-              <a:ext uri="{C183D7F6-B498-43B3-948B-1728B52AA6E4}">
-                <adec:decorative xmlns:adec="http://schemas.microsoft.com/office/drawing/2017/decorative" val="1"/>
-              </a:ext>
-            </a:extLst>
-          </p:cNvPr>
-          <p:cNvSpPr>
-            <a:spLocks noGrp="1" noRot="1" noChangeAspect="1" noMove="1" noResize="1" noEditPoints="1" noAdjustHandles="1" noChangeArrowheads="1" noChangeShapeType="1" noTextEdit="1"/>
-          </p:cNvSpPr>
-          <p:nvPr>
-            <p:extLst>
-              <p:ext uri="{386F3935-93C4-4BCD-93E2-E3B085C9AB24}">
-                <p16:designElem xmlns:p16="http://schemas.microsoft.com/office/powerpoint/2015/main" val="1"/>
-              </p:ext>
-            </p:extLst>
-          </p:nvPr>
-        </p:nvSpPr>
-        <p:spPr>
-          <a:xfrm flipH="1">
-            <a:off x="8115299" y="-1"/>
-            <a:ext cx="4076698" cy="1590742"/>
-          </a:xfrm>
-          <a:prstGeom prst="rect">
-            <a:avLst/>
-          </a:prstGeom>
-          <a:gradFill>
-            <a:gsLst>
-              <a:gs pos="0">
-                <a:schemeClr val="accent1">
-                  <a:alpha val="66000"/>
-                </a:schemeClr>
-              </a:gs>
-              <a:gs pos="100000">
-                <a:srgbClr val="000000">
-                  <a:alpha val="30000"/>
-                </a:srgbClr>
-              </a:gs>
-            </a:gsLst>
-            <a:lin ang="13200000" scaled="0"/>
-          </a:gradFill>
-          <a:ln>
-            <a:noFill/>
-          </a:ln>
-        </p:spPr>
-        <p:style>
-          <a:lnRef idx="2">
-            <a:schemeClr val="accent1">
-              <a:shade val="50000"/>
-            </a:schemeClr>
-          </a:lnRef>
-          <a:fillRef idx="1">
-            <a:schemeClr val="accent1"/>
-          </a:fillRef>
-          <a:effectRef idx="0">
-            <a:schemeClr val="accent1"/>
-          </a:effectRef>
-          <a:fontRef idx="minor">
-            <a:schemeClr val="lt1"/>
-          </a:fontRef>
-        </p:style>
-        <p:txBody>
-          <a:bodyPr rtlCol="0" anchor="ctr"/>
-          <a:lstStyle/>
-          <a:p>
-            <a:pPr algn="ctr"/>
-            <a:endParaRPr lang="pl-PL" noProof="0" dirty="0"/>
-          </a:p>
-        </p:txBody>
-      </p:sp>
-      <p:sp>
-        <p:nvSpPr>
-          <p:cNvPr id="16" name="Rectangle 15">
-            <a:extLst>
-              <a:ext uri="{FF2B5EF4-FFF2-40B4-BE49-F238E27FC236}">
-                <a16:creationId xmlns:a16="http://schemas.microsoft.com/office/drawing/2014/main" id="{53E5B1A8-3AC9-4BD1-9BBC-78CA94F2D1BA}"/>
-              </a:ext>
-              <a:ext uri="{C183D7F6-B498-43B3-948B-1728B52AA6E4}">
-                <adec:decorative xmlns:adec="http://schemas.microsoft.com/office/drawing/2017/decorative" val="1"/>
-              </a:ext>
-            </a:extLst>
-          </p:cNvPr>
-          <p:cNvSpPr>
-            <a:spLocks noGrp="1" noRot="1" noChangeAspect="1" noMove="1" noResize="1" noEditPoints="1" noAdjustHandles="1" noChangeArrowheads="1" noChangeShapeType="1" noTextEdit="1"/>
-          </p:cNvSpPr>
-          <p:nvPr>
-            <p:extLst>
-              <p:ext uri="{386F3935-93C4-4BCD-93E2-E3B085C9AB24}">
-                <p16:designElem xmlns:p16="http://schemas.microsoft.com/office/powerpoint/2015/main" val="1"/>
-              </p:ext>
-            </p:extLst>
-          </p:nvPr>
-        </p:nvSpPr>
-        <p:spPr>
-          <a:xfrm>
-            <a:off x="459350" y="-1"/>
-            <a:ext cx="11732646" cy="1597433"/>
-          </a:xfrm>
-          <a:prstGeom prst="rect">
-            <a:avLst/>
-          </a:prstGeom>
-          <a:gradFill>
-            <a:gsLst>
-              <a:gs pos="50000">
-                <a:srgbClr val="000000">
-                  <a:alpha val="0"/>
-                </a:srgbClr>
-              </a:gs>
-              <a:gs pos="99000">
-                <a:schemeClr val="accent1">
-                  <a:lumMod val="50000"/>
-                  <a:alpha val="52000"/>
-                </a:schemeClr>
-              </a:gs>
-            </a:gsLst>
-            <a:lin ang="16800000" scaled="0"/>
-          </a:gradFill>
-          <a:ln>
-            <a:noFill/>
-          </a:ln>
-        </p:spPr>
-        <p:style>
-          <a:lnRef idx="2">
-            <a:schemeClr val="accent1">
-              <a:shade val="50000"/>
-            </a:schemeClr>
-          </a:lnRef>
-          <a:fillRef idx="1">
-            <a:schemeClr val="accent1"/>
-          </a:fillRef>
-          <a:effectRef idx="0">
-            <a:schemeClr val="accent1"/>
-          </a:effectRef>
-          <a:fontRef idx="minor">
-            <a:schemeClr val="lt1"/>
-          </a:fontRef>
-        </p:style>
-        <p:txBody>
-          <a:bodyPr rtlCol="0" anchor="ctr"/>
-          <a:lstStyle/>
-          <a:p>
-            <a:pPr algn="ctr"/>
-            <a:endParaRPr lang="pl-PL" noProof="0" dirty="0"/>
-          </a:p>
-        </p:txBody>
-      </p:sp>
-      <p:sp>
-        <p:nvSpPr>
-          <p:cNvPr id="2" name="Title 1">
-            <a:extLst>
-              <a:ext uri="{FF2B5EF4-FFF2-40B4-BE49-F238E27FC236}">
-                <a16:creationId xmlns:a16="http://schemas.microsoft.com/office/drawing/2014/main" id="{681317EF-DB20-F052-2774-06E4E5B6D358}"/>
-              </a:ext>
-            </a:extLst>
-          </p:cNvPr>
-          <p:cNvSpPr>
-            <a:spLocks noGrp="1"/>
-          </p:cNvSpPr>
-          <p:nvPr>
-            <p:ph type="title"/>
-          </p:nvPr>
-        </p:nvSpPr>
-        <p:spPr>
-          <a:xfrm>
-            <a:off x="1371599" y="294538"/>
-            <a:ext cx="9895951" cy="1033669"/>
-          </a:xfrm>
-        </p:spPr>
-        <p:txBody>
-          <a:bodyPr>
-            <a:normAutofit/>
-          </a:bodyPr>
-          <a:lstStyle/>
-          <a:p>
-            <a:r>
-              <a:rPr lang="pl-PL" sz="4000" noProof="0" dirty="0">
-                <a:solidFill>
-                  <a:srgbClr val="FFFFFF"/>
-                </a:solidFill>
-              </a:rPr>
-              <a:t>⚙️ </a:t>
-            </a:r>
-            <a:r>
-              <a:rPr lang="pl-PL" sz="4000" b="1" noProof="0" dirty="0">
-                <a:solidFill>
-                  <a:srgbClr val="FFFFFF"/>
-                </a:solidFill>
-              </a:rPr>
-              <a:t>Wielowątkowość (</a:t>
-            </a:r>
-            <a:r>
-              <a:rPr lang="pl-PL" sz="4000" b="1" noProof="0" dirty="0" err="1">
-                <a:solidFill>
-                  <a:srgbClr val="FFFFFF"/>
-                </a:solidFill>
-              </a:rPr>
-              <a:t>multithreading</a:t>
-            </a:r>
-            <a:r>
-              <a:rPr lang="pl-PL" sz="4000" b="1" noProof="0" dirty="0">
-                <a:solidFill>
-                  <a:srgbClr val="FFFFFF"/>
-                </a:solidFill>
-              </a:rPr>
-              <a:t>)</a:t>
-            </a:r>
-            <a:endParaRPr lang="pl-PL" sz="4000" noProof="0" dirty="0">
-              <a:solidFill>
-                <a:srgbClr val="FFFFFF"/>
-              </a:solidFill>
-            </a:endParaRPr>
-          </a:p>
-        </p:txBody>
-      </p:sp>
-      <p:sp>
-        <p:nvSpPr>
-          <p:cNvPr id="3" name="Content Placeholder 2">
-            <a:extLst>
-              <a:ext uri="{FF2B5EF4-FFF2-40B4-BE49-F238E27FC236}">
-                <a16:creationId xmlns:a16="http://schemas.microsoft.com/office/drawing/2014/main" id="{BC7F5565-3460-0152-3C5F-5E5465FED8C4}"/>
-              </a:ext>
-            </a:extLst>
-          </p:cNvPr>
-          <p:cNvSpPr>
-            <a:spLocks noGrp="1"/>
-          </p:cNvSpPr>
-          <p:nvPr>
-            <p:ph idx="1"/>
-          </p:nvPr>
-        </p:nvSpPr>
-        <p:spPr>
-          <a:xfrm>
-            <a:off x="1371599" y="2318197"/>
-            <a:ext cx="9724031" cy="3683358"/>
-          </a:xfrm>
-        </p:spPr>
-        <p:txBody>
-          <a:bodyPr anchor="ctr">
-            <a:normAutofit/>
-          </a:bodyPr>
-          <a:lstStyle/>
-          <a:p>
-            <a:pPr marL="0" indent="0">
-              <a:buNone/>
-            </a:pPr>
-            <a:r>
-              <a:rPr lang="pl-PL" sz="2000" b="0" i="0" noProof="0" dirty="0">
-                <a:effectLst/>
-              </a:rPr>
-              <a:t>🔧</a:t>
-            </a:r>
-            <a:r>
-              <a:rPr lang="pl-PL" sz="2000" b="1" noProof="0" dirty="0"/>
-              <a:t>Technologie wykorzystujące wielowątkowość:</a:t>
-            </a:r>
-          </a:p>
-          <a:p>
-            <a:pPr marL="0" indent="0">
-              <a:buNone/>
-            </a:pPr>
-            <a:endParaRPr lang="pl-PL" sz="2000" noProof="0" dirty="0"/>
-          </a:p>
-          <a:p>
-            <a:pPr marL="0" indent="0">
-              <a:buNone/>
-            </a:pPr>
-            <a:r>
-              <a:rPr lang="pl-PL" sz="2000" b="1" noProof="0" dirty="0"/>
-              <a:t>🐍</a:t>
-            </a:r>
-            <a:r>
-              <a:rPr lang="pl-PL" sz="2000" b="1" noProof="0" dirty="0" err="1"/>
-              <a:t>Python</a:t>
-            </a:r>
-            <a:r>
-              <a:rPr lang="pl-PL" sz="2000" b="1" noProof="0" dirty="0"/>
-              <a:t>: </a:t>
-            </a:r>
-            <a:r>
-              <a:rPr lang="pl-PL" sz="2000" noProof="0" dirty="0" err="1"/>
-              <a:t>threading</a:t>
-            </a:r>
-            <a:r>
-              <a:rPr lang="pl-PL" sz="2000" noProof="0" dirty="0"/>
-              <a:t> (z GIL), </a:t>
-            </a:r>
-            <a:r>
-              <a:rPr lang="pl-PL" sz="2000" noProof="0" dirty="0" err="1"/>
-              <a:t>concurrent.futures.ThreadPoolExecutor</a:t>
-            </a:r>
-            <a:r>
-              <a:rPr lang="pl-PL" sz="2000" noProof="0" dirty="0"/>
-              <a:t>  (pule wątków)</a:t>
-            </a:r>
-          </a:p>
-          <a:p>
-            <a:pPr marL="0" indent="0">
-              <a:buNone/>
-            </a:pPr>
-            <a:endParaRPr lang="pl-PL" sz="2000" noProof="0" dirty="0"/>
-          </a:p>
-          <a:p>
-            <a:pPr marL="0" indent="0">
-              <a:buNone/>
-            </a:pPr>
-            <a:r>
-              <a:rPr lang="pl-PL" sz="2000" b="1" noProof="0" dirty="0"/>
-              <a:t>☕Java: </a:t>
-            </a:r>
-            <a:r>
-              <a:rPr lang="pl-PL" sz="2000" noProof="0" dirty="0" err="1"/>
-              <a:t>Thread</a:t>
-            </a:r>
-            <a:r>
-              <a:rPr lang="pl-PL" sz="2000" noProof="0" dirty="0"/>
-              <a:t>, </a:t>
-            </a:r>
-            <a:r>
-              <a:rPr lang="pl-PL" sz="2000" noProof="0" dirty="0" err="1"/>
-              <a:t>Runnable</a:t>
-            </a:r>
-            <a:endParaRPr lang="pl-PL" sz="2000" noProof="0" dirty="0"/>
-          </a:p>
-          <a:p>
-            <a:endParaRPr lang="pl-PL" sz="2000" noProof="0" dirty="0"/>
-          </a:p>
-          <a:p>
-            <a:pPr marL="0" indent="0">
-              <a:buNone/>
-            </a:pPr>
-            <a:r>
-              <a:rPr lang="pl-PL" sz="2000" b="1" noProof="0" dirty="0"/>
-              <a:t>➕C++: </a:t>
-            </a:r>
-            <a:r>
-              <a:rPr lang="pl-PL" sz="2000" noProof="0" dirty="0" err="1"/>
-              <a:t>std</a:t>
-            </a:r>
-            <a:r>
-              <a:rPr lang="pl-PL" sz="2000" noProof="0" dirty="0"/>
-              <a:t>::</a:t>
-            </a:r>
-            <a:r>
-              <a:rPr lang="pl-PL" sz="2000" noProof="0" dirty="0" err="1"/>
-              <a:t>thread</a:t>
-            </a:r>
-            <a:endParaRPr lang="pl-PL" sz="2000" noProof="0" dirty="0"/>
-          </a:p>
-          <a:p>
-            <a:endParaRPr lang="pl-PL" sz="2000" noProof="0" dirty="0"/>
-          </a:p>
-          <a:p>
-            <a:pPr marL="0" indent="0">
-              <a:buNone/>
-            </a:pPr>
-            <a:r>
-              <a:rPr lang="pl-PL" sz="2000" b="1" noProof="0" dirty="0"/>
-              <a:t> #️ C#</a:t>
-            </a:r>
-            <a:r>
-              <a:rPr lang="pl-PL" sz="2000" noProof="0" dirty="0"/>
-              <a:t>: </a:t>
-            </a:r>
-            <a:r>
-              <a:rPr lang="pl-PL" sz="2000" noProof="0" dirty="0" err="1"/>
-              <a:t>System.Threading</a:t>
-            </a:r>
-            <a:r>
-              <a:rPr lang="pl-PL" sz="2000" noProof="0" dirty="0"/>
-              <a:t> (</a:t>
-            </a:r>
-            <a:r>
-              <a:rPr lang="pl-PL" sz="2000" noProof="0" dirty="0" err="1"/>
-              <a:t>Thread</a:t>
-            </a:r>
-            <a:r>
-              <a:rPr lang="pl-PL" sz="2000" noProof="0" dirty="0"/>
-              <a:t>, </a:t>
-            </a:r>
-            <a:r>
-              <a:rPr lang="pl-PL" sz="2000" noProof="0" dirty="0" err="1"/>
-              <a:t>ThreadPool</a:t>
-            </a:r>
-            <a:r>
-              <a:rPr lang="pl-PL" sz="2000" noProof="0" dirty="0"/>
-              <a:t>)</a:t>
-            </a:r>
-          </a:p>
-        </p:txBody>
-      </p:sp>
-    </p:spTree>
-    <p:extLst>
-      <p:ext uri="{BB962C8B-B14F-4D97-AF65-F5344CB8AC3E}">
-        <p14:creationId xmlns:p14="http://schemas.microsoft.com/office/powerpoint/2010/main" val="234811535"/>
       </p:ext>
     </p:extLst>
   </p:cSld>
@@ -20989,15 +22948,6 @@
 </file>
 
 <file path=customXml/item1.xml><?xml version="1.0" encoding="utf-8"?>
-<?mso-contentType ?>
-<FormTemplates xmlns="http://schemas.microsoft.com/sharepoint/v3/contenttype/forms">
-  <Display>DocumentLibraryForm</Display>
-  <Edit>DocumentLibraryForm</Edit>
-  <New>DocumentLibraryForm</New>
-</FormTemplates>
-</file>
-
-<file path=customXml/item2.xml><?xml version="1.0" encoding="utf-8"?>
 <ct:contentTypeSchema xmlns:ct="http://schemas.microsoft.com/office/2006/metadata/contentType" xmlns:ma="http://schemas.microsoft.com/office/2006/metadata/properties/metaAttributes" ct:_="" ma:_="" ma:contentTypeName="Dokument" ma:contentTypeID="0x0101003DF59BB1E1F6024BA0E7D45DB1EC5835" ma:contentTypeVersion="9" ma:contentTypeDescription="Utwórz nowy dokument." ma:contentTypeScope="" ma:versionID="603ecf3b2484509f0dab10692a727b7e">
   <xsd:schema xmlns:xsd="http://www.w3.org/2001/XMLSchema" xmlns:xs="http://www.w3.org/2001/XMLSchema" xmlns:p="http://schemas.microsoft.com/office/2006/metadata/properties" xmlns:ns3="9b92a06f-f216-4325-918e-4284d4f5ad16" xmlns:ns4="e1831fc3-d4ed-4772-abb8-d4a371720334" targetNamespace="http://schemas.microsoft.com/office/2006/metadata/properties" ma:root="true" ma:fieldsID="b09e22ae6cae443f49dcc72946c867d4" ns3:_="" ns4:_="">
     <xsd:import namespace="9b92a06f-f216-4325-918e-4284d4f5ad16"/>
@@ -21192,6 +23142,15 @@
 </ct:contentTypeSchema>
 </file>
 
+<file path=customXml/item2.xml><?xml version="1.0" encoding="utf-8"?>
+<?mso-contentType ?>
+<FormTemplates xmlns="http://schemas.microsoft.com/sharepoint/v3/contenttype/forms">
+  <Display>DocumentLibraryForm</Display>
+  <Edit>DocumentLibraryForm</Edit>
+  <New>DocumentLibraryForm</New>
+</FormTemplates>
+</file>
+
 <file path=customXml/item3.xml><?xml version="1.0" encoding="utf-8"?>
 <p:properties xmlns:p="http://schemas.microsoft.com/office/2006/metadata/properties" xmlns:xsi="http://www.w3.org/2001/XMLSchema-instance" xmlns:pc="http://schemas.microsoft.com/office/infopath/2007/PartnerControls">
   <documentManagement>
@@ -21201,14 +23160,6 @@
 </file>
 
 <file path=customXml/itemProps1.xml><?xml version="1.0" encoding="utf-8"?>
-<ds:datastoreItem xmlns:ds="http://schemas.openxmlformats.org/officeDocument/2006/customXml" ds:itemID="{1E9D191B-A341-4D6A-A260-1FD58812CC90}">
-  <ds:schemaRefs>
-    <ds:schemaRef ds:uri="http://schemas.microsoft.com/sharepoint/v3/contenttype/forms"/>
-  </ds:schemaRefs>
-</ds:datastoreItem>
-</file>
-
-<file path=customXml/itemProps2.xml><?xml version="1.0" encoding="utf-8"?>
 <ds:datastoreItem xmlns:ds="http://schemas.openxmlformats.org/officeDocument/2006/customXml" ds:itemID="{1020B329-04FC-44B4-BC77-D701CE248517}">
   <ds:schemaRefs>
     <ds:schemaRef ds:uri="http://schemas.microsoft.com/office/2006/metadata/contentType"/>
@@ -21227,19 +23178,27 @@
 </ds:datastoreItem>
 </file>
 
+<file path=customXml/itemProps2.xml><?xml version="1.0" encoding="utf-8"?>
+<ds:datastoreItem xmlns:ds="http://schemas.openxmlformats.org/officeDocument/2006/customXml" ds:itemID="{1E9D191B-A341-4D6A-A260-1FD58812CC90}">
+  <ds:schemaRefs>
+    <ds:schemaRef ds:uri="http://schemas.microsoft.com/sharepoint/v3/contenttype/forms"/>
+  </ds:schemaRefs>
+</ds:datastoreItem>
+</file>
+
 <file path=customXml/itemProps3.xml><?xml version="1.0" encoding="utf-8"?>
 <ds:datastoreItem xmlns:ds="http://schemas.openxmlformats.org/officeDocument/2006/customXml" ds:itemID="{1328A7BC-E20E-40BC-8E0C-ED18761CE053}">
   <ds:schemaRefs>
-    <ds:schemaRef ds:uri="http://schemas.microsoft.com/office/2006/metadata/properties"/>
     <ds:schemaRef ds:uri="http://schemas.microsoft.com/office/2006/documentManagement/types"/>
-    <ds:schemaRef ds:uri="http://purl.org/dc/terms/"/>
+    <ds:schemaRef ds:uri="http://schemas.openxmlformats.org/package/2006/metadata/core-properties"/>
     <ds:schemaRef ds:uri="http://www.w3.org/XML/1998/namespace"/>
     <ds:schemaRef ds:uri="http://purl.org/dc/dcmitype/"/>
-    <ds:schemaRef ds:uri="http://schemas.openxmlformats.org/package/2006/metadata/core-properties"/>
     <ds:schemaRef ds:uri="http://purl.org/dc/elements/1.1/"/>
+    <ds:schemaRef ds:uri="e1831fc3-d4ed-4772-abb8-d4a371720334"/>
     <ds:schemaRef ds:uri="http://schemas.microsoft.com/office/infopath/2007/PartnerControls"/>
-    <ds:schemaRef ds:uri="e1831fc3-d4ed-4772-abb8-d4a371720334"/>
     <ds:schemaRef ds:uri="9b92a06f-f216-4325-918e-4284d4f5ad16"/>
+    <ds:schemaRef ds:uri="http://schemas.microsoft.com/office/2006/metadata/properties"/>
+    <ds:schemaRef ds:uri="http://purl.org/dc/terms/"/>
   </ds:schemaRefs>
 </ds:datastoreItem>
 </file>
--- a/Prezentacja_JPWP.pptx
+++ b/Prezentacja_JPWP.pptx
@@ -175,7 +175,7 @@
 <file path=ppt/revisionInfo.xml><?xml version="1.0" encoding="utf-8"?>
 <p1510:revInfo xmlns:a="http://schemas.openxmlformats.org/drawingml/2006/main" xmlns:r="http://schemas.openxmlformats.org/officeDocument/2006/relationships" xmlns:p1510="http://schemas.microsoft.com/office/powerpoint/2015/10/main">
   <p1510:revLst>
-    <p1510:client id="{04B254FE-155A-CCD5-1799-FFF69E391EA7}" v="194" dt="2025-04-27T08:16:36.572"/>
+    <p1510:client id="{04B254FE-155A-CCD5-1799-FFF69E391EA7}" v="201" dt="2025-04-27T08:20:51.798"/>
   </p1510:revLst>
 </p1510:revInfo>
 </file>
@@ -19465,18 +19465,6 @@
               <a:t>cecha systemu operacyjnego, dzięki której w ramach jednego procesu może być wykonywanych kilka zadań nazywanych wątkami. Nowe zadania to kolejne ciągi instrukcji realizowane do pewnego stopnia niezależnie. Wszystkie wątki (zadania) w ramach tego samego procesu współdzielą tę samą wirtualną przestrzeń adresową zawierającą kod programu i jego dane.</a:t>
             </a:r>
           </a:p>
-          <a:p>
-            <a:pPr marL="0" indent="0">
-              <a:buNone/>
-            </a:pPr>
-            <a:endParaRPr lang="pl-PL" sz="1700" noProof="0" dirty="0"/>
-          </a:p>
-          <a:p>
-            <a:pPr marL="0" indent="0">
-              <a:buNone/>
-            </a:pPr>
-            <a:endParaRPr lang="pl-PL" sz="1700" noProof="0" dirty="0"/>
-          </a:p>
         </p:txBody>
       </p:sp>
     </p:spTree>
@@ -20474,7 +20462,7 @@
               <a:t>(ang. </a:t>
             </a:r>
             <a:r>
-              <a:rPr lang="pl-PL" sz="1700" err="1"/>
+              <a:rPr lang="pl-PL" sz="1700" dirty="0" err="1"/>
               <a:t>core</a:t>
             </a:r>
             <a:r>
@@ -20526,24 +20514,6 @@
               <a:t>.</a:t>
             </a:r>
             <a:endParaRPr lang="pl-PL" dirty="0"/>
-          </a:p>
-          <a:p>
-            <a:pPr marL="0" indent="0">
-              <a:buNone/>
-            </a:pPr>
-            <a:endParaRPr lang="pl-PL" sz="1700" b="1" noProof="0" dirty="0"/>
-          </a:p>
-          <a:p>
-            <a:pPr marL="0" indent="0">
-              <a:buNone/>
-            </a:pPr>
-            <a:endParaRPr lang="pl-PL" sz="1700" noProof="0" dirty="0"/>
-          </a:p>
-          <a:p>
-            <a:pPr marL="0" indent="0">
-              <a:buNone/>
-            </a:pPr>
-            <a:endParaRPr lang="pl-PL" sz="1700" noProof="0" dirty="0"/>
           </a:p>
         </p:txBody>
       </p:sp>
